--- a/docs/diagrams/AddStudentCommandSequenceDiagram.pptx
+++ b/docs/diagrams/AddStudentCommandSequenceDiagram.pptx
@@ -104,6 +104,11 @@
       </a:defRPr>
     </a:lvl9pPr>
   </p:defaultTextStyle>
+  <p:extLst>
+    <p:ext uri="{EFAFB233-063F-42B5-8137-9DF3F51BA10A}">
+      <p15:sldGuideLst xmlns:p15="http://schemas.microsoft.com/office/powerpoint/2012/main"/>
+    </p:ext>
+  </p:extLst>
 </p:presentation>
 </file>
 
@@ -3344,10 +3349,10 @@
       </p:grpSpPr>
       <p:grpSp>
         <p:nvGrpSpPr>
-          <p:cNvPr id="110" name="Group 109">
+          <p:cNvPr id="2" name="Group 1">
             <a:extLst>
               <a:ext uri="{FF2B5EF4-FFF2-40B4-BE49-F238E27FC236}">
-                <a16:creationId xmlns:a16="http://schemas.microsoft.com/office/drawing/2014/main" id="{0D1E4BAF-3859-4C7C-9881-58EFD6C29975}"/>
+                <a16:creationId xmlns:a16="http://schemas.microsoft.com/office/drawing/2014/main" id="{3F453049-3076-4C02-A8C6-1FB6F48B81C1}"/>
               </a:ext>
             </a:extLst>
           </p:cNvPr>
@@ -3362,393 +3367,3275 @@
             <a:chExt cx="11838884" cy="6274729"/>
           </a:xfrm>
         </p:grpSpPr>
-        <p:sp>
-          <p:nvSpPr>
-            <p:cNvPr id="62" name="TextBox 61">
+        <p:grpSp>
+          <p:nvGrpSpPr>
+            <p:cNvPr id="110" name="Group 109">
               <a:extLst>
                 <a:ext uri="{FF2B5EF4-FFF2-40B4-BE49-F238E27FC236}">
-                  <a16:creationId xmlns:a16="http://schemas.microsoft.com/office/drawing/2014/main" id="{12FAAD9D-0CCA-45B2-8A2B-2F7DE1C69179}"/>
+                  <a16:creationId xmlns:a16="http://schemas.microsoft.com/office/drawing/2014/main" id="{0D1E4BAF-3859-4C7C-9881-58EFD6C29975}"/>
                 </a:ext>
               </a:extLst>
             </p:cNvPr>
-            <p:cNvSpPr txBox="1"/>
+            <p:cNvGrpSpPr/>
             <p:nvPr/>
-          </p:nvSpPr>
-          <p:spPr>
+          </p:nvGrpSpPr>
+          <p:grpSpPr>
             <a:xfrm>
-              <a:off x="134687" y="1329867"/>
-              <a:ext cx="1133644" cy="261610"/>
+              <a:off x="134687" y="192157"/>
+              <a:ext cx="11838884" cy="6274729"/>
+              <a:chOff x="134687" y="192157"/>
+              <a:chExt cx="11838884" cy="6274729"/>
             </a:xfrm>
-            <a:prstGeom prst="rect">
-              <a:avLst/>
-            </a:prstGeom>
-            <a:noFill/>
-          </p:spPr>
-          <p:txBody>
-            <a:bodyPr wrap="none" rtlCol="0">
-              <a:spAutoFit/>
-            </a:bodyPr>
-            <a:lstStyle/>
-            <a:p>
-              <a:r>
-                <a:rPr lang="en-SG" sz="1050" b="1" dirty="0"/>
-                <a:t>execute(“list 1”)</a:t>
-              </a:r>
-            </a:p>
-          </p:txBody>
-        </p:sp>
-        <p:sp>
-          <p:nvSpPr>
-            <p:cNvPr id="3" name="Rectangle 2">
-              <a:extLst>
-                <a:ext uri="{FF2B5EF4-FFF2-40B4-BE49-F238E27FC236}">
-                  <a16:creationId xmlns:a16="http://schemas.microsoft.com/office/drawing/2014/main" id="{98E8B6C2-5C24-4746-B0EC-FA5FC6F07F3F}"/>
-                </a:ext>
-              </a:extLst>
-            </p:cNvPr>
-            <p:cNvSpPr/>
-            <p:nvPr/>
-          </p:nvSpPr>
-          <p:spPr>
-            <a:xfrm>
-              <a:off x="757584" y="200743"/>
-              <a:ext cx="7653206" cy="6064869"/>
-            </a:xfrm>
-            <a:prstGeom prst="rect">
-              <a:avLst/>
-            </a:prstGeom>
-            <a:solidFill>
-              <a:srgbClr val="C8C8FA"/>
-            </a:solidFill>
-            <a:ln w="19050">
+          </p:grpSpPr>
+          <p:sp>
+            <p:nvSpPr>
+              <p:cNvPr id="62" name="TextBox 61">
+                <a:extLst>
+                  <a:ext uri="{FF2B5EF4-FFF2-40B4-BE49-F238E27FC236}">
+                    <a16:creationId xmlns:a16="http://schemas.microsoft.com/office/drawing/2014/main" id="{12FAAD9D-0CCA-45B2-8A2B-2F7DE1C69179}"/>
+                  </a:ext>
+                </a:extLst>
+              </p:cNvPr>
+              <p:cNvSpPr txBox="1"/>
+              <p:nvPr/>
+            </p:nvSpPr>
+            <p:spPr>
+              <a:xfrm>
+                <a:off x="134687" y="1329867"/>
+                <a:ext cx="1133644" cy="261610"/>
+              </a:xfrm>
+              <a:prstGeom prst="rect">
+                <a:avLst/>
+              </a:prstGeom>
+              <a:noFill/>
+            </p:spPr>
+            <p:txBody>
+              <a:bodyPr wrap="none" rtlCol="0">
+                <a:spAutoFit/>
+              </a:bodyPr>
+              <a:lstStyle/>
+              <a:p>
+                <a:r>
+                  <a:rPr lang="en-SG" sz="1050" b="1" dirty="0"/>
+                  <a:t>execute(“list 1”)</a:t>
+                </a:r>
+              </a:p>
+            </p:txBody>
+          </p:sp>
+          <p:sp>
+            <p:nvSpPr>
+              <p:cNvPr id="3" name="Rectangle 2">
+                <a:extLst>
+                  <a:ext uri="{FF2B5EF4-FFF2-40B4-BE49-F238E27FC236}">
+                    <a16:creationId xmlns:a16="http://schemas.microsoft.com/office/drawing/2014/main" id="{98E8B6C2-5C24-4746-B0EC-FA5FC6F07F3F}"/>
+                  </a:ext>
+                </a:extLst>
+              </p:cNvPr>
+              <p:cNvSpPr/>
+              <p:nvPr/>
+            </p:nvSpPr>
+            <p:spPr>
+              <a:xfrm>
+                <a:off x="757584" y="200743"/>
+                <a:ext cx="7653206" cy="6064869"/>
+              </a:xfrm>
+              <a:prstGeom prst="rect">
+                <a:avLst/>
+              </a:prstGeom>
+              <a:solidFill>
+                <a:srgbClr val="C8C8FA"/>
+              </a:solidFill>
+              <a:ln w="19050">
+                <a:solidFill>
+                  <a:srgbClr val="B44D82"/>
+                </a:solidFill>
+              </a:ln>
+            </p:spPr>
+            <p:style>
+              <a:lnRef idx="2">
+                <a:schemeClr val="accent1">
+                  <a:shade val="50000"/>
+                </a:schemeClr>
+              </a:lnRef>
+              <a:fillRef idx="1">
+                <a:schemeClr val="accent1"/>
+              </a:fillRef>
+              <a:effectRef idx="0">
+                <a:schemeClr val="accent1"/>
+              </a:effectRef>
+              <a:fontRef idx="minor">
+                <a:schemeClr val="lt1"/>
+              </a:fontRef>
+            </p:style>
+            <p:txBody>
+              <a:bodyPr rtlCol="0" anchor="ctr"/>
+              <a:lstStyle/>
+              <a:p>
+                <a:pPr algn="ctr"/>
+                <a:endParaRPr lang="en-SG" dirty="0"/>
+              </a:p>
+            </p:txBody>
+          </p:sp>
+          <p:sp>
+            <p:nvSpPr>
+              <p:cNvPr id="5" name="Rectangle 4">
+                <a:extLst>
+                  <a:ext uri="{FF2B5EF4-FFF2-40B4-BE49-F238E27FC236}">
+                    <a16:creationId xmlns:a16="http://schemas.microsoft.com/office/drawing/2014/main" id="{F5C595BB-3588-4AB6-8E1B-C22DF903195C}"/>
+                  </a:ext>
+                </a:extLst>
+              </p:cNvPr>
+              <p:cNvSpPr/>
+              <p:nvPr/>
+            </p:nvSpPr>
+            <p:spPr>
+              <a:xfrm>
+                <a:off x="8370244" y="192157"/>
+                <a:ext cx="3603327" cy="6073454"/>
+              </a:xfrm>
+              <a:prstGeom prst="rect">
+                <a:avLst/>
+              </a:prstGeom>
+              <a:solidFill>
+                <a:srgbClr val="F97181"/>
+              </a:solidFill>
+              <a:ln w="19050">
+                <a:solidFill>
+                  <a:srgbClr val="B44D82"/>
+                </a:solidFill>
+              </a:ln>
+            </p:spPr>
+            <p:style>
+              <a:lnRef idx="2">
+                <a:schemeClr val="accent1">
+                  <a:shade val="50000"/>
+                </a:schemeClr>
+              </a:lnRef>
+              <a:fillRef idx="1">
+                <a:schemeClr val="accent1"/>
+              </a:fillRef>
+              <a:effectRef idx="0">
+                <a:schemeClr val="accent1"/>
+              </a:effectRef>
+              <a:fontRef idx="minor">
+                <a:schemeClr val="lt1"/>
+              </a:fontRef>
+            </p:style>
+            <p:txBody>
+              <a:bodyPr rtlCol="0" anchor="ctr"/>
+              <a:lstStyle/>
+              <a:p>
+                <a:pPr algn="ctr"/>
+                <a:endParaRPr lang="en-SG"/>
+              </a:p>
+            </p:txBody>
+          </p:sp>
+          <p:sp>
+            <p:nvSpPr>
+              <p:cNvPr id="8" name="Rectangle 7">
+                <a:extLst>
+                  <a:ext uri="{FF2B5EF4-FFF2-40B4-BE49-F238E27FC236}">
+                    <a16:creationId xmlns:a16="http://schemas.microsoft.com/office/drawing/2014/main" id="{8EB1BB0A-0650-4D22-BCF4-F5F5FB082260}"/>
+                  </a:ext>
+                </a:extLst>
+              </p:cNvPr>
+              <p:cNvSpPr/>
+              <p:nvPr/>
+            </p:nvSpPr>
+            <p:spPr>
+              <a:xfrm>
+                <a:off x="829166" y="781879"/>
+                <a:ext cx="1106804" cy="344556"/>
+              </a:xfrm>
+              <a:prstGeom prst="rect">
+                <a:avLst/>
+              </a:prstGeom>
+              <a:solidFill>
+                <a:srgbClr val="3333C4"/>
+              </a:solidFill>
+              <a:ln>
+                <a:solidFill>
+                  <a:srgbClr val="B44D82"/>
+                </a:solidFill>
+              </a:ln>
+            </p:spPr>
+            <p:style>
+              <a:lnRef idx="2">
+                <a:schemeClr val="accent1">
+                  <a:shade val="50000"/>
+                </a:schemeClr>
+              </a:lnRef>
+              <a:fillRef idx="1">
+                <a:schemeClr val="accent1"/>
+              </a:fillRef>
+              <a:effectRef idx="0">
+                <a:schemeClr val="accent1"/>
+              </a:effectRef>
+              <a:fontRef idx="minor">
+                <a:schemeClr val="lt1"/>
+              </a:fontRef>
+            </p:style>
+            <p:txBody>
+              <a:bodyPr rtlCol="0" anchor="ctr"/>
+              <a:lstStyle/>
+              <a:p>
+                <a:pPr algn="ctr"/>
+                <a:r>
+                  <a:rPr lang="en-SG" sz="1200" dirty="0"/>
+                  <a:t>:LogicManager</a:t>
+                </a:r>
+              </a:p>
+            </p:txBody>
+          </p:sp>
+          <p:sp>
+            <p:nvSpPr>
+              <p:cNvPr id="9" name="Rectangle 8">
+                <a:extLst>
+                  <a:ext uri="{FF2B5EF4-FFF2-40B4-BE49-F238E27FC236}">
+                    <a16:creationId xmlns:a16="http://schemas.microsoft.com/office/drawing/2014/main" id="{C7ECE479-461F-4B98-869F-34828AEF20F2}"/>
+                  </a:ext>
+                </a:extLst>
+              </p:cNvPr>
+              <p:cNvSpPr/>
+              <p:nvPr/>
+            </p:nvSpPr>
+            <p:spPr>
+              <a:xfrm>
+                <a:off x="2741401" y="785538"/>
+                <a:ext cx="1321001" cy="344556"/>
+              </a:xfrm>
+              <a:prstGeom prst="rect">
+                <a:avLst/>
+              </a:prstGeom>
+              <a:solidFill>
+                <a:srgbClr val="3333C4"/>
+              </a:solidFill>
+              <a:ln>
+                <a:solidFill>
+                  <a:srgbClr val="B44D82"/>
+                </a:solidFill>
+              </a:ln>
+            </p:spPr>
+            <p:style>
+              <a:lnRef idx="2">
+                <a:schemeClr val="accent1">
+                  <a:shade val="50000"/>
+                </a:schemeClr>
+              </a:lnRef>
+              <a:fillRef idx="1">
+                <a:schemeClr val="accent1"/>
+              </a:fillRef>
+              <a:effectRef idx="0">
+                <a:schemeClr val="accent1"/>
+              </a:effectRef>
+              <a:fontRef idx="minor">
+                <a:schemeClr val="lt1"/>
+              </a:fontRef>
+            </p:style>
+            <p:txBody>
+              <a:bodyPr rtlCol="0" anchor="ctr"/>
+              <a:lstStyle/>
+              <a:p>
+                <a:pPr algn="ctr"/>
+                <a:r>
+                  <a:rPr lang="en-SG" sz="1200" dirty="0"/>
+                  <a:t>:ApplicationParser</a:t>
+                </a:r>
+              </a:p>
+            </p:txBody>
+          </p:sp>
+          <p:sp>
+            <p:nvSpPr>
+              <p:cNvPr id="10" name="Rectangle 9">
+                <a:extLst>
+                  <a:ext uri="{FF2B5EF4-FFF2-40B4-BE49-F238E27FC236}">
+                    <a16:creationId xmlns:a16="http://schemas.microsoft.com/office/drawing/2014/main" id="{A4799C4C-CFC9-4AA5-B05F-F86AA1B5A9DF}"/>
+                  </a:ext>
+                </a:extLst>
+              </p:cNvPr>
+              <p:cNvSpPr/>
+              <p:nvPr/>
+            </p:nvSpPr>
+            <p:spPr>
+              <a:xfrm>
+                <a:off x="4139265" y="1415355"/>
+                <a:ext cx="1640665" cy="589724"/>
+              </a:xfrm>
+              <a:prstGeom prst="rect">
+                <a:avLst/>
+              </a:prstGeom>
+              <a:solidFill>
+                <a:srgbClr val="3333C4"/>
+              </a:solidFill>
+              <a:ln>
+                <a:solidFill>
+                  <a:srgbClr val="B44D82"/>
+                </a:solidFill>
+              </a:ln>
+            </p:spPr>
+            <p:style>
+              <a:lnRef idx="2">
+                <a:schemeClr val="accent1">
+                  <a:shade val="50000"/>
+                </a:schemeClr>
+              </a:lnRef>
+              <a:fillRef idx="1">
+                <a:schemeClr val="accent1"/>
+              </a:fillRef>
+              <a:effectRef idx="0">
+                <a:schemeClr val="accent1"/>
+              </a:effectRef>
+              <a:fontRef idx="minor">
+                <a:schemeClr val="lt1"/>
+              </a:fontRef>
+            </p:style>
+            <p:txBody>
+              <a:bodyPr rtlCol="0" anchor="ctr"/>
+              <a:lstStyle/>
+              <a:p>
+                <a:pPr algn="ctr"/>
+                <a:r>
+                  <a:rPr lang="en-SG" sz="1200" dirty="0"/>
+                  <a:t>:AddStudentCommandParser</a:t>
+                </a:r>
+              </a:p>
+            </p:txBody>
+          </p:sp>
+          <p:sp>
+            <p:nvSpPr>
+              <p:cNvPr id="11" name="Rectangle 10">
+                <a:extLst>
+                  <a:ext uri="{FF2B5EF4-FFF2-40B4-BE49-F238E27FC236}">
+                    <a16:creationId xmlns:a16="http://schemas.microsoft.com/office/drawing/2014/main" id="{92833D5A-EADC-47D3-B79F-43EF19E1463D}"/>
+                  </a:ext>
+                </a:extLst>
+              </p:cNvPr>
+              <p:cNvSpPr/>
+              <p:nvPr/>
+            </p:nvSpPr>
+            <p:spPr>
+              <a:xfrm>
+                <a:off x="1294648" y="1583635"/>
+                <a:ext cx="106017" cy="4187686"/>
+              </a:xfrm>
+              <a:prstGeom prst="rect">
+                <a:avLst/>
+              </a:prstGeom>
+              <a:solidFill>
+                <a:schemeClr val="bg1"/>
+              </a:solidFill>
+              <a:ln>
+                <a:solidFill>
+                  <a:srgbClr val="B44D82"/>
+                </a:solidFill>
+              </a:ln>
+            </p:spPr>
+            <p:style>
+              <a:lnRef idx="2">
+                <a:schemeClr val="accent1">
+                  <a:shade val="50000"/>
+                </a:schemeClr>
+              </a:lnRef>
+              <a:fillRef idx="1">
+                <a:schemeClr val="accent1"/>
+              </a:fillRef>
+              <a:effectRef idx="0">
+                <a:schemeClr val="accent1"/>
+              </a:effectRef>
+              <a:fontRef idx="minor">
+                <a:schemeClr val="lt1"/>
+              </a:fontRef>
+            </p:style>
+            <p:txBody>
+              <a:bodyPr rtlCol="0" anchor="ctr"/>
+              <a:lstStyle/>
+              <a:p>
+                <a:pPr algn="ctr"/>
+                <a:endParaRPr lang="en-SG"/>
+              </a:p>
+            </p:txBody>
+          </p:sp>
+          <p:cxnSp>
+            <p:nvCxnSpPr>
+              <p:cNvPr id="13" name="Straight Connector 12">
+                <a:extLst>
+                  <a:ext uri="{FF2B5EF4-FFF2-40B4-BE49-F238E27FC236}">
+                    <a16:creationId xmlns:a16="http://schemas.microsoft.com/office/drawing/2014/main" id="{93973046-EB52-4282-9482-A61E7247B4DD}"/>
+                  </a:ext>
+                </a:extLst>
+              </p:cNvPr>
+              <p:cNvCxnSpPr>
+                <a:cxnSpLocks/>
+                <a:endCxn id="11" idx="0"/>
+              </p:cNvCxnSpPr>
+              <p:nvPr/>
+            </p:nvCxnSpPr>
+            <p:spPr>
+              <a:xfrm>
+                <a:off x="1347657" y="1126435"/>
+                <a:ext cx="0" cy="457200"/>
+              </a:xfrm>
+              <a:prstGeom prst="line">
+                <a:avLst/>
+              </a:prstGeom>
+              <a:ln w="19050">
+                <a:solidFill>
+                  <a:srgbClr val="B44D82"/>
+                </a:solidFill>
+                <a:prstDash val="sysDash"/>
+              </a:ln>
+            </p:spPr>
+            <p:style>
+              <a:lnRef idx="1">
+                <a:schemeClr val="accent1"/>
+              </a:lnRef>
+              <a:fillRef idx="0">
+                <a:schemeClr val="accent1"/>
+              </a:fillRef>
+              <a:effectRef idx="0">
+                <a:schemeClr val="accent1"/>
+              </a:effectRef>
+              <a:fontRef idx="minor">
+                <a:schemeClr val="tx1"/>
+              </a:fontRef>
+            </p:style>
+          </p:cxnSp>
+          <p:cxnSp>
+            <p:nvCxnSpPr>
+              <p:cNvPr id="15" name="Straight Connector 14">
+                <a:extLst>
+                  <a:ext uri="{FF2B5EF4-FFF2-40B4-BE49-F238E27FC236}">
+                    <a16:creationId xmlns:a16="http://schemas.microsoft.com/office/drawing/2014/main" id="{7F13B209-389E-4EC4-A785-D2158F915B00}"/>
+                  </a:ext>
+                </a:extLst>
+              </p:cNvPr>
+              <p:cNvCxnSpPr>
+                <a:cxnSpLocks/>
+              </p:cNvCxnSpPr>
+              <p:nvPr/>
+            </p:nvCxnSpPr>
+            <p:spPr>
+              <a:xfrm>
+                <a:off x="1339658" y="5771321"/>
+                <a:ext cx="0" cy="695565"/>
+              </a:xfrm>
+              <a:prstGeom prst="line">
+                <a:avLst/>
+              </a:prstGeom>
+              <a:ln w="19050">
+                <a:solidFill>
+                  <a:srgbClr val="B44D82"/>
+                </a:solidFill>
+                <a:prstDash val="sysDash"/>
+              </a:ln>
+            </p:spPr>
+            <p:style>
+              <a:lnRef idx="1">
+                <a:schemeClr val="accent1"/>
+              </a:lnRef>
+              <a:fillRef idx="0">
+                <a:schemeClr val="accent1"/>
+              </a:fillRef>
+              <a:effectRef idx="0">
+                <a:schemeClr val="accent1"/>
+              </a:effectRef>
+              <a:fontRef idx="minor">
+                <a:schemeClr val="tx1"/>
+              </a:fontRef>
+            </p:style>
+          </p:cxnSp>
+          <p:cxnSp>
+            <p:nvCxnSpPr>
+              <p:cNvPr id="25" name="Straight Arrow Connector 24">
+                <a:extLst>
+                  <a:ext uri="{FF2B5EF4-FFF2-40B4-BE49-F238E27FC236}">
+                    <a16:creationId xmlns:a16="http://schemas.microsoft.com/office/drawing/2014/main" id="{330FD12F-85EC-40F7-97C3-C7B64CD34BAD}"/>
+                  </a:ext>
+                </a:extLst>
+              </p:cNvPr>
+              <p:cNvCxnSpPr>
+                <a:cxnSpLocks/>
+                <a:stCxn id="11" idx="2"/>
+              </p:cNvCxnSpPr>
+              <p:nvPr/>
+            </p:nvCxnSpPr>
+            <p:spPr>
+              <a:xfrm flipH="1">
+                <a:off x="215901" y="5771321"/>
+                <a:ext cx="1131756" cy="0"/>
+              </a:xfrm>
+              <a:prstGeom prst="straightConnector1">
+                <a:avLst/>
+              </a:prstGeom>
+              <a:ln w="19050">
+                <a:solidFill>
+                  <a:srgbClr val="B44D82"/>
+                </a:solidFill>
+                <a:prstDash val="sysDash"/>
+                <a:headEnd type="none" w="med" len="med"/>
+                <a:tailEnd type="arrow" w="med" len="med"/>
+              </a:ln>
+            </p:spPr>
+            <p:style>
+              <a:lnRef idx="1">
+                <a:schemeClr val="accent1"/>
+              </a:lnRef>
+              <a:fillRef idx="0">
+                <a:schemeClr val="accent1"/>
+              </a:fillRef>
+              <a:effectRef idx="0">
+                <a:schemeClr val="accent1"/>
+              </a:effectRef>
+              <a:fontRef idx="minor">
+                <a:schemeClr val="tx1"/>
+              </a:fontRef>
+            </p:style>
+          </p:cxnSp>
+          <p:sp>
+            <p:nvSpPr>
+              <p:cNvPr id="26" name="Rectangle 25">
+                <a:extLst>
+                  <a:ext uri="{FF2B5EF4-FFF2-40B4-BE49-F238E27FC236}">
+                    <a16:creationId xmlns:a16="http://schemas.microsoft.com/office/drawing/2014/main" id="{BECF7232-1ADE-42DF-9598-75D9AC64B1C4}"/>
+                  </a:ext>
+                </a:extLst>
+              </p:cNvPr>
+              <p:cNvSpPr/>
+              <p:nvPr/>
+            </p:nvSpPr>
+            <p:spPr>
+              <a:xfrm>
+                <a:off x="3280826" y="1716158"/>
+                <a:ext cx="106013" cy="1090852"/>
+              </a:xfrm>
+              <a:prstGeom prst="rect">
+                <a:avLst/>
+              </a:prstGeom>
+              <a:solidFill>
+                <a:schemeClr val="bg1"/>
+              </a:solidFill>
+              <a:ln>
+                <a:solidFill>
+                  <a:srgbClr val="B44D82"/>
+                </a:solidFill>
+              </a:ln>
+            </p:spPr>
+            <p:style>
+              <a:lnRef idx="2">
+                <a:schemeClr val="accent1">
+                  <a:shade val="50000"/>
+                </a:schemeClr>
+              </a:lnRef>
+              <a:fillRef idx="1">
+                <a:schemeClr val="accent1"/>
+              </a:fillRef>
+              <a:effectRef idx="0">
+                <a:schemeClr val="accent1"/>
+              </a:effectRef>
+              <a:fontRef idx="minor">
+                <a:schemeClr val="lt1"/>
+              </a:fontRef>
+            </p:style>
+            <p:txBody>
+              <a:bodyPr rtlCol="0" anchor="ctr"/>
+              <a:lstStyle/>
+              <a:p>
+                <a:pPr algn="ctr"/>
+                <a:endParaRPr lang="en-SG"/>
+              </a:p>
+            </p:txBody>
+          </p:sp>
+          <p:cxnSp>
+            <p:nvCxnSpPr>
+              <p:cNvPr id="27" name="Straight Connector 26">
+                <a:extLst>
+                  <a:ext uri="{FF2B5EF4-FFF2-40B4-BE49-F238E27FC236}">
+                    <a16:creationId xmlns:a16="http://schemas.microsoft.com/office/drawing/2014/main" id="{BBEC028F-3922-4CE4-A63A-5BCFFC51C23B}"/>
+                  </a:ext>
+                </a:extLst>
+              </p:cNvPr>
+              <p:cNvCxnSpPr>
+                <a:cxnSpLocks/>
+                <a:endCxn id="26" idx="0"/>
+              </p:cNvCxnSpPr>
+              <p:nvPr/>
+            </p:nvCxnSpPr>
+            <p:spPr>
+              <a:xfrm>
+                <a:off x="3333833" y="1126434"/>
+                <a:ext cx="0" cy="589724"/>
+              </a:xfrm>
+              <a:prstGeom prst="line">
+                <a:avLst/>
+              </a:prstGeom>
+              <a:ln w="19050">
+                <a:solidFill>
+                  <a:srgbClr val="B44D82"/>
+                </a:solidFill>
+                <a:prstDash val="sysDash"/>
+              </a:ln>
+            </p:spPr>
+            <p:style>
+              <a:lnRef idx="1">
+                <a:schemeClr val="accent1"/>
+              </a:lnRef>
+              <a:fillRef idx="0">
+                <a:schemeClr val="accent1"/>
+              </a:fillRef>
+              <a:effectRef idx="0">
+                <a:schemeClr val="accent1"/>
+              </a:effectRef>
+              <a:fontRef idx="minor">
+                <a:schemeClr val="tx1"/>
+              </a:fontRef>
+            </p:style>
+          </p:cxnSp>
+          <p:cxnSp>
+            <p:nvCxnSpPr>
+              <p:cNvPr id="29" name="Straight Arrow Connector 28">
+                <a:extLst>
+                  <a:ext uri="{FF2B5EF4-FFF2-40B4-BE49-F238E27FC236}">
+                    <a16:creationId xmlns:a16="http://schemas.microsoft.com/office/drawing/2014/main" id="{52D516B5-A322-4688-85D1-61D95CEEF012}"/>
+                  </a:ext>
+                </a:extLst>
+              </p:cNvPr>
+              <p:cNvCxnSpPr>
+                <a:cxnSpLocks/>
+              </p:cNvCxnSpPr>
+              <p:nvPr/>
+            </p:nvCxnSpPr>
+            <p:spPr>
+              <a:xfrm>
+                <a:off x="1400665" y="1716984"/>
+                <a:ext cx="1880157" cy="0"/>
+              </a:xfrm>
+              <a:prstGeom prst="straightConnector1">
+                <a:avLst/>
+              </a:prstGeom>
+              <a:ln w="19050">
+                <a:solidFill>
+                  <a:srgbClr val="B44D82"/>
+                </a:solidFill>
+                <a:prstDash val="solid"/>
+                <a:headEnd type="none" w="med" len="med"/>
+                <a:tailEnd type="arrow" w="med" len="med"/>
+              </a:ln>
+            </p:spPr>
+            <p:style>
+              <a:lnRef idx="1">
+                <a:schemeClr val="accent1"/>
+              </a:lnRef>
+              <a:fillRef idx="0">
+                <a:schemeClr val="accent1"/>
+              </a:fillRef>
+              <a:effectRef idx="0">
+                <a:schemeClr val="accent1"/>
+              </a:effectRef>
+              <a:fontRef idx="minor">
+                <a:schemeClr val="tx1"/>
+              </a:fontRef>
+            </p:style>
+          </p:cxnSp>
+          <p:cxnSp>
+            <p:nvCxnSpPr>
+              <p:cNvPr id="33" name="Straight Arrow Connector 32">
+                <a:extLst>
+                  <a:ext uri="{FF2B5EF4-FFF2-40B4-BE49-F238E27FC236}">
+                    <a16:creationId xmlns:a16="http://schemas.microsoft.com/office/drawing/2014/main" id="{8D5374DD-AB0D-41C3-851C-8EA8CC0A331A}"/>
+                  </a:ext>
+                </a:extLst>
+              </p:cNvPr>
+              <p:cNvCxnSpPr>
+                <a:cxnSpLocks/>
+              </p:cNvCxnSpPr>
+              <p:nvPr/>
+            </p:nvCxnSpPr>
+            <p:spPr>
+              <a:xfrm flipH="1">
+                <a:off x="1400665" y="2807010"/>
+                <a:ext cx="1880157" cy="0"/>
+              </a:xfrm>
+              <a:prstGeom prst="straightConnector1">
+                <a:avLst/>
+              </a:prstGeom>
+              <a:ln w="19050">
+                <a:solidFill>
+                  <a:srgbClr val="B44D82"/>
+                </a:solidFill>
+                <a:prstDash val="sysDash"/>
+                <a:headEnd type="none" w="med" len="med"/>
+                <a:tailEnd type="arrow" w="med" len="med"/>
+              </a:ln>
+            </p:spPr>
+            <p:style>
+              <a:lnRef idx="1">
+                <a:schemeClr val="accent1"/>
+              </a:lnRef>
+              <a:fillRef idx="0">
+                <a:schemeClr val="accent1"/>
+              </a:fillRef>
+              <a:effectRef idx="0">
+                <a:schemeClr val="accent1"/>
+              </a:effectRef>
+              <a:fontRef idx="minor">
+                <a:schemeClr val="tx1"/>
+              </a:fontRef>
+            </p:style>
+          </p:cxnSp>
+          <p:cxnSp>
+            <p:nvCxnSpPr>
+              <p:cNvPr id="34" name="Straight Arrow Connector 33">
+                <a:extLst>
+                  <a:ext uri="{FF2B5EF4-FFF2-40B4-BE49-F238E27FC236}">
+                    <a16:creationId xmlns:a16="http://schemas.microsoft.com/office/drawing/2014/main" id="{F3F1395D-E38E-43F6-93C9-74F42C6787DF}"/>
+                  </a:ext>
+                </a:extLst>
+              </p:cNvPr>
+              <p:cNvCxnSpPr>
+                <a:cxnSpLocks/>
+              </p:cNvCxnSpPr>
+              <p:nvPr/>
+            </p:nvCxnSpPr>
+            <p:spPr>
+              <a:xfrm>
+                <a:off x="3386835" y="1812234"/>
+                <a:ext cx="764199" cy="0"/>
+              </a:xfrm>
+              <a:prstGeom prst="straightConnector1">
+                <a:avLst/>
+              </a:prstGeom>
+              <a:ln w="19050">
+                <a:solidFill>
+                  <a:srgbClr val="B44D82"/>
+                </a:solidFill>
+                <a:prstDash val="solid"/>
+                <a:headEnd type="none" w="med" len="med"/>
+                <a:tailEnd type="arrow" w="med" len="med"/>
+              </a:ln>
+            </p:spPr>
+            <p:style>
+              <a:lnRef idx="1">
+                <a:schemeClr val="accent1"/>
+              </a:lnRef>
+              <a:fillRef idx="0">
+                <a:schemeClr val="accent1"/>
+              </a:fillRef>
+              <a:effectRef idx="0">
+                <a:schemeClr val="accent1"/>
+              </a:effectRef>
+              <a:fontRef idx="minor">
+                <a:schemeClr val="tx1"/>
+              </a:fontRef>
+            </p:style>
+          </p:cxnSp>
+          <p:sp>
+            <p:nvSpPr>
+              <p:cNvPr id="37" name="Rectangle 36">
+                <a:extLst>
+                  <a:ext uri="{FF2B5EF4-FFF2-40B4-BE49-F238E27FC236}">
+                    <a16:creationId xmlns:a16="http://schemas.microsoft.com/office/drawing/2014/main" id="{57B4D020-2ED5-4B99-8805-20030483FA98}"/>
+                  </a:ext>
+                </a:extLst>
+              </p:cNvPr>
+              <p:cNvSpPr/>
+              <p:nvPr/>
+            </p:nvSpPr>
+            <p:spPr>
+              <a:xfrm>
+                <a:off x="4830000" y="2007980"/>
+                <a:ext cx="106013" cy="612637"/>
+              </a:xfrm>
+              <a:prstGeom prst="rect">
+                <a:avLst/>
+              </a:prstGeom>
+              <a:solidFill>
+                <a:schemeClr val="bg1"/>
+              </a:solidFill>
+              <a:ln>
+                <a:solidFill>
+                  <a:srgbClr val="B44D82"/>
+                </a:solidFill>
+              </a:ln>
+            </p:spPr>
+            <p:style>
+              <a:lnRef idx="2">
+                <a:schemeClr val="accent1">
+                  <a:shade val="50000"/>
+                </a:schemeClr>
+              </a:lnRef>
+              <a:fillRef idx="1">
+                <a:schemeClr val="accent1"/>
+              </a:fillRef>
+              <a:effectRef idx="0">
+                <a:schemeClr val="accent1"/>
+              </a:effectRef>
+              <a:fontRef idx="minor">
+                <a:schemeClr val="lt1"/>
+              </a:fontRef>
+            </p:style>
+            <p:txBody>
+              <a:bodyPr rtlCol="0" anchor="ctr"/>
+              <a:lstStyle/>
+              <a:p>
+                <a:pPr algn="ctr"/>
+                <a:endParaRPr lang="en-SG"/>
+              </a:p>
+            </p:txBody>
+          </p:sp>
+          <p:cxnSp>
+            <p:nvCxnSpPr>
+              <p:cNvPr id="38" name="Straight Arrow Connector 37">
+                <a:extLst>
+                  <a:ext uri="{FF2B5EF4-FFF2-40B4-BE49-F238E27FC236}">
+                    <a16:creationId xmlns:a16="http://schemas.microsoft.com/office/drawing/2014/main" id="{4D373360-ACC4-4884-B0CF-CCBBEE1C823D}"/>
+                  </a:ext>
+                </a:extLst>
+              </p:cNvPr>
+              <p:cNvCxnSpPr>
+                <a:cxnSpLocks/>
+                <a:stCxn id="37" idx="2"/>
+              </p:cNvCxnSpPr>
+              <p:nvPr/>
+            </p:nvCxnSpPr>
+            <p:spPr>
+              <a:xfrm flipH="1" flipV="1">
+                <a:off x="3386835" y="2619685"/>
+                <a:ext cx="1496172" cy="932"/>
+              </a:xfrm>
+              <a:prstGeom prst="straightConnector1">
+                <a:avLst/>
+              </a:prstGeom>
+              <a:ln w="19050">
+                <a:solidFill>
+                  <a:srgbClr val="B44D82"/>
+                </a:solidFill>
+                <a:prstDash val="sysDash"/>
+                <a:headEnd type="none" w="med" len="med"/>
+                <a:tailEnd type="arrow" w="med" len="med"/>
+              </a:ln>
+            </p:spPr>
+            <p:style>
+              <a:lnRef idx="1">
+                <a:schemeClr val="accent1"/>
+              </a:lnRef>
+              <a:fillRef idx="0">
+                <a:schemeClr val="accent1"/>
+              </a:fillRef>
+              <a:effectRef idx="0">
+                <a:schemeClr val="accent1"/>
+              </a:effectRef>
+              <a:fontRef idx="minor">
+                <a:schemeClr val="tx1"/>
+              </a:fontRef>
+            </p:style>
+          </p:cxnSp>
+          <p:cxnSp>
+            <p:nvCxnSpPr>
+              <p:cNvPr id="41" name="Straight Connector 40">
+                <a:extLst>
+                  <a:ext uri="{FF2B5EF4-FFF2-40B4-BE49-F238E27FC236}">
+                    <a16:creationId xmlns:a16="http://schemas.microsoft.com/office/drawing/2014/main" id="{C0FE8700-F50D-4A3B-949A-2337BE4F7ADE}"/>
+                  </a:ext>
+                </a:extLst>
+              </p:cNvPr>
+              <p:cNvCxnSpPr>
+                <a:cxnSpLocks/>
+              </p:cNvCxnSpPr>
+              <p:nvPr/>
+            </p:nvCxnSpPr>
+            <p:spPr>
+              <a:xfrm flipH="1">
+                <a:off x="3327287" y="2815596"/>
+                <a:ext cx="0" cy="3651290"/>
+              </a:xfrm>
+              <a:prstGeom prst="line">
+                <a:avLst/>
+              </a:prstGeom>
+              <a:ln w="19050">
+                <a:solidFill>
+                  <a:srgbClr val="B44D82"/>
+                </a:solidFill>
+                <a:prstDash val="sysDash"/>
+              </a:ln>
+            </p:spPr>
+            <p:style>
+              <a:lnRef idx="1">
+                <a:schemeClr val="accent1"/>
+              </a:lnRef>
+              <a:fillRef idx="0">
+                <a:schemeClr val="accent1"/>
+              </a:fillRef>
+              <a:effectRef idx="0">
+                <a:schemeClr val="accent1"/>
+              </a:effectRef>
+              <a:fontRef idx="minor">
+                <a:schemeClr val="tx1"/>
+              </a:fontRef>
+            </p:style>
+          </p:cxnSp>
+          <p:cxnSp>
+            <p:nvCxnSpPr>
+              <p:cNvPr id="44" name="Straight Connector 43">
+                <a:extLst>
+                  <a:ext uri="{FF2B5EF4-FFF2-40B4-BE49-F238E27FC236}">
+                    <a16:creationId xmlns:a16="http://schemas.microsoft.com/office/drawing/2014/main" id="{9034ED76-6FF1-44B8-92BE-7B14C5FAC78A}"/>
+                  </a:ext>
+                </a:extLst>
+              </p:cNvPr>
+              <p:cNvCxnSpPr>
+                <a:cxnSpLocks/>
+              </p:cNvCxnSpPr>
+              <p:nvPr/>
+            </p:nvCxnSpPr>
+            <p:spPr>
+              <a:xfrm>
+                <a:off x="4869180" y="2619685"/>
+                <a:ext cx="0" cy="374650"/>
+              </a:xfrm>
+              <a:prstGeom prst="line">
+                <a:avLst/>
+              </a:prstGeom>
+              <a:ln w="19050">
+                <a:solidFill>
+                  <a:srgbClr val="B44D82"/>
+                </a:solidFill>
+                <a:prstDash val="sysDash"/>
+              </a:ln>
+            </p:spPr>
+            <p:style>
+              <a:lnRef idx="1">
+                <a:schemeClr val="accent1"/>
+              </a:lnRef>
+              <a:fillRef idx="0">
+                <a:schemeClr val="accent1"/>
+              </a:fillRef>
+              <a:effectRef idx="0">
+                <a:schemeClr val="accent1"/>
+              </a:effectRef>
+              <a:fontRef idx="minor">
+                <a:schemeClr val="tx1"/>
+              </a:fontRef>
+            </p:style>
+          </p:cxnSp>
+          <p:sp>
+            <p:nvSpPr>
+              <p:cNvPr id="48" name="Rectangle 47">
+                <a:extLst>
+                  <a:ext uri="{FF2B5EF4-FFF2-40B4-BE49-F238E27FC236}">
+                    <a16:creationId xmlns:a16="http://schemas.microsoft.com/office/drawing/2014/main" id="{61369E07-710A-48E2-8586-F1137BD4A7C8}"/>
+                  </a:ext>
+                </a:extLst>
+              </p:cNvPr>
+              <p:cNvSpPr/>
+              <p:nvPr/>
+            </p:nvSpPr>
+            <p:spPr>
+              <a:xfrm>
+                <a:off x="5953146" y="1932852"/>
+                <a:ext cx="1640665" cy="361124"/>
+              </a:xfrm>
+              <a:prstGeom prst="rect">
+                <a:avLst/>
+              </a:prstGeom>
+              <a:solidFill>
+                <a:srgbClr val="3333C4"/>
+              </a:solidFill>
+              <a:ln>
+                <a:solidFill>
+                  <a:srgbClr val="B44D82"/>
+                </a:solidFill>
+              </a:ln>
+            </p:spPr>
+            <p:style>
+              <a:lnRef idx="2">
+                <a:schemeClr val="accent1">
+                  <a:shade val="50000"/>
+                </a:schemeClr>
+              </a:lnRef>
+              <a:fillRef idx="1">
+                <a:schemeClr val="accent1"/>
+              </a:fillRef>
+              <a:effectRef idx="0">
+                <a:schemeClr val="accent1"/>
+              </a:effectRef>
+              <a:fontRef idx="minor">
+                <a:schemeClr val="lt1"/>
+              </a:fontRef>
+            </p:style>
+            <p:txBody>
+              <a:bodyPr rtlCol="0" anchor="ctr"/>
+              <a:lstStyle/>
+              <a:p>
+                <a:pPr algn="ctr"/>
+                <a:r>
+                  <a:rPr lang="en-SG" sz="1200" dirty="0"/>
+                  <a:t>:AddStudentCommand</a:t>
+                </a:r>
+              </a:p>
+            </p:txBody>
+          </p:sp>
+          <p:cxnSp>
+            <p:nvCxnSpPr>
+              <p:cNvPr id="49" name="Straight Arrow Connector 48">
+                <a:extLst>
+                  <a:ext uri="{FF2B5EF4-FFF2-40B4-BE49-F238E27FC236}">
+                    <a16:creationId xmlns:a16="http://schemas.microsoft.com/office/drawing/2014/main" id="{337A31F1-4350-405A-8A5E-C3F109554B27}"/>
+                  </a:ext>
+                </a:extLst>
+              </p:cNvPr>
+              <p:cNvCxnSpPr>
+                <a:cxnSpLocks/>
+                <a:endCxn id="48" idx="1"/>
+              </p:cNvCxnSpPr>
+              <p:nvPr/>
+            </p:nvCxnSpPr>
+            <p:spPr>
+              <a:xfrm>
+                <a:off x="4929563" y="2099645"/>
+                <a:ext cx="1023583" cy="0"/>
+              </a:xfrm>
+              <a:prstGeom prst="straightConnector1">
+                <a:avLst/>
+              </a:prstGeom>
+              <a:ln w="19050">
+                <a:solidFill>
+                  <a:srgbClr val="B44D82"/>
+                </a:solidFill>
+                <a:prstDash val="solid"/>
+                <a:headEnd type="none" w="med" len="med"/>
+                <a:tailEnd type="arrow" w="med" len="med"/>
+              </a:ln>
+            </p:spPr>
+            <p:style>
+              <a:lnRef idx="1">
+                <a:schemeClr val="accent1"/>
+              </a:lnRef>
+              <a:fillRef idx="0">
+                <a:schemeClr val="accent1"/>
+              </a:fillRef>
+              <a:effectRef idx="0">
+                <a:schemeClr val="accent1"/>
+              </a:effectRef>
+              <a:fontRef idx="minor">
+                <a:schemeClr val="tx1"/>
+              </a:fontRef>
+            </p:style>
+          </p:cxnSp>
+          <p:sp>
+            <p:nvSpPr>
+              <p:cNvPr id="50" name="Rectangle 49">
+                <a:extLst>
+                  <a:ext uri="{FF2B5EF4-FFF2-40B4-BE49-F238E27FC236}">
+                    <a16:creationId xmlns:a16="http://schemas.microsoft.com/office/drawing/2014/main" id="{82059BCF-9081-421E-AFB7-6894FF4D279E}"/>
+                  </a:ext>
+                </a:extLst>
+              </p:cNvPr>
+              <p:cNvSpPr/>
+              <p:nvPr/>
+            </p:nvSpPr>
+            <p:spPr>
+              <a:xfrm>
+                <a:off x="6667465" y="2287254"/>
+                <a:ext cx="106013" cy="149781"/>
+              </a:xfrm>
+              <a:prstGeom prst="rect">
+                <a:avLst/>
+              </a:prstGeom>
+              <a:solidFill>
+                <a:schemeClr val="bg1"/>
+              </a:solidFill>
+              <a:ln>
+                <a:solidFill>
+                  <a:srgbClr val="B44D82"/>
+                </a:solidFill>
+              </a:ln>
+            </p:spPr>
+            <p:style>
+              <a:lnRef idx="2">
+                <a:schemeClr val="accent1">
+                  <a:shade val="50000"/>
+                </a:schemeClr>
+              </a:lnRef>
+              <a:fillRef idx="1">
+                <a:schemeClr val="accent1"/>
+              </a:fillRef>
+              <a:effectRef idx="0">
+                <a:schemeClr val="accent1"/>
+              </a:effectRef>
+              <a:fontRef idx="minor">
+                <a:schemeClr val="lt1"/>
+              </a:fontRef>
+            </p:style>
+            <p:txBody>
+              <a:bodyPr rtlCol="0" anchor="ctr"/>
+              <a:lstStyle/>
+              <a:p>
+                <a:pPr algn="ctr"/>
+                <a:endParaRPr lang="en-SG"/>
+              </a:p>
+            </p:txBody>
+          </p:sp>
+          <p:cxnSp>
+            <p:nvCxnSpPr>
+              <p:cNvPr id="54" name="Straight Arrow Connector 53">
+                <a:extLst>
+                  <a:ext uri="{FF2B5EF4-FFF2-40B4-BE49-F238E27FC236}">
+                    <a16:creationId xmlns:a16="http://schemas.microsoft.com/office/drawing/2014/main" id="{8E16C375-DF53-4789-BE74-A9DCCB095FB9}"/>
+                  </a:ext>
+                </a:extLst>
+              </p:cNvPr>
+              <p:cNvCxnSpPr>
+                <a:cxnSpLocks/>
+              </p:cNvCxnSpPr>
+              <p:nvPr/>
+            </p:nvCxnSpPr>
+            <p:spPr>
+              <a:xfrm flipH="1">
+                <a:off x="4929563" y="2420897"/>
+                <a:ext cx="1741597" cy="0"/>
+              </a:xfrm>
+              <a:prstGeom prst="straightConnector1">
+                <a:avLst/>
+              </a:prstGeom>
+              <a:ln w="19050">
+                <a:solidFill>
+                  <a:srgbClr val="B44D82"/>
+                </a:solidFill>
+                <a:prstDash val="sysDash"/>
+                <a:headEnd type="none" w="med" len="med"/>
+                <a:tailEnd type="arrow" w="med" len="med"/>
+              </a:ln>
+            </p:spPr>
+            <p:style>
+              <a:lnRef idx="1">
+                <a:schemeClr val="accent1"/>
+              </a:lnRef>
+              <a:fillRef idx="0">
+                <a:schemeClr val="accent1"/>
+              </a:fillRef>
+              <a:effectRef idx="0">
+                <a:schemeClr val="accent1"/>
+              </a:effectRef>
+              <a:fontRef idx="minor">
+                <a:schemeClr val="tx1"/>
+              </a:fontRef>
+            </p:style>
+          </p:cxnSp>
+          <p:sp>
+            <p:nvSpPr>
+              <p:cNvPr id="56" name="Multiplication Sign 55">
+                <a:extLst>
+                  <a:ext uri="{FF2B5EF4-FFF2-40B4-BE49-F238E27FC236}">
+                    <a16:creationId xmlns:a16="http://schemas.microsoft.com/office/drawing/2014/main" id="{D7D496B8-D30D-4C6D-B5C5-0C3FFB37215E}"/>
+                  </a:ext>
+                </a:extLst>
+              </p:cNvPr>
+              <p:cNvSpPr/>
+              <p:nvPr/>
+            </p:nvSpPr>
+            <p:spPr>
+              <a:xfrm>
+                <a:off x="4778280" y="2909743"/>
+                <a:ext cx="184022" cy="201283"/>
+              </a:xfrm>
+              <a:prstGeom prst="mathMultiply">
+                <a:avLst/>
+              </a:prstGeom>
               <a:solidFill>
                 <a:srgbClr val="B44D82"/>
               </a:solidFill>
-            </a:ln>
-          </p:spPr>
-          <p:style>
-            <a:lnRef idx="2">
-              <a:schemeClr val="accent1">
-                <a:shade val="50000"/>
-              </a:schemeClr>
-            </a:lnRef>
-            <a:fillRef idx="1">
-              <a:schemeClr val="accent1"/>
-            </a:fillRef>
-            <a:effectRef idx="0">
-              <a:schemeClr val="accent1"/>
-            </a:effectRef>
-            <a:fontRef idx="minor">
-              <a:schemeClr val="lt1"/>
-            </a:fontRef>
-          </p:style>
-          <p:txBody>
-            <a:bodyPr rtlCol="0" anchor="ctr"/>
-            <a:lstStyle/>
-            <a:p>
-              <a:pPr algn="ctr"/>
-              <a:endParaRPr lang="en-SG" dirty="0"/>
-            </a:p>
-          </p:txBody>
-        </p:sp>
-        <p:sp>
-          <p:nvSpPr>
-            <p:cNvPr id="5" name="Rectangle 4">
+              <a:ln>
+                <a:solidFill>
+                  <a:srgbClr val="B44D82"/>
+                </a:solidFill>
+              </a:ln>
+            </p:spPr>
+            <p:style>
+              <a:lnRef idx="2">
+                <a:schemeClr val="accent1">
+                  <a:shade val="50000"/>
+                </a:schemeClr>
+              </a:lnRef>
+              <a:fillRef idx="1">
+                <a:schemeClr val="accent1"/>
+              </a:fillRef>
+              <a:effectRef idx="0">
+                <a:schemeClr val="accent1"/>
+              </a:effectRef>
+              <a:fontRef idx="minor">
+                <a:schemeClr val="lt1"/>
+              </a:fontRef>
+            </p:style>
+            <p:txBody>
+              <a:bodyPr rtlCol="0" anchor="ctr"/>
+              <a:lstStyle/>
+              <a:p>
+                <a:pPr algn="ctr"/>
+                <a:endParaRPr lang="en-SG"/>
+              </a:p>
+            </p:txBody>
+          </p:sp>
+          <p:cxnSp>
+            <p:nvCxnSpPr>
+              <p:cNvPr id="59" name="Straight Arrow Connector 58">
+                <a:extLst>
+                  <a:ext uri="{FF2B5EF4-FFF2-40B4-BE49-F238E27FC236}">
+                    <a16:creationId xmlns:a16="http://schemas.microsoft.com/office/drawing/2014/main" id="{1D8346DF-9977-42B8-9A1A-632BCA1A7CB3}"/>
+                  </a:ext>
+                </a:extLst>
+              </p:cNvPr>
+              <p:cNvCxnSpPr>
+                <a:cxnSpLocks/>
+              </p:cNvCxnSpPr>
+              <p:nvPr/>
+            </p:nvCxnSpPr>
+            <p:spPr>
+              <a:xfrm>
+                <a:off x="215901" y="1595645"/>
+                <a:ext cx="1106804" cy="0"/>
+              </a:xfrm>
+              <a:prstGeom prst="straightConnector1">
+                <a:avLst/>
+              </a:prstGeom>
+              <a:ln w="19050">
+                <a:solidFill>
+                  <a:srgbClr val="B44D82"/>
+                </a:solidFill>
+                <a:prstDash val="solid"/>
+                <a:headEnd type="none" w="med" len="med"/>
+                <a:tailEnd type="arrow" w="med" len="med"/>
+              </a:ln>
+            </p:spPr>
+            <p:style>
+              <a:lnRef idx="1">
+                <a:schemeClr val="accent1"/>
+              </a:lnRef>
+              <a:fillRef idx="0">
+                <a:schemeClr val="accent1"/>
+              </a:fillRef>
+              <a:effectRef idx="0">
+                <a:schemeClr val="accent1"/>
+              </a:effectRef>
+              <a:fontRef idx="minor">
+                <a:schemeClr val="tx1"/>
+              </a:fontRef>
+            </p:style>
+          </p:cxnSp>
+          <p:sp>
+            <p:nvSpPr>
+              <p:cNvPr id="63" name="TextBox 62">
+                <a:extLst>
+                  <a:ext uri="{FF2B5EF4-FFF2-40B4-BE49-F238E27FC236}">
+                    <a16:creationId xmlns:a16="http://schemas.microsoft.com/office/drawing/2014/main" id="{B91DE595-FB97-4748-8E9E-F0E3838B6D10}"/>
+                  </a:ext>
+                </a:extLst>
+              </p:cNvPr>
+              <p:cNvSpPr txBox="1"/>
+              <p:nvPr/>
+            </p:nvSpPr>
+            <p:spPr>
+              <a:xfrm>
+                <a:off x="1421631" y="1152980"/>
+                <a:ext cx="1838224" cy="577081"/>
+              </a:xfrm>
+              <a:prstGeom prst="rect">
+                <a:avLst/>
+              </a:prstGeom>
+              <a:noFill/>
+            </p:spPr>
+            <p:txBody>
+              <a:bodyPr wrap="square" rtlCol="0">
+                <a:spAutoFit/>
+              </a:bodyPr>
+              <a:lstStyle/>
+              <a:p>
+                <a:r>
+                  <a:rPr lang="en-SG" sz="1050" b="1" dirty="0"/>
+                  <a:t>parseCommand</a:t>
+                </a:r>
+              </a:p>
+              <a:p>
+                <a:r>
+                  <a:rPr lang="en-SG" sz="1050" b="1" dirty="0"/>
+                  <a:t>(“addStudent n/Ellie Yee </a:t>
+                </a:r>
+              </a:p>
+              <a:p>
+                <a:r>
+                  <a:rPr lang="en-SG" sz="1050" b="1" dirty="0"/>
+                  <a:t>e/e0035152@u.nus.edu </a:t>
+                </a:r>
+                <a:r>
+                  <a:rPr lang="en-SG" sz="1050" b="1" dirty="0" err="1"/>
+                  <a:t>i</a:t>
+                </a:r>
+                <a:r>
+                  <a:rPr lang="en-SG" sz="1050" b="1" dirty="0"/>
+                  <a:t>/1”)</a:t>
+                </a:r>
+              </a:p>
+            </p:txBody>
+          </p:sp>
+          <p:cxnSp>
+            <p:nvCxnSpPr>
+              <p:cNvPr id="64" name="Straight Arrow Connector 63">
+                <a:extLst>
+                  <a:ext uri="{FF2B5EF4-FFF2-40B4-BE49-F238E27FC236}">
+                    <a16:creationId xmlns:a16="http://schemas.microsoft.com/office/drawing/2014/main" id="{2F2F8015-DE53-4C78-A78F-CA0EA6A35F36}"/>
+                  </a:ext>
+                </a:extLst>
+              </p:cNvPr>
+              <p:cNvCxnSpPr>
+                <a:cxnSpLocks/>
+              </p:cNvCxnSpPr>
+              <p:nvPr/>
+            </p:nvCxnSpPr>
+            <p:spPr>
+              <a:xfrm>
+                <a:off x="1407649" y="3400152"/>
+                <a:ext cx="5259184" cy="0"/>
+              </a:xfrm>
+              <a:prstGeom prst="straightConnector1">
+                <a:avLst/>
+              </a:prstGeom>
+              <a:ln w="19050">
+                <a:solidFill>
+                  <a:srgbClr val="B44D82"/>
+                </a:solidFill>
+                <a:prstDash val="solid"/>
+                <a:headEnd type="none" w="med" len="med"/>
+                <a:tailEnd type="arrow" w="med" len="med"/>
+              </a:ln>
+            </p:spPr>
+            <p:style>
+              <a:lnRef idx="1">
+                <a:schemeClr val="accent1"/>
+              </a:lnRef>
+              <a:fillRef idx="0">
+                <a:schemeClr val="accent1"/>
+              </a:fillRef>
+              <a:effectRef idx="0">
+                <a:schemeClr val="accent1"/>
+              </a:effectRef>
+              <a:fontRef idx="minor">
+                <a:schemeClr val="tx1"/>
+              </a:fontRef>
+            </p:style>
+          </p:cxnSp>
+          <p:sp>
+            <p:nvSpPr>
+              <p:cNvPr id="65" name="TextBox 64">
+                <a:extLst>
+                  <a:ext uri="{FF2B5EF4-FFF2-40B4-BE49-F238E27FC236}">
+                    <a16:creationId xmlns:a16="http://schemas.microsoft.com/office/drawing/2014/main" id="{008C887A-3314-4CB1-A140-8A44D76667CF}"/>
+                  </a:ext>
+                </a:extLst>
+              </p:cNvPr>
+              <p:cNvSpPr txBox="1"/>
+              <p:nvPr/>
+            </p:nvSpPr>
+            <p:spPr>
+              <a:xfrm>
+                <a:off x="1581331" y="3175084"/>
+                <a:ext cx="707245" cy="253916"/>
+              </a:xfrm>
+              <a:prstGeom prst="rect">
+                <a:avLst/>
+              </a:prstGeom>
+              <a:noFill/>
+            </p:spPr>
+            <p:txBody>
+              <a:bodyPr wrap="none" rtlCol="0">
+                <a:spAutoFit/>
+              </a:bodyPr>
+              <a:lstStyle/>
+              <a:p>
+                <a:r>
+                  <a:rPr lang="en-SG" sz="1050" b="1" dirty="0"/>
+                  <a:t>execute()</a:t>
+                </a:r>
+              </a:p>
+            </p:txBody>
+          </p:sp>
+          <p:cxnSp>
+            <p:nvCxnSpPr>
+              <p:cNvPr id="68" name="Straight Connector 67">
+                <a:extLst>
+                  <a:ext uri="{FF2B5EF4-FFF2-40B4-BE49-F238E27FC236}">
+                    <a16:creationId xmlns:a16="http://schemas.microsoft.com/office/drawing/2014/main" id="{B746A676-EBAD-4270-8A57-BAAE89ABF526}"/>
+                  </a:ext>
+                </a:extLst>
+              </p:cNvPr>
+              <p:cNvCxnSpPr>
+                <a:cxnSpLocks/>
+              </p:cNvCxnSpPr>
+              <p:nvPr/>
+            </p:nvCxnSpPr>
+            <p:spPr>
+              <a:xfrm flipH="1">
+                <a:off x="6719839" y="2444952"/>
+                <a:ext cx="632" cy="1014570"/>
+              </a:xfrm>
+              <a:prstGeom prst="line">
+                <a:avLst/>
+              </a:prstGeom>
+              <a:ln w="19050">
+                <a:solidFill>
+                  <a:srgbClr val="B44D82"/>
+                </a:solidFill>
+                <a:prstDash val="sysDash"/>
+              </a:ln>
+            </p:spPr>
+            <p:style>
+              <a:lnRef idx="1">
+                <a:schemeClr val="accent1"/>
+              </a:lnRef>
+              <a:fillRef idx="0">
+                <a:schemeClr val="accent1"/>
+              </a:fillRef>
+              <a:effectRef idx="0">
+                <a:schemeClr val="accent1"/>
+              </a:effectRef>
+              <a:fontRef idx="minor">
+                <a:schemeClr val="tx1"/>
+              </a:fontRef>
+            </p:style>
+          </p:cxnSp>
+          <p:sp>
+            <p:nvSpPr>
+              <p:cNvPr id="70" name="Rectangle 69">
+                <a:extLst>
+                  <a:ext uri="{FF2B5EF4-FFF2-40B4-BE49-F238E27FC236}">
+                    <a16:creationId xmlns:a16="http://schemas.microsoft.com/office/drawing/2014/main" id="{B1EF0264-CA40-4B0D-9DF0-37C61B313FDA}"/>
+                  </a:ext>
+                </a:extLst>
+              </p:cNvPr>
+              <p:cNvSpPr/>
+              <p:nvPr/>
+            </p:nvSpPr>
+            <p:spPr>
+              <a:xfrm>
+                <a:off x="6666832" y="3400152"/>
+                <a:ext cx="112879" cy="2270055"/>
+              </a:xfrm>
+              <a:prstGeom prst="rect">
+                <a:avLst/>
+              </a:prstGeom>
+              <a:solidFill>
+                <a:schemeClr val="bg1"/>
+              </a:solidFill>
+              <a:ln>
+                <a:solidFill>
+                  <a:srgbClr val="B44D82"/>
+                </a:solidFill>
+              </a:ln>
+            </p:spPr>
+            <p:style>
+              <a:lnRef idx="2">
+                <a:schemeClr val="accent1">
+                  <a:shade val="50000"/>
+                </a:schemeClr>
+              </a:lnRef>
+              <a:fillRef idx="1">
+                <a:schemeClr val="accent1"/>
+              </a:fillRef>
+              <a:effectRef idx="0">
+                <a:schemeClr val="accent1"/>
+              </a:effectRef>
+              <a:fontRef idx="minor">
+                <a:schemeClr val="lt1"/>
+              </a:fontRef>
+            </p:style>
+            <p:txBody>
+              <a:bodyPr rtlCol="0" anchor="ctr"/>
+              <a:lstStyle/>
+              <a:p>
+                <a:pPr algn="ctr"/>
+                <a:endParaRPr lang="en-SG"/>
+              </a:p>
+            </p:txBody>
+          </p:sp>
+          <p:sp>
+            <p:nvSpPr>
+              <p:cNvPr id="75" name="Rectangle 74">
+                <a:extLst>
+                  <a:ext uri="{FF2B5EF4-FFF2-40B4-BE49-F238E27FC236}">
+                    <a16:creationId xmlns:a16="http://schemas.microsoft.com/office/drawing/2014/main" id="{C71068CE-46F6-4F97-A207-4181F7DC4830}"/>
+                  </a:ext>
+                </a:extLst>
+              </p:cNvPr>
+              <p:cNvSpPr/>
+              <p:nvPr/>
+            </p:nvSpPr>
+            <p:spPr>
+              <a:xfrm>
+                <a:off x="8741265" y="497190"/>
+                <a:ext cx="885535" cy="344556"/>
+              </a:xfrm>
+              <a:prstGeom prst="rect">
+                <a:avLst/>
+              </a:prstGeom>
+              <a:solidFill>
+                <a:srgbClr val="9E0415"/>
+              </a:solidFill>
+              <a:ln>
+                <a:solidFill>
+                  <a:srgbClr val="B44D82"/>
+                </a:solidFill>
+              </a:ln>
+            </p:spPr>
+            <p:style>
+              <a:lnRef idx="2">
+                <a:schemeClr val="accent1">
+                  <a:shade val="50000"/>
+                </a:schemeClr>
+              </a:lnRef>
+              <a:fillRef idx="1">
+                <a:schemeClr val="accent1"/>
+              </a:fillRef>
+              <a:effectRef idx="0">
+                <a:schemeClr val="accent1"/>
+              </a:effectRef>
+              <a:fontRef idx="minor">
+                <a:schemeClr val="lt1"/>
+              </a:fontRef>
+            </p:style>
+            <p:txBody>
+              <a:bodyPr rtlCol="0" anchor="ctr"/>
+              <a:lstStyle/>
+              <a:p>
+                <a:pPr algn="ctr"/>
+                <a:r>
+                  <a:rPr lang="en-SG" sz="1200" dirty="0"/>
+                  <a:t>:Model</a:t>
+                </a:r>
+              </a:p>
+            </p:txBody>
+          </p:sp>
+          <p:cxnSp>
+            <p:nvCxnSpPr>
+              <p:cNvPr id="82" name="Straight Connector 81">
+                <a:extLst>
+                  <a:ext uri="{FF2B5EF4-FFF2-40B4-BE49-F238E27FC236}">
+                    <a16:creationId xmlns:a16="http://schemas.microsoft.com/office/drawing/2014/main" id="{0355EF05-A72B-43D0-9058-1F4DEBF092A1}"/>
+                  </a:ext>
+                </a:extLst>
+              </p:cNvPr>
+              <p:cNvCxnSpPr>
+                <a:cxnSpLocks/>
+                <a:stCxn id="75" idx="2"/>
+                <a:endCxn id="133" idx="0"/>
+              </p:cNvCxnSpPr>
+              <p:nvPr/>
+            </p:nvCxnSpPr>
+            <p:spPr>
+              <a:xfrm flipH="1">
+                <a:off x="9162770" y="841746"/>
+                <a:ext cx="21263" cy="2755563"/>
+              </a:xfrm>
+              <a:prstGeom prst="line">
+                <a:avLst/>
+              </a:prstGeom>
+              <a:ln w="19050">
+                <a:solidFill>
+                  <a:srgbClr val="B44D82"/>
+                </a:solidFill>
+                <a:prstDash val="sysDash"/>
+              </a:ln>
+            </p:spPr>
+            <p:style>
+              <a:lnRef idx="1">
+                <a:schemeClr val="accent1"/>
+              </a:lnRef>
+              <a:fillRef idx="0">
+                <a:schemeClr val="accent1"/>
+              </a:fillRef>
+              <a:effectRef idx="0">
+                <a:schemeClr val="accent1"/>
+              </a:effectRef>
+              <a:fontRef idx="minor">
+                <a:schemeClr val="tx1"/>
+              </a:fontRef>
+            </p:style>
+          </p:cxnSp>
+          <p:cxnSp>
+            <p:nvCxnSpPr>
+              <p:cNvPr id="97" name="Straight Arrow Connector 96">
+                <a:extLst>
+                  <a:ext uri="{FF2B5EF4-FFF2-40B4-BE49-F238E27FC236}">
+                    <a16:creationId xmlns:a16="http://schemas.microsoft.com/office/drawing/2014/main" id="{F83026B6-C127-4B48-8293-D0BF859DA1D5}"/>
+                  </a:ext>
+                </a:extLst>
+              </p:cNvPr>
+              <p:cNvCxnSpPr>
+                <a:cxnSpLocks/>
+                <a:stCxn id="70" idx="2"/>
+              </p:cNvCxnSpPr>
+              <p:nvPr/>
+            </p:nvCxnSpPr>
+            <p:spPr>
+              <a:xfrm flipH="1" flipV="1">
+                <a:off x="1382571" y="5670206"/>
+                <a:ext cx="5340701" cy="1"/>
+              </a:xfrm>
+              <a:prstGeom prst="straightConnector1">
+                <a:avLst/>
+              </a:prstGeom>
+              <a:ln w="19050">
+                <a:solidFill>
+                  <a:srgbClr val="B44D82"/>
+                </a:solidFill>
+                <a:prstDash val="sysDash"/>
+                <a:headEnd type="none" w="med" len="med"/>
+                <a:tailEnd type="arrow" w="med" len="med"/>
+              </a:ln>
+            </p:spPr>
+            <p:style>
+              <a:lnRef idx="1">
+                <a:schemeClr val="accent1"/>
+              </a:lnRef>
+              <a:fillRef idx="0">
+                <a:schemeClr val="accent1"/>
+              </a:fillRef>
+              <a:effectRef idx="0">
+                <a:schemeClr val="accent1"/>
+              </a:effectRef>
+              <a:fontRef idx="minor">
+                <a:schemeClr val="tx1"/>
+              </a:fontRef>
+            </p:style>
+          </p:cxnSp>
+          <p:sp>
+            <p:nvSpPr>
+              <p:cNvPr id="133" name="Rectangle 132">
+                <a:extLst>
+                  <a:ext uri="{FF2B5EF4-FFF2-40B4-BE49-F238E27FC236}">
+                    <a16:creationId xmlns:a16="http://schemas.microsoft.com/office/drawing/2014/main" id="{F36F273D-B2D9-4BB7-B7D7-D1A5E9923C6F}"/>
+                  </a:ext>
+                </a:extLst>
+              </p:cNvPr>
+              <p:cNvSpPr/>
+              <p:nvPr/>
+            </p:nvSpPr>
+            <p:spPr>
+              <a:xfrm>
+                <a:off x="9110570" y="3597309"/>
+                <a:ext cx="104400" cy="996916"/>
+              </a:xfrm>
+              <a:prstGeom prst="rect">
+                <a:avLst/>
+              </a:prstGeom>
+              <a:solidFill>
+                <a:schemeClr val="bg1"/>
+              </a:solidFill>
+              <a:ln>
+                <a:solidFill>
+                  <a:srgbClr val="B44D82"/>
+                </a:solidFill>
+              </a:ln>
+            </p:spPr>
+            <p:style>
+              <a:lnRef idx="2">
+                <a:schemeClr val="accent1">
+                  <a:shade val="50000"/>
+                </a:schemeClr>
+              </a:lnRef>
+              <a:fillRef idx="1">
+                <a:schemeClr val="accent1"/>
+              </a:fillRef>
+              <a:effectRef idx="0">
+                <a:schemeClr val="accent1"/>
+              </a:effectRef>
+              <a:fontRef idx="minor">
+                <a:schemeClr val="lt1"/>
+              </a:fontRef>
+            </p:style>
+            <p:txBody>
+              <a:bodyPr rtlCol="0" anchor="ctr"/>
+              <a:lstStyle/>
+              <a:p>
+                <a:pPr algn="ctr"/>
+                <a:endParaRPr lang="en-SG"/>
+              </a:p>
+            </p:txBody>
+          </p:sp>
+          <p:cxnSp>
+            <p:nvCxnSpPr>
+              <p:cNvPr id="164" name="Straight Connector 163">
+                <a:extLst>
+                  <a:ext uri="{FF2B5EF4-FFF2-40B4-BE49-F238E27FC236}">
+                    <a16:creationId xmlns:a16="http://schemas.microsoft.com/office/drawing/2014/main" id="{FD6B0E85-6764-4F41-B538-E35FFFBC2B17}"/>
+                  </a:ext>
+                </a:extLst>
+              </p:cNvPr>
+              <p:cNvCxnSpPr>
+                <a:cxnSpLocks/>
+                <a:stCxn id="133" idx="2"/>
+                <a:endCxn id="78" idx="0"/>
+              </p:cNvCxnSpPr>
+              <p:nvPr/>
+            </p:nvCxnSpPr>
+            <p:spPr>
+              <a:xfrm>
+                <a:off x="9162770" y="4594225"/>
+                <a:ext cx="0" cy="197474"/>
+              </a:xfrm>
+              <a:prstGeom prst="line">
+                <a:avLst/>
+              </a:prstGeom>
+              <a:ln w="19050">
+                <a:solidFill>
+                  <a:srgbClr val="B44D82"/>
+                </a:solidFill>
+                <a:prstDash val="sysDash"/>
+              </a:ln>
+            </p:spPr>
+            <p:style>
+              <a:lnRef idx="1">
+                <a:schemeClr val="accent1"/>
+              </a:lnRef>
+              <a:fillRef idx="0">
+                <a:schemeClr val="accent1"/>
+              </a:fillRef>
+              <a:effectRef idx="0">
+                <a:schemeClr val="accent1"/>
+              </a:effectRef>
+              <a:fontRef idx="minor">
+                <a:schemeClr val="tx1"/>
+              </a:fontRef>
+            </p:style>
+          </p:cxnSp>
+          <p:sp>
+            <p:nvSpPr>
+              <p:cNvPr id="169" name="TextBox 168">
+                <a:extLst>
+                  <a:ext uri="{FF2B5EF4-FFF2-40B4-BE49-F238E27FC236}">
+                    <a16:creationId xmlns:a16="http://schemas.microsoft.com/office/drawing/2014/main" id="{793A5CF1-B295-4F21-8BC4-1B1B7AA35191}"/>
+                  </a:ext>
+                </a:extLst>
+              </p:cNvPr>
+              <p:cNvSpPr txBox="1"/>
+              <p:nvPr/>
+            </p:nvSpPr>
+            <p:spPr>
+              <a:xfrm>
+                <a:off x="3843097" y="237124"/>
+                <a:ext cx="615874" cy="338554"/>
+              </a:xfrm>
+              <a:prstGeom prst="rect">
+                <a:avLst/>
+              </a:prstGeom>
+              <a:noFill/>
+            </p:spPr>
+            <p:txBody>
+              <a:bodyPr wrap="none" rtlCol="0">
+                <a:spAutoFit/>
+              </a:bodyPr>
+              <a:lstStyle/>
+              <a:p>
+                <a:r>
+                  <a:rPr lang="en-SG" sz="1600" b="1" dirty="0">
+                    <a:solidFill>
+                      <a:schemeClr val="bg1"/>
+                    </a:solidFill>
+                  </a:rPr>
+                  <a:t>Logic</a:t>
+                </a:r>
+              </a:p>
+            </p:txBody>
+          </p:sp>
+          <p:sp>
+            <p:nvSpPr>
+              <p:cNvPr id="170" name="TextBox 169">
+                <a:extLst>
+                  <a:ext uri="{FF2B5EF4-FFF2-40B4-BE49-F238E27FC236}">
+                    <a16:creationId xmlns:a16="http://schemas.microsoft.com/office/drawing/2014/main" id="{8C6A94B1-9AFF-42A5-AD8F-9CE59B2169F9}"/>
+                  </a:ext>
+                </a:extLst>
+              </p:cNvPr>
+              <p:cNvSpPr txBox="1"/>
+              <p:nvPr/>
+            </p:nvSpPr>
+            <p:spPr>
+              <a:xfrm>
+                <a:off x="8876095" y="192157"/>
+                <a:ext cx="737702" cy="338554"/>
+              </a:xfrm>
+              <a:prstGeom prst="rect">
+                <a:avLst/>
+              </a:prstGeom>
+              <a:noFill/>
+            </p:spPr>
+            <p:txBody>
+              <a:bodyPr wrap="none" rtlCol="0">
+                <a:spAutoFit/>
+              </a:bodyPr>
+              <a:lstStyle/>
+              <a:p>
+                <a:r>
+                  <a:rPr lang="en-SG" sz="1600" b="1" dirty="0">
+                    <a:solidFill>
+                      <a:schemeClr val="bg1"/>
+                    </a:solidFill>
+                  </a:rPr>
+                  <a:t>Model</a:t>
+                </a:r>
+              </a:p>
+            </p:txBody>
+          </p:sp>
+          <p:cxnSp>
+            <p:nvCxnSpPr>
+              <p:cNvPr id="171" name="Straight Connector 170">
+                <a:extLst>
+                  <a:ext uri="{FF2B5EF4-FFF2-40B4-BE49-F238E27FC236}">
+                    <a16:creationId xmlns:a16="http://schemas.microsoft.com/office/drawing/2014/main" id="{3534E46E-274A-4AE5-AACE-546C7F880BC2}"/>
+                  </a:ext>
+                </a:extLst>
+              </p:cNvPr>
+              <p:cNvCxnSpPr>
+                <a:cxnSpLocks/>
+              </p:cNvCxnSpPr>
+              <p:nvPr/>
+            </p:nvCxnSpPr>
+            <p:spPr>
+              <a:xfrm>
+                <a:off x="6719839" y="5670207"/>
+                <a:ext cx="0" cy="354015"/>
+              </a:xfrm>
+              <a:prstGeom prst="line">
+                <a:avLst/>
+              </a:prstGeom>
+              <a:ln w="19050">
+                <a:solidFill>
+                  <a:srgbClr val="B44D82"/>
+                </a:solidFill>
+                <a:prstDash val="sysDash"/>
+              </a:ln>
+            </p:spPr>
+            <p:style>
+              <a:lnRef idx="1">
+                <a:schemeClr val="accent1"/>
+              </a:lnRef>
+              <a:fillRef idx="0">
+                <a:schemeClr val="accent1"/>
+              </a:fillRef>
+              <a:effectRef idx="0">
+                <a:schemeClr val="accent1"/>
+              </a:effectRef>
+              <a:fontRef idx="minor">
+                <a:schemeClr val="tx1"/>
+              </a:fontRef>
+            </p:style>
+          </p:cxnSp>
+          <p:cxnSp>
+            <p:nvCxnSpPr>
+              <p:cNvPr id="175" name="Straight Connector 174">
+                <a:extLst>
+                  <a:ext uri="{FF2B5EF4-FFF2-40B4-BE49-F238E27FC236}">
+                    <a16:creationId xmlns:a16="http://schemas.microsoft.com/office/drawing/2014/main" id="{745CCC1A-E9ED-415A-B6B4-B63ECBA09570}"/>
+                  </a:ext>
+                </a:extLst>
+              </p:cNvPr>
+              <p:cNvCxnSpPr>
+                <a:cxnSpLocks/>
+              </p:cNvCxnSpPr>
+              <p:nvPr/>
+            </p:nvCxnSpPr>
+            <p:spPr>
+              <a:xfrm>
+                <a:off x="9175675" y="4838898"/>
+                <a:ext cx="0" cy="1584906"/>
+              </a:xfrm>
+              <a:prstGeom prst="line">
+                <a:avLst/>
+              </a:prstGeom>
+              <a:ln w="19050">
+                <a:solidFill>
+                  <a:srgbClr val="B44D82"/>
+                </a:solidFill>
+                <a:prstDash val="sysDash"/>
+              </a:ln>
+            </p:spPr>
+            <p:style>
+              <a:lnRef idx="1">
+                <a:schemeClr val="accent1"/>
+              </a:lnRef>
+              <a:fillRef idx="0">
+                <a:schemeClr val="accent1"/>
+              </a:fillRef>
+              <a:effectRef idx="0">
+                <a:schemeClr val="accent1"/>
+              </a:effectRef>
+              <a:fontRef idx="minor">
+                <a:schemeClr val="tx1"/>
+              </a:fontRef>
+            </p:style>
+          </p:cxnSp>
+          <p:cxnSp>
+            <p:nvCxnSpPr>
+              <p:cNvPr id="71" name="Straight Arrow Connector 70">
+                <a:extLst>
+                  <a:ext uri="{FF2B5EF4-FFF2-40B4-BE49-F238E27FC236}">
+                    <a16:creationId xmlns:a16="http://schemas.microsoft.com/office/drawing/2014/main" id="{7F1C0A3C-A1AA-4349-8679-5C29E4402CC1}"/>
+                  </a:ext>
+                </a:extLst>
+              </p:cNvPr>
+              <p:cNvCxnSpPr>
+                <a:cxnSpLocks/>
+              </p:cNvCxnSpPr>
+              <p:nvPr/>
+            </p:nvCxnSpPr>
+            <p:spPr>
+              <a:xfrm>
+                <a:off x="6772845" y="3600785"/>
+                <a:ext cx="2350630" cy="0"/>
+              </a:xfrm>
+              <a:prstGeom prst="straightConnector1">
+                <a:avLst/>
+              </a:prstGeom>
+              <a:ln w="19050">
+                <a:solidFill>
+                  <a:srgbClr val="B44D82"/>
+                </a:solidFill>
+                <a:prstDash val="solid"/>
+                <a:headEnd type="none" w="med" len="med"/>
+                <a:tailEnd type="arrow" w="med" len="med"/>
+              </a:ln>
+            </p:spPr>
+            <p:style>
+              <a:lnRef idx="1">
+                <a:schemeClr val="accent1"/>
+              </a:lnRef>
+              <a:fillRef idx="0">
+                <a:schemeClr val="accent1"/>
+              </a:fillRef>
+              <a:effectRef idx="0">
+                <a:schemeClr val="accent1"/>
+              </a:effectRef>
+              <a:fontRef idx="minor">
+                <a:schemeClr val="tx1"/>
+              </a:fontRef>
+            </p:style>
+          </p:cxnSp>
+          <p:cxnSp>
+            <p:nvCxnSpPr>
+              <p:cNvPr id="72" name="Straight Arrow Connector 71">
+                <a:extLst>
+                  <a:ext uri="{FF2B5EF4-FFF2-40B4-BE49-F238E27FC236}">
+                    <a16:creationId xmlns:a16="http://schemas.microsoft.com/office/drawing/2014/main" id="{F85279A2-8CD1-4CAD-B5CB-B456C605A637}"/>
+                  </a:ext>
+                </a:extLst>
+              </p:cNvPr>
+              <p:cNvCxnSpPr>
+                <a:cxnSpLocks/>
+              </p:cNvCxnSpPr>
+              <p:nvPr/>
+            </p:nvCxnSpPr>
+            <p:spPr>
+              <a:xfrm flipH="1">
+                <a:off x="6759939" y="4594225"/>
+                <a:ext cx="2350631" cy="0"/>
+              </a:xfrm>
+              <a:prstGeom prst="straightConnector1">
+                <a:avLst/>
+              </a:prstGeom>
+              <a:ln w="19050">
+                <a:solidFill>
+                  <a:srgbClr val="B44D82"/>
+                </a:solidFill>
+                <a:prstDash val="sysDash"/>
+                <a:headEnd type="none" w="med" len="med"/>
+                <a:tailEnd type="arrow" w="med" len="med"/>
+              </a:ln>
+            </p:spPr>
+            <p:style>
+              <a:lnRef idx="1">
+                <a:schemeClr val="accent1"/>
+              </a:lnRef>
+              <a:fillRef idx="0">
+                <a:schemeClr val="accent1"/>
+              </a:fillRef>
+              <a:effectRef idx="0">
+                <a:schemeClr val="accent1"/>
+              </a:effectRef>
+              <a:fontRef idx="minor">
+                <a:schemeClr val="tx1"/>
+              </a:fontRef>
+            </p:style>
+          </p:cxnSp>
+          <p:sp>
+            <p:nvSpPr>
+              <p:cNvPr id="77" name="TextBox 76">
+                <a:extLst>
+                  <a:ext uri="{FF2B5EF4-FFF2-40B4-BE49-F238E27FC236}">
+                    <a16:creationId xmlns:a16="http://schemas.microsoft.com/office/drawing/2014/main" id="{4AF8662A-268A-4902-B0F8-1806DC5E5180}"/>
+                  </a:ext>
+                </a:extLst>
+              </p:cNvPr>
+              <p:cNvSpPr txBox="1"/>
+              <p:nvPr/>
+            </p:nvSpPr>
+            <p:spPr>
+              <a:xfrm>
+                <a:off x="6854409" y="3361994"/>
+                <a:ext cx="1350050" cy="253916"/>
+              </a:xfrm>
+              <a:prstGeom prst="rect">
+                <a:avLst/>
+              </a:prstGeom>
+              <a:noFill/>
+            </p:spPr>
+            <p:txBody>
+              <a:bodyPr wrap="none" rtlCol="0">
+                <a:spAutoFit/>
+              </a:bodyPr>
+              <a:lstStyle/>
+              <a:p>
+                <a:r>
+                  <a:rPr lang="en-SG" sz="1050" b="1" dirty="0"/>
+                  <a:t>addStudent(student)</a:t>
+                </a:r>
+              </a:p>
+            </p:txBody>
+          </p:sp>
+          <p:sp>
+            <p:nvSpPr>
+              <p:cNvPr id="78" name="Rectangle 77">
+                <a:extLst>
+                  <a:ext uri="{FF2B5EF4-FFF2-40B4-BE49-F238E27FC236}">
+                    <a16:creationId xmlns:a16="http://schemas.microsoft.com/office/drawing/2014/main" id="{F6EC03F3-9751-4F18-ACB3-29B50504400F}"/>
+                  </a:ext>
+                </a:extLst>
+              </p:cNvPr>
+              <p:cNvSpPr/>
+              <p:nvPr/>
+            </p:nvSpPr>
+            <p:spPr>
+              <a:xfrm>
+                <a:off x="9123475" y="4791699"/>
+                <a:ext cx="104400" cy="792387"/>
+              </a:xfrm>
+              <a:prstGeom prst="rect">
+                <a:avLst/>
+              </a:prstGeom>
+              <a:solidFill>
+                <a:schemeClr val="bg1"/>
+              </a:solidFill>
+              <a:ln>
+                <a:solidFill>
+                  <a:srgbClr val="B44D82"/>
+                </a:solidFill>
+              </a:ln>
+            </p:spPr>
+            <p:style>
+              <a:lnRef idx="2">
+                <a:schemeClr val="accent1">
+                  <a:shade val="50000"/>
+                </a:schemeClr>
+              </a:lnRef>
+              <a:fillRef idx="1">
+                <a:schemeClr val="accent1"/>
+              </a:fillRef>
+              <a:effectRef idx="0">
+                <a:schemeClr val="accent1"/>
+              </a:effectRef>
+              <a:fontRef idx="minor">
+                <a:schemeClr val="lt1"/>
+              </a:fontRef>
+            </p:style>
+            <p:txBody>
+              <a:bodyPr rtlCol="0" anchor="ctr"/>
+              <a:lstStyle/>
+              <a:p>
+                <a:pPr algn="ctr"/>
+                <a:endParaRPr lang="en-SG"/>
+              </a:p>
+            </p:txBody>
+          </p:sp>
+          <p:cxnSp>
+            <p:nvCxnSpPr>
+              <p:cNvPr id="79" name="Straight Arrow Connector 78">
+                <a:extLst>
+                  <a:ext uri="{FF2B5EF4-FFF2-40B4-BE49-F238E27FC236}">
+                    <a16:creationId xmlns:a16="http://schemas.microsoft.com/office/drawing/2014/main" id="{D1574FEF-2B17-41DA-9671-8E0BCAE1E7E4}"/>
+                  </a:ext>
+                </a:extLst>
+              </p:cNvPr>
+              <p:cNvCxnSpPr>
+                <a:cxnSpLocks/>
+              </p:cNvCxnSpPr>
+              <p:nvPr/>
+            </p:nvCxnSpPr>
+            <p:spPr>
+              <a:xfrm>
+                <a:off x="6772845" y="4791699"/>
+                <a:ext cx="2350630" cy="0"/>
+              </a:xfrm>
+              <a:prstGeom prst="straightConnector1">
+                <a:avLst/>
+              </a:prstGeom>
+              <a:ln w="19050">
+                <a:solidFill>
+                  <a:srgbClr val="B44D82"/>
+                </a:solidFill>
+                <a:prstDash val="solid"/>
+                <a:headEnd type="none" w="med" len="med"/>
+                <a:tailEnd type="arrow" w="med" len="med"/>
+              </a:ln>
+            </p:spPr>
+            <p:style>
+              <a:lnRef idx="1">
+                <a:schemeClr val="accent1"/>
+              </a:lnRef>
+              <a:fillRef idx="0">
+                <a:schemeClr val="accent1"/>
+              </a:fillRef>
+              <a:effectRef idx="0">
+                <a:schemeClr val="accent1"/>
+              </a:effectRef>
+              <a:fontRef idx="minor">
+                <a:schemeClr val="tx1"/>
+              </a:fontRef>
+            </p:style>
+          </p:cxnSp>
+          <p:cxnSp>
+            <p:nvCxnSpPr>
+              <p:cNvPr id="81" name="Straight Arrow Connector 80">
+                <a:extLst>
+                  <a:ext uri="{FF2B5EF4-FFF2-40B4-BE49-F238E27FC236}">
+                    <a16:creationId xmlns:a16="http://schemas.microsoft.com/office/drawing/2014/main" id="{FA462F57-7615-425C-A1CB-75D14E95CA2C}"/>
+                  </a:ext>
+                </a:extLst>
+              </p:cNvPr>
+              <p:cNvCxnSpPr>
+                <a:cxnSpLocks/>
+              </p:cNvCxnSpPr>
+              <p:nvPr/>
+            </p:nvCxnSpPr>
+            <p:spPr>
+              <a:xfrm flipH="1">
+                <a:off x="6772844" y="5584086"/>
+                <a:ext cx="2350631" cy="0"/>
+              </a:xfrm>
+              <a:prstGeom prst="straightConnector1">
+                <a:avLst/>
+              </a:prstGeom>
+              <a:ln w="19050">
+                <a:solidFill>
+                  <a:srgbClr val="B44D82"/>
+                </a:solidFill>
+                <a:prstDash val="sysDash"/>
+                <a:headEnd type="none" w="med" len="med"/>
+                <a:tailEnd type="arrow" w="med" len="med"/>
+              </a:ln>
+            </p:spPr>
+            <p:style>
+              <a:lnRef idx="1">
+                <a:schemeClr val="accent1"/>
+              </a:lnRef>
+              <a:fillRef idx="0">
+                <a:schemeClr val="accent1"/>
+              </a:fillRef>
+              <a:effectRef idx="0">
+                <a:schemeClr val="accent1"/>
+              </a:effectRef>
+              <a:fontRef idx="minor">
+                <a:schemeClr val="tx1"/>
+              </a:fontRef>
+            </p:style>
+          </p:cxnSp>
+          <p:sp>
+            <p:nvSpPr>
+              <p:cNvPr id="83" name="TextBox 82">
+                <a:extLst>
+                  <a:ext uri="{FF2B5EF4-FFF2-40B4-BE49-F238E27FC236}">
+                    <a16:creationId xmlns:a16="http://schemas.microsoft.com/office/drawing/2014/main" id="{16C1AE8E-3332-4F35-BA57-E801C77CD9E8}"/>
+                  </a:ext>
+                </a:extLst>
+              </p:cNvPr>
+              <p:cNvSpPr txBox="1"/>
+              <p:nvPr/>
+            </p:nvSpPr>
+            <p:spPr>
+              <a:xfrm>
+                <a:off x="6831911" y="4574890"/>
+                <a:ext cx="1928733" cy="253916"/>
+              </a:xfrm>
+              <a:prstGeom prst="rect">
+                <a:avLst/>
+              </a:prstGeom>
+              <a:noFill/>
+            </p:spPr>
+            <p:txBody>
+              <a:bodyPr wrap="none" rtlCol="0">
+                <a:spAutoFit/>
+              </a:bodyPr>
+              <a:lstStyle/>
+              <a:p>
+                <a:r>
+                  <a:rPr lang="en-SG" sz="1050" b="1" dirty="0"/>
+                  <a:t>addStudentToTutorial(student)</a:t>
+                </a:r>
+              </a:p>
+            </p:txBody>
+          </p:sp>
+          <p:sp>
+            <p:nvSpPr>
+              <p:cNvPr id="84" name="Rectangle 83">
+                <a:extLst>
+                  <a:ext uri="{FF2B5EF4-FFF2-40B4-BE49-F238E27FC236}">
+                    <a16:creationId xmlns:a16="http://schemas.microsoft.com/office/drawing/2014/main" id="{82AEF3EF-D530-4777-821D-3B766E10820F}"/>
+                  </a:ext>
+                </a:extLst>
+              </p:cNvPr>
+              <p:cNvSpPr/>
+              <p:nvPr/>
+            </p:nvSpPr>
+            <p:spPr>
+              <a:xfrm>
+                <a:off x="10336446" y="497190"/>
+                <a:ext cx="1097970" cy="344556"/>
+              </a:xfrm>
+              <a:prstGeom prst="rect">
+                <a:avLst/>
+              </a:prstGeom>
+              <a:solidFill>
+                <a:srgbClr val="9E0415"/>
+              </a:solidFill>
+              <a:ln>
+                <a:solidFill>
+                  <a:srgbClr val="B44D82"/>
+                </a:solidFill>
+              </a:ln>
+            </p:spPr>
+            <p:style>
+              <a:lnRef idx="2">
+                <a:schemeClr val="accent1">
+                  <a:shade val="50000"/>
+                </a:schemeClr>
+              </a:lnRef>
+              <a:fillRef idx="1">
+                <a:schemeClr val="accent1"/>
+              </a:fillRef>
+              <a:effectRef idx="0">
+                <a:schemeClr val="accent1"/>
+              </a:effectRef>
+              <a:fontRef idx="minor">
+                <a:schemeClr val="lt1"/>
+              </a:fontRef>
+            </p:style>
+            <p:txBody>
+              <a:bodyPr rtlCol="0" anchor="ctr"/>
+              <a:lstStyle/>
+              <a:p>
+                <a:pPr algn="ctr"/>
+                <a:r>
+                  <a:rPr lang="en-SG" sz="1200" dirty="0"/>
+                  <a:t>:Application</a:t>
+                </a:r>
+              </a:p>
+            </p:txBody>
+          </p:sp>
+          <p:cxnSp>
+            <p:nvCxnSpPr>
+              <p:cNvPr id="90" name="Straight Connector 89">
+                <a:extLst>
+                  <a:ext uri="{FF2B5EF4-FFF2-40B4-BE49-F238E27FC236}">
+                    <a16:creationId xmlns:a16="http://schemas.microsoft.com/office/drawing/2014/main" id="{F94CA48B-E535-483D-9BCE-B81CC264D2CD}"/>
+                  </a:ext>
+                </a:extLst>
+              </p:cNvPr>
+              <p:cNvCxnSpPr>
+                <a:cxnSpLocks/>
+              </p:cNvCxnSpPr>
+              <p:nvPr/>
+            </p:nvCxnSpPr>
+            <p:spPr>
+              <a:xfrm>
+                <a:off x="10857804" y="841746"/>
+                <a:ext cx="0" cy="2835238"/>
+              </a:xfrm>
+              <a:prstGeom prst="line">
+                <a:avLst/>
+              </a:prstGeom>
+              <a:ln w="19050">
+                <a:solidFill>
+                  <a:srgbClr val="B44D82"/>
+                </a:solidFill>
+                <a:prstDash val="sysDash"/>
+              </a:ln>
+            </p:spPr>
+            <p:style>
+              <a:lnRef idx="1">
+                <a:schemeClr val="accent1"/>
+              </a:lnRef>
+              <a:fillRef idx="0">
+                <a:schemeClr val="accent1"/>
+              </a:fillRef>
+              <a:effectRef idx="0">
+                <a:schemeClr val="accent1"/>
+              </a:effectRef>
+              <a:fontRef idx="minor">
+                <a:schemeClr val="tx1"/>
+              </a:fontRef>
+            </p:style>
+          </p:cxnSp>
+          <p:cxnSp>
+            <p:nvCxnSpPr>
+              <p:cNvPr id="92" name="Straight Arrow Connector 91">
+                <a:extLst>
+                  <a:ext uri="{FF2B5EF4-FFF2-40B4-BE49-F238E27FC236}">
+                    <a16:creationId xmlns:a16="http://schemas.microsoft.com/office/drawing/2014/main" id="{2BB1E7F9-6904-4CCA-9FF7-359151678278}"/>
+                  </a:ext>
+                </a:extLst>
+              </p:cNvPr>
+              <p:cNvCxnSpPr>
+                <a:cxnSpLocks/>
+              </p:cNvCxnSpPr>
+              <p:nvPr/>
+            </p:nvCxnSpPr>
+            <p:spPr>
+              <a:xfrm>
+                <a:off x="9214970" y="3676985"/>
+                <a:ext cx="1590634" cy="0"/>
+              </a:xfrm>
+              <a:prstGeom prst="straightConnector1">
+                <a:avLst/>
+              </a:prstGeom>
+              <a:ln w="19050">
+                <a:solidFill>
+                  <a:srgbClr val="B44D82"/>
+                </a:solidFill>
+                <a:prstDash val="solid"/>
+                <a:headEnd type="none" w="med" len="med"/>
+                <a:tailEnd type="arrow" w="med" len="med"/>
+              </a:ln>
+            </p:spPr>
+            <p:style>
+              <a:lnRef idx="1">
+                <a:schemeClr val="accent1"/>
+              </a:lnRef>
+              <a:fillRef idx="0">
+                <a:schemeClr val="accent1"/>
+              </a:fillRef>
+              <a:effectRef idx="0">
+                <a:schemeClr val="accent1"/>
+              </a:effectRef>
+              <a:fontRef idx="minor">
+                <a:schemeClr val="tx1"/>
+              </a:fontRef>
+            </p:style>
+          </p:cxnSp>
+          <p:cxnSp>
+            <p:nvCxnSpPr>
+              <p:cNvPr id="98" name="Straight Arrow Connector 97">
+                <a:extLst>
+                  <a:ext uri="{FF2B5EF4-FFF2-40B4-BE49-F238E27FC236}">
+                    <a16:creationId xmlns:a16="http://schemas.microsoft.com/office/drawing/2014/main" id="{4E155E63-CA03-42C5-98B3-9FDE38D9E1EE}"/>
+                  </a:ext>
+                </a:extLst>
+              </p:cNvPr>
+              <p:cNvCxnSpPr>
+                <a:cxnSpLocks/>
+              </p:cNvCxnSpPr>
+              <p:nvPr/>
+            </p:nvCxnSpPr>
+            <p:spPr>
+              <a:xfrm flipH="1">
+                <a:off x="9214970" y="3849965"/>
+                <a:ext cx="1642834" cy="0"/>
+              </a:xfrm>
+              <a:prstGeom prst="straightConnector1">
+                <a:avLst/>
+              </a:prstGeom>
+              <a:ln w="19050">
+                <a:solidFill>
+                  <a:srgbClr val="B44D82"/>
+                </a:solidFill>
+                <a:prstDash val="sysDash"/>
+                <a:headEnd type="none" w="med" len="med"/>
+                <a:tailEnd type="arrow" w="med" len="med"/>
+              </a:ln>
+            </p:spPr>
+            <p:style>
+              <a:lnRef idx="1">
+                <a:schemeClr val="accent1"/>
+              </a:lnRef>
+              <a:fillRef idx="0">
+                <a:schemeClr val="accent1"/>
+              </a:fillRef>
+              <a:effectRef idx="0">
+                <a:schemeClr val="accent1"/>
+              </a:effectRef>
+              <a:fontRef idx="minor">
+                <a:schemeClr val="tx1"/>
+              </a:fontRef>
+            </p:style>
+          </p:cxnSp>
+          <p:sp>
+            <p:nvSpPr>
+              <p:cNvPr id="100" name="Rectangle 99">
+                <a:extLst>
+                  <a:ext uri="{FF2B5EF4-FFF2-40B4-BE49-F238E27FC236}">
+                    <a16:creationId xmlns:a16="http://schemas.microsoft.com/office/drawing/2014/main" id="{AB773D31-6980-439A-8E35-D52BB430EFBD}"/>
+                  </a:ext>
+                </a:extLst>
+              </p:cNvPr>
+              <p:cNvSpPr/>
+              <p:nvPr/>
+            </p:nvSpPr>
+            <p:spPr>
+              <a:xfrm>
+                <a:off x="9188106" y="4169092"/>
+                <a:ext cx="104400" cy="216000"/>
+              </a:xfrm>
+              <a:prstGeom prst="rect">
+                <a:avLst/>
+              </a:prstGeom>
+              <a:solidFill>
+                <a:schemeClr val="bg1"/>
+              </a:solidFill>
+              <a:ln>
+                <a:solidFill>
+                  <a:srgbClr val="B44D82"/>
+                </a:solidFill>
+              </a:ln>
+            </p:spPr>
+            <p:style>
+              <a:lnRef idx="2">
+                <a:schemeClr val="accent1">
+                  <a:shade val="50000"/>
+                </a:schemeClr>
+              </a:lnRef>
+              <a:fillRef idx="1">
+                <a:schemeClr val="accent1"/>
+              </a:fillRef>
+              <a:effectRef idx="0">
+                <a:schemeClr val="accent1"/>
+              </a:effectRef>
+              <a:fontRef idx="minor">
+                <a:schemeClr val="lt1"/>
+              </a:fontRef>
+            </p:style>
+            <p:txBody>
+              <a:bodyPr rtlCol="0" anchor="ctr"/>
+              <a:lstStyle/>
+              <a:p>
+                <a:pPr algn="ctr"/>
+                <a:endParaRPr lang="en-SG"/>
+              </a:p>
+            </p:txBody>
+          </p:sp>
+          <p:sp>
+            <p:nvSpPr>
+              <p:cNvPr id="101" name="TextBox 100">
+                <a:extLst>
+                  <a:ext uri="{FF2B5EF4-FFF2-40B4-BE49-F238E27FC236}">
+                    <a16:creationId xmlns:a16="http://schemas.microsoft.com/office/drawing/2014/main" id="{0632F8D6-7907-471F-B25F-262979649F74}"/>
+                  </a:ext>
+                </a:extLst>
+              </p:cNvPr>
+              <p:cNvSpPr txBox="1"/>
+              <p:nvPr/>
+            </p:nvSpPr>
+            <p:spPr>
+              <a:xfrm>
+                <a:off x="9349818" y="3488952"/>
+                <a:ext cx="1069524" cy="215444"/>
+              </a:xfrm>
+              <a:prstGeom prst="rect">
+                <a:avLst/>
+              </a:prstGeom>
+              <a:noFill/>
+            </p:spPr>
+            <p:txBody>
+              <a:bodyPr wrap="none" rtlCol="0">
+                <a:spAutoFit/>
+              </a:bodyPr>
+              <a:lstStyle/>
+              <a:p>
+                <a:r>
+                  <a:rPr lang="en-SG" sz="800" b="1" dirty="0"/>
+                  <a:t>addStudent(student)</a:t>
+                </a:r>
+              </a:p>
+            </p:txBody>
+          </p:sp>
+          <p:sp>
+            <p:nvSpPr>
+              <p:cNvPr id="102" name="Rectangle 101">
+                <a:extLst>
+                  <a:ext uri="{FF2B5EF4-FFF2-40B4-BE49-F238E27FC236}">
+                    <a16:creationId xmlns:a16="http://schemas.microsoft.com/office/drawing/2014/main" id="{D772AEAA-458A-4C7A-9A9D-11FB17660A4E}"/>
+                  </a:ext>
+                </a:extLst>
+              </p:cNvPr>
+              <p:cNvSpPr/>
+              <p:nvPr/>
+            </p:nvSpPr>
+            <p:spPr>
+              <a:xfrm>
+                <a:off x="10817507" y="4850610"/>
+                <a:ext cx="104400" cy="187016"/>
+              </a:xfrm>
+              <a:prstGeom prst="rect">
+                <a:avLst/>
+              </a:prstGeom>
+              <a:solidFill>
+                <a:schemeClr val="bg1"/>
+              </a:solidFill>
+              <a:ln>
+                <a:solidFill>
+                  <a:srgbClr val="B44D82"/>
+                </a:solidFill>
+              </a:ln>
+            </p:spPr>
+            <p:style>
+              <a:lnRef idx="2">
+                <a:schemeClr val="accent1">
+                  <a:shade val="50000"/>
+                </a:schemeClr>
+              </a:lnRef>
+              <a:fillRef idx="1">
+                <a:schemeClr val="accent1"/>
+              </a:fillRef>
+              <a:effectRef idx="0">
+                <a:schemeClr val="accent1"/>
+              </a:effectRef>
+              <a:fontRef idx="minor">
+                <a:schemeClr val="lt1"/>
+              </a:fontRef>
+            </p:style>
+            <p:txBody>
+              <a:bodyPr rtlCol="0" anchor="ctr"/>
+              <a:lstStyle/>
+              <a:p>
+                <a:pPr algn="ctr"/>
+                <a:endParaRPr lang="en-SG"/>
+              </a:p>
+            </p:txBody>
+          </p:sp>
+          <p:cxnSp>
+            <p:nvCxnSpPr>
+              <p:cNvPr id="103" name="Straight Arrow Connector 102">
+                <a:extLst>
+                  <a:ext uri="{FF2B5EF4-FFF2-40B4-BE49-F238E27FC236}">
+                    <a16:creationId xmlns:a16="http://schemas.microsoft.com/office/drawing/2014/main" id="{4CCFE49D-AA85-4322-A60B-FB1FAAA77E35}"/>
+                  </a:ext>
+                </a:extLst>
+              </p:cNvPr>
+              <p:cNvCxnSpPr>
+                <a:cxnSpLocks/>
+              </p:cNvCxnSpPr>
+              <p:nvPr/>
+            </p:nvCxnSpPr>
+            <p:spPr>
+              <a:xfrm>
+                <a:off x="9227875" y="4850610"/>
+                <a:ext cx="1590634" cy="0"/>
+              </a:xfrm>
+              <a:prstGeom prst="straightConnector1">
+                <a:avLst/>
+              </a:prstGeom>
+              <a:ln w="19050">
+                <a:solidFill>
+                  <a:srgbClr val="B44D82"/>
+                </a:solidFill>
+                <a:prstDash val="solid"/>
+                <a:headEnd type="none" w="med" len="med"/>
+                <a:tailEnd type="arrow" w="med" len="med"/>
+              </a:ln>
+            </p:spPr>
+            <p:style>
+              <a:lnRef idx="1">
+                <a:schemeClr val="accent1"/>
+              </a:lnRef>
+              <a:fillRef idx="0">
+                <a:schemeClr val="accent1"/>
+              </a:fillRef>
+              <a:effectRef idx="0">
+                <a:schemeClr val="accent1"/>
+              </a:effectRef>
+              <a:fontRef idx="minor">
+                <a:schemeClr val="tx1"/>
+              </a:fontRef>
+            </p:style>
+          </p:cxnSp>
+          <p:cxnSp>
+            <p:nvCxnSpPr>
+              <p:cNvPr id="104" name="Straight Arrow Connector 103">
+                <a:extLst>
+                  <a:ext uri="{FF2B5EF4-FFF2-40B4-BE49-F238E27FC236}">
+                    <a16:creationId xmlns:a16="http://schemas.microsoft.com/office/drawing/2014/main" id="{605F7DFE-57A7-48B1-9C45-1BE917A82108}"/>
+                  </a:ext>
+                </a:extLst>
+              </p:cNvPr>
+              <p:cNvCxnSpPr>
+                <a:cxnSpLocks/>
+                <a:stCxn id="102" idx="2"/>
+              </p:cNvCxnSpPr>
+              <p:nvPr/>
+            </p:nvCxnSpPr>
+            <p:spPr>
+              <a:xfrm flipH="1">
+                <a:off x="9214971" y="5037626"/>
+                <a:ext cx="1654736" cy="0"/>
+              </a:xfrm>
+              <a:prstGeom prst="straightConnector1">
+                <a:avLst/>
+              </a:prstGeom>
+              <a:ln w="19050">
+                <a:solidFill>
+                  <a:srgbClr val="B44D82"/>
+                </a:solidFill>
+                <a:prstDash val="sysDash"/>
+                <a:headEnd type="none" w="med" len="med"/>
+                <a:tailEnd type="arrow" w="med" len="med"/>
+              </a:ln>
+            </p:spPr>
+            <p:style>
+              <a:lnRef idx="1">
+                <a:schemeClr val="accent1"/>
+              </a:lnRef>
+              <a:fillRef idx="0">
+                <a:schemeClr val="accent1"/>
+              </a:fillRef>
+              <a:effectRef idx="0">
+                <a:schemeClr val="accent1"/>
+              </a:effectRef>
+              <a:fontRef idx="minor">
+                <a:schemeClr val="tx1"/>
+              </a:fontRef>
+            </p:style>
+          </p:cxnSp>
+          <p:sp>
+            <p:nvSpPr>
+              <p:cNvPr id="105" name="TextBox 104">
+                <a:extLst>
+                  <a:ext uri="{FF2B5EF4-FFF2-40B4-BE49-F238E27FC236}">
+                    <a16:creationId xmlns:a16="http://schemas.microsoft.com/office/drawing/2014/main" id="{B270D378-DBB0-45C8-B0F4-9F5326426943}"/>
+                  </a:ext>
+                </a:extLst>
+              </p:cNvPr>
+              <p:cNvSpPr txBox="1"/>
+              <p:nvPr/>
+            </p:nvSpPr>
+            <p:spPr>
+              <a:xfrm>
+                <a:off x="9222555" y="4673625"/>
+                <a:ext cx="1459054" cy="215444"/>
+              </a:xfrm>
+              <a:prstGeom prst="rect">
+                <a:avLst/>
+              </a:prstGeom>
+              <a:noFill/>
+            </p:spPr>
+            <p:txBody>
+              <a:bodyPr wrap="none" rtlCol="0">
+                <a:spAutoFit/>
+              </a:bodyPr>
+              <a:lstStyle/>
+              <a:p>
+                <a:r>
+                  <a:rPr lang="en-SG" sz="800" b="1" dirty="0"/>
+                  <a:t>addStudentToTutorial</a:t>
+                </a:r>
+                <a:r>
+                  <a:rPr lang="en-SG" sz="700" b="1" dirty="0"/>
+                  <a:t>(student)</a:t>
+                </a:r>
+              </a:p>
+            </p:txBody>
+          </p:sp>
+          <p:cxnSp>
+            <p:nvCxnSpPr>
+              <p:cNvPr id="106" name="Straight Connector 105">
+                <a:extLst>
+                  <a:ext uri="{FF2B5EF4-FFF2-40B4-BE49-F238E27FC236}">
+                    <a16:creationId xmlns:a16="http://schemas.microsoft.com/office/drawing/2014/main" id="{6D033843-0953-4BEC-9BDD-60456E8CAF39}"/>
+                  </a:ext>
+                </a:extLst>
+              </p:cNvPr>
+              <p:cNvCxnSpPr>
+                <a:cxnSpLocks/>
+                <a:stCxn id="111" idx="2"/>
+                <a:endCxn id="102" idx="0"/>
+              </p:cNvCxnSpPr>
+              <p:nvPr/>
+            </p:nvCxnSpPr>
+            <p:spPr>
+              <a:xfrm>
+                <a:off x="10864743" y="3849965"/>
+                <a:ext cx="4964" cy="1000645"/>
+              </a:xfrm>
+              <a:prstGeom prst="line">
+                <a:avLst/>
+              </a:prstGeom>
+              <a:ln w="19050">
+                <a:solidFill>
+                  <a:srgbClr val="B44D82"/>
+                </a:solidFill>
+                <a:prstDash val="sysDash"/>
+              </a:ln>
+            </p:spPr>
+            <p:style>
+              <a:lnRef idx="1">
+                <a:schemeClr val="accent1"/>
+              </a:lnRef>
+              <a:fillRef idx="0">
+                <a:schemeClr val="accent1"/>
+              </a:fillRef>
+              <a:effectRef idx="0">
+                <a:schemeClr val="accent1"/>
+              </a:effectRef>
+              <a:fontRef idx="minor">
+                <a:schemeClr val="tx1"/>
+              </a:fontRef>
+            </p:style>
+          </p:cxnSp>
+          <p:sp>
+            <p:nvSpPr>
+              <p:cNvPr id="109" name="Rectangle 108">
+                <a:extLst>
+                  <a:ext uri="{FF2B5EF4-FFF2-40B4-BE49-F238E27FC236}">
+                    <a16:creationId xmlns:a16="http://schemas.microsoft.com/office/drawing/2014/main" id="{FD1CA39F-1F97-4863-AF81-3B6F0574A040}"/>
+                  </a:ext>
+                </a:extLst>
+              </p:cNvPr>
+              <p:cNvSpPr/>
+              <p:nvPr/>
+            </p:nvSpPr>
+            <p:spPr>
+              <a:xfrm>
+                <a:off x="9188106" y="5258803"/>
+                <a:ext cx="104400" cy="216000"/>
+              </a:xfrm>
+              <a:prstGeom prst="rect">
+                <a:avLst/>
+              </a:prstGeom>
+              <a:solidFill>
+                <a:schemeClr val="bg1"/>
+              </a:solidFill>
+              <a:ln>
+                <a:solidFill>
+                  <a:srgbClr val="B44D82"/>
+                </a:solidFill>
+              </a:ln>
+            </p:spPr>
+            <p:style>
+              <a:lnRef idx="2">
+                <a:schemeClr val="accent1">
+                  <a:shade val="50000"/>
+                </a:schemeClr>
+              </a:lnRef>
+              <a:fillRef idx="1">
+                <a:schemeClr val="accent1"/>
+              </a:fillRef>
+              <a:effectRef idx="0">
+                <a:schemeClr val="accent1"/>
+              </a:effectRef>
+              <a:fontRef idx="minor">
+                <a:schemeClr val="lt1"/>
+              </a:fontRef>
+            </p:style>
+            <p:txBody>
+              <a:bodyPr rtlCol="0" anchor="ctr"/>
+              <a:lstStyle/>
+              <a:p>
+                <a:pPr algn="ctr"/>
+                <a:endParaRPr lang="en-SG"/>
+              </a:p>
+            </p:txBody>
+          </p:sp>
+          <p:sp>
+            <p:nvSpPr>
+              <p:cNvPr id="111" name="Rectangle 110">
+                <a:extLst>
+                  <a:ext uri="{FF2B5EF4-FFF2-40B4-BE49-F238E27FC236}">
+                    <a16:creationId xmlns:a16="http://schemas.microsoft.com/office/drawing/2014/main" id="{F656BC27-39CE-4CC3-8898-BA6FD6B44FFD}"/>
+                  </a:ext>
+                </a:extLst>
+              </p:cNvPr>
+              <p:cNvSpPr/>
+              <p:nvPr/>
+            </p:nvSpPr>
+            <p:spPr>
+              <a:xfrm>
+                <a:off x="10812543" y="3662949"/>
+                <a:ext cx="104400" cy="187016"/>
+              </a:xfrm>
+              <a:prstGeom prst="rect">
+                <a:avLst/>
+              </a:prstGeom>
+              <a:solidFill>
+                <a:schemeClr val="bg1"/>
+              </a:solidFill>
+              <a:ln>
+                <a:solidFill>
+                  <a:srgbClr val="B44D82"/>
+                </a:solidFill>
+              </a:ln>
+            </p:spPr>
+            <p:style>
+              <a:lnRef idx="2">
+                <a:schemeClr val="accent1">
+                  <a:shade val="50000"/>
+                </a:schemeClr>
+              </a:lnRef>
+              <a:fillRef idx="1">
+                <a:schemeClr val="accent1"/>
+              </a:fillRef>
+              <a:effectRef idx="0">
+                <a:schemeClr val="accent1"/>
+              </a:effectRef>
+              <a:fontRef idx="minor">
+                <a:schemeClr val="lt1"/>
+              </a:fontRef>
+            </p:style>
+            <p:txBody>
+              <a:bodyPr rtlCol="0" anchor="ctr"/>
+              <a:lstStyle/>
+              <a:p>
+                <a:pPr algn="ctr"/>
+                <a:endParaRPr lang="en-SG"/>
+              </a:p>
+            </p:txBody>
+          </p:sp>
+          <p:cxnSp>
+            <p:nvCxnSpPr>
+              <p:cNvPr id="87" name="Straight Arrow Connector 86">
+                <a:extLst>
+                  <a:ext uri="{FF2B5EF4-FFF2-40B4-BE49-F238E27FC236}">
+                    <a16:creationId xmlns:a16="http://schemas.microsoft.com/office/drawing/2014/main" id="{A7440AC3-FC37-405E-BA3A-47F91BB9357C}"/>
+                  </a:ext>
+                </a:extLst>
+              </p:cNvPr>
+              <p:cNvCxnSpPr>
+                <a:cxnSpLocks/>
+              </p:cNvCxnSpPr>
+              <p:nvPr/>
+            </p:nvCxnSpPr>
+            <p:spPr>
+              <a:xfrm flipH="1">
+                <a:off x="9286640" y="4090985"/>
+                <a:ext cx="159928" cy="80931"/>
+              </a:xfrm>
+              <a:prstGeom prst="straightConnector1">
+                <a:avLst/>
+              </a:prstGeom>
+              <a:ln w="19050">
+                <a:solidFill>
+                  <a:srgbClr val="B44D82"/>
+                </a:solidFill>
+                <a:tailEnd type="triangle"/>
+              </a:ln>
+            </p:spPr>
+            <p:style>
+              <a:lnRef idx="1">
+                <a:schemeClr val="accent1"/>
+              </a:lnRef>
+              <a:fillRef idx="0">
+                <a:schemeClr val="accent1"/>
+              </a:fillRef>
+              <a:effectRef idx="0">
+                <a:schemeClr val="accent1"/>
+              </a:effectRef>
+              <a:fontRef idx="minor">
+                <a:schemeClr val="tx1"/>
+              </a:fontRef>
+            </p:style>
+          </p:cxnSp>
+          <p:cxnSp>
+            <p:nvCxnSpPr>
+              <p:cNvPr id="94" name="Straight Connector 93">
+                <a:extLst>
+                  <a:ext uri="{FF2B5EF4-FFF2-40B4-BE49-F238E27FC236}">
+                    <a16:creationId xmlns:a16="http://schemas.microsoft.com/office/drawing/2014/main" id="{9817E901-6CCD-4CA5-A036-83F29CB1FC41}"/>
+                  </a:ext>
+                </a:extLst>
+              </p:cNvPr>
+              <p:cNvCxnSpPr/>
+              <p:nvPr/>
+            </p:nvCxnSpPr>
+            <p:spPr>
+              <a:xfrm flipH="1" flipV="1">
+                <a:off x="9221909" y="4020535"/>
+                <a:ext cx="227592" cy="75232"/>
+              </a:xfrm>
+              <a:prstGeom prst="line">
+                <a:avLst/>
+              </a:prstGeom>
+              <a:ln w="19050">
+                <a:solidFill>
+                  <a:srgbClr val="B44D82"/>
+                </a:solidFill>
+              </a:ln>
+            </p:spPr>
+            <p:style>
+              <a:lnRef idx="1">
+                <a:schemeClr val="accent1"/>
+              </a:lnRef>
+              <a:fillRef idx="0">
+                <a:schemeClr val="accent1"/>
+              </a:fillRef>
+              <a:effectRef idx="0">
+                <a:schemeClr val="accent1"/>
+              </a:effectRef>
+              <a:fontRef idx="minor">
+                <a:schemeClr val="tx1"/>
+              </a:fontRef>
+            </p:style>
+          </p:cxnSp>
+          <p:cxnSp>
+            <p:nvCxnSpPr>
+              <p:cNvPr id="132" name="Straight Connector 131">
+                <a:extLst>
+                  <a:ext uri="{FF2B5EF4-FFF2-40B4-BE49-F238E27FC236}">
+                    <a16:creationId xmlns:a16="http://schemas.microsoft.com/office/drawing/2014/main" id="{06F1C65A-387F-457D-8202-7FAE8F8C6746}"/>
+                  </a:ext>
+                </a:extLst>
+              </p:cNvPr>
+              <p:cNvCxnSpPr/>
+              <p:nvPr/>
+            </p:nvCxnSpPr>
+            <p:spPr>
+              <a:xfrm flipH="1" flipV="1">
+                <a:off x="9286640" y="4384300"/>
+                <a:ext cx="227592" cy="75232"/>
+              </a:xfrm>
+              <a:prstGeom prst="line">
+                <a:avLst/>
+              </a:prstGeom>
+              <a:ln w="19050">
+                <a:solidFill>
+                  <a:srgbClr val="B44D82"/>
+                </a:solidFill>
+                <a:prstDash val="sysDash"/>
+              </a:ln>
+            </p:spPr>
+            <p:style>
+              <a:lnRef idx="1">
+                <a:schemeClr val="accent1"/>
+              </a:lnRef>
+              <a:fillRef idx="0">
+                <a:schemeClr val="accent1"/>
+              </a:fillRef>
+              <a:effectRef idx="0">
+                <a:schemeClr val="accent1"/>
+              </a:effectRef>
+              <a:fontRef idx="minor">
+                <a:schemeClr val="tx1"/>
+              </a:fontRef>
+            </p:style>
+          </p:cxnSp>
+          <p:cxnSp>
+            <p:nvCxnSpPr>
+              <p:cNvPr id="134" name="Straight Arrow Connector 133">
+                <a:extLst>
+                  <a:ext uri="{FF2B5EF4-FFF2-40B4-BE49-F238E27FC236}">
+                    <a16:creationId xmlns:a16="http://schemas.microsoft.com/office/drawing/2014/main" id="{BAAB65F5-D8E1-477F-B2AD-11141F274BED}"/>
+                  </a:ext>
+                </a:extLst>
+              </p:cNvPr>
+              <p:cNvCxnSpPr>
+                <a:cxnSpLocks/>
+              </p:cNvCxnSpPr>
+              <p:nvPr/>
+            </p:nvCxnSpPr>
+            <p:spPr>
+              <a:xfrm flipH="1">
+                <a:off x="9221909" y="4461861"/>
+                <a:ext cx="292323" cy="73318"/>
+              </a:xfrm>
+              <a:prstGeom prst="straightConnector1">
+                <a:avLst/>
+              </a:prstGeom>
+              <a:ln w="19050">
+                <a:solidFill>
+                  <a:srgbClr val="B44D82"/>
+                </a:solidFill>
+                <a:prstDash val="sysDash"/>
+                <a:tailEnd type="triangle"/>
+              </a:ln>
+            </p:spPr>
+            <p:style>
+              <a:lnRef idx="1">
+                <a:schemeClr val="accent1"/>
+              </a:lnRef>
+              <a:fillRef idx="0">
+                <a:schemeClr val="accent1"/>
+              </a:fillRef>
+              <a:effectRef idx="0">
+                <a:schemeClr val="accent1"/>
+              </a:effectRef>
+              <a:fontRef idx="minor">
+                <a:schemeClr val="tx1"/>
+              </a:fontRef>
+            </p:style>
+          </p:cxnSp>
+          <p:cxnSp>
+            <p:nvCxnSpPr>
+              <p:cNvPr id="135" name="Straight Arrow Connector 134">
+                <a:extLst>
+                  <a:ext uri="{FF2B5EF4-FFF2-40B4-BE49-F238E27FC236}">
+                    <a16:creationId xmlns:a16="http://schemas.microsoft.com/office/drawing/2014/main" id="{41C074CE-9CA4-4DDE-BA04-5F513C5A0145}"/>
+                  </a:ext>
+                </a:extLst>
+              </p:cNvPr>
+              <p:cNvCxnSpPr>
+                <a:cxnSpLocks/>
+              </p:cNvCxnSpPr>
+              <p:nvPr/>
+            </p:nvCxnSpPr>
+            <p:spPr>
+              <a:xfrm flipH="1">
+                <a:off x="9287971" y="5218979"/>
+                <a:ext cx="170320" cy="54514"/>
+              </a:xfrm>
+              <a:prstGeom prst="straightConnector1">
+                <a:avLst/>
+              </a:prstGeom>
+              <a:ln w="19050">
+                <a:solidFill>
+                  <a:srgbClr val="B44D82"/>
+                </a:solidFill>
+                <a:tailEnd type="triangle"/>
+              </a:ln>
+            </p:spPr>
+            <p:style>
+              <a:lnRef idx="1">
+                <a:schemeClr val="accent1"/>
+              </a:lnRef>
+              <a:fillRef idx="0">
+                <a:schemeClr val="accent1"/>
+              </a:fillRef>
+              <a:effectRef idx="0">
+                <a:schemeClr val="accent1"/>
+              </a:effectRef>
+              <a:fontRef idx="minor">
+                <a:schemeClr val="tx1"/>
+              </a:fontRef>
+            </p:style>
+          </p:cxnSp>
+          <p:cxnSp>
+            <p:nvCxnSpPr>
+              <p:cNvPr id="142" name="Straight Connector 141">
+                <a:extLst>
+                  <a:ext uri="{FF2B5EF4-FFF2-40B4-BE49-F238E27FC236}">
+                    <a16:creationId xmlns:a16="http://schemas.microsoft.com/office/drawing/2014/main" id="{F9884612-40AE-46EC-BDE0-9756B772A728}"/>
+                  </a:ext>
+                </a:extLst>
+              </p:cNvPr>
+              <p:cNvCxnSpPr/>
+              <p:nvPr/>
+            </p:nvCxnSpPr>
+            <p:spPr>
+              <a:xfrm flipH="1" flipV="1">
+                <a:off x="9232116" y="5149410"/>
+                <a:ext cx="227592" cy="75232"/>
+              </a:xfrm>
+              <a:prstGeom prst="line">
+                <a:avLst/>
+              </a:prstGeom>
+              <a:ln w="19050">
+                <a:solidFill>
+                  <a:srgbClr val="B44D82"/>
+                </a:solidFill>
+              </a:ln>
+            </p:spPr>
+            <p:style>
+              <a:lnRef idx="1">
+                <a:schemeClr val="accent1"/>
+              </a:lnRef>
+              <a:fillRef idx="0">
+                <a:schemeClr val="accent1"/>
+              </a:fillRef>
+              <a:effectRef idx="0">
+                <a:schemeClr val="accent1"/>
+              </a:effectRef>
+              <a:fontRef idx="minor">
+                <a:schemeClr val="tx1"/>
+              </a:fontRef>
+            </p:style>
+          </p:cxnSp>
+          <p:cxnSp>
+            <p:nvCxnSpPr>
+              <p:cNvPr id="143" name="Straight Connector 142">
+                <a:extLst>
+                  <a:ext uri="{FF2B5EF4-FFF2-40B4-BE49-F238E27FC236}">
+                    <a16:creationId xmlns:a16="http://schemas.microsoft.com/office/drawing/2014/main" id="{0DEFB5F6-D76C-4C9E-A00D-FD3715669EE7}"/>
+                  </a:ext>
+                </a:extLst>
+              </p:cNvPr>
+              <p:cNvCxnSpPr>
+                <a:cxnSpLocks/>
+              </p:cNvCxnSpPr>
+              <p:nvPr/>
+            </p:nvCxnSpPr>
+            <p:spPr>
+              <a:xfrm flipH="1" flipV="1">
+                <a:off x="9292251" y="5471375"/>
+                <a:ext cx="221981" cy="14084"/>
+              </a:xfrm>
+              <a:prstGeom prst="line">
+                <a:avLst/>
+              </a:prstGeom>
+              <a:ln w="19050">
+                <a:solidFill>
+                  <a:srgbClr val="B44D82"/>
+                </a:solidFill>
+                <a:prstDash val="sysDash"/>
+              </a:ln>
+            </p:spPr>
+            <p:style>
+              <a:lnRef idx="1">
+                <a:schemeClr val="accent1"/>
+              </a:lnRef>
+              <a:fillRef idx="0">
+                <a:schemeClr val="accent1"/>
+              </a:fillRef>
+              <a:effectRef idx="0">
+                <a:schemeClr val="accent1"/>
+              </a:effectRef>
+              <a:fontRef idx="minor">
+                <a:schemeClr val="tx1"/>
+              </a:fontRef>
+            </p:style>
+          </p:cxnSp>
+          <p:cxnSp>
+            <p:nvCxnSpPr>
+              <p:cNvPr id="144" name="Straight Arrow Connector 143">
+                <a:extLst>
+                  <a:ext uri="{FF2B5EF4-FFF2-40B4-BE49-F238E27FC236}">
+                    <a16:creationId xmlns:a16="http://schemas.microsoft.com/office/drawing/2014/main" id="{436DC69E-F15E-41D6-BB2C-E990D55611AE}"/>
+                  </a:ext>
+                </a:extLst>
+              </p:cNvPr>
+              <p:cNvCxnSpPr>
+                <a:cxnSpLocks/>
+              </p:cNvCxnSpPr>
+              <p:nvPr/>
+            </p:nvCxnSpPr>
+            <p:spPr>
+              <a:xfrm flipH="1">
+                <a:off x="9222514" y="5485459"/>
+                <a:ext cx="292323" cy="73318"/>
+              </a:xfrm>
+              <a:prstGeom prst="straightConnector1">
+                <a:avLst/>
+              </a:prstGeom>
+              <a:ln w="19050">
+                <a:solidFill>
+                  <a:srgbClr val="B44D82"/>
+                </a:solidFill>
+                <a:prstDash val="sysDash"/>
+                <a:tailEnd type="triangle"/>
+              </a:ln>
+            </p:spPr>
+            <p:style>
+              <a:lnRef idx="1">
+                <a:schemeClr val="accent1"/>
+              </a:lnRef>
+              <a:fillRef idx="0">
+                <a:schemeClr val="accent1"/>
+              </a:fillRef>
+              <a:effectRef idx="0">
+                <a:schemeClr val="accent1"/>
+              </a:effectRef>
+              <a:fontRef idx="minor">
+                <a:schemeClr val="tx1"/>
+              </a:fontRef>
+            </p:style>
+          </p:cxnSp>
+          <p:sp>
+            <p:nvSpPr>
+              <p:cNvPr id="145" name="TextBox 144">
+                <a:extLst>
+                  <a:ext uri="{FF2B5EF4-FFF2-40B4-BE49-F238E27FC236}">
+                    <a16:creationId xmlns:a16="http://schemas.microsoft.com/office/drawing/2014/main" id="{27C53895-6738-4B77-98CF-6194CBD3365D}"/>
+                  </a:ext>
+                </a:extLst>
+              </p:cNvPr>
+              <p:cNvSpPr txBox="1"/>
+              <p:nvPr/>
+            </p:nvSpPr>
+            <p:spPr>
+              <a:xfrm>
+                <a:off x="9232116" y="5258473"/>
+                <a:ext cx="1757212" cy="215444"/>
+              </a:xfrm>
+              <a:prstGeom prst="rect">
+                <a:avLst/>
+              </a:prstGeom>
+              <a:noFill/>
+            </p:spPr>
+            <p:txBody>
+              <a:bodyPr wrap="none" rtlCol="0">
+                <a:spAutoFit/>
+              </a:bodyPr>
+              <a:lstStyle/>
+              <a:p>
+                <a:r>
+                  <a:rPr lang="en-SG" sz="800" b="1" dirty="0"/>
+                  <a:t>updateFilteredModuleList(predicate)</a:t>
+                </a:r>
+              </a:p>
+            </p:txBody>
+          </p:sp>
+          <p:sp>
+            <p:nvSpPr>
+              <p:cNvPr id="147" name="TextBox 146">
+                <a:extLst>
+                  <a:ext uri="{FF2B5EF4-FFF2-40B4-BE49-F238E27FC236}">
+                    <a16:creationId xmlns:a16="http://schemas.microsoft.com/office/drawing/2014/main" id="{53B609C3-437D-4593-90E2-6DDF2967BF63}"/>
+                  </a:ext>
+                </a:extLst>
+              </p:cNvPr>
+              <p:cNvSpPr txBox="1"/>
+              <p:nvPr/>
+            </p:nvSpPr>
+            <p:spPr>
+              <a:xfrm>
+                <a:off x="9221909" y="4178962"/>
+                <a:ext cx="1760418" cy="215444"/>
+              </a:xfrm>
+              <a:prstGeom prst="rect">
+                <a:avLst/>
+              </a:prstGeom>
+              <a:noFill/>
+            </p:spPr>
+            <p:txBody>
+              <a:bodyPr wrap="none" rtlCol="0">
+                <a:spAutoFit/>
+              </a:bodyPr>
+              <a:lstStyle/>
+              <a:p>
+                <a:r>
+                  <a:rPr lang="en-SG" sz="800" b="1" dirty="0"/>
+                  <a:t>updateFilteredStudentList(predicate)</a:t>
+                </a:r>
+              </a:p>
+            </p:txBody>
+          </p:sp>
+        </p:grpSp>
+        <p:cxnSp>
+          <p:nvCxnSpPr>
+            <p:cNvPr id="73" name="Straight Connector 72">
               <a:extLst>
                 <a:ext uri="{FF2B5EF4-FFF2-40B4-BE49-F238E27FC236}">
-                  <a16:creationId xmlns:a16="http://schemas.microsoft.com/office/drawing/2014/main" id="{F5C595BB-3588-4AB6-8E1B-C22DF903195C}"/>
-                </a:ext>
-              </a:extLst>
-            </p:cNvPr>
-            <p:cNvSpPr/>
-            <p:nvPr/>
-          </p:nvSpPr>
-          <p:spPr>
-            <a:xfrm>
-              <a:off x="8370244" y="192157"/>
-              <a:ext cx="3603327" cy="6064869"/>
-            </a:xfrm>
-            <a:prstGeom prst="rect">
-              <a:avLst/>
-            </a:prstGeom>
-            <a:solidFill>
-              <a:srgbClr val="F97181"/>
-            </a:solidFill>
-            <a:ln w="19050">
-              <a:solidFill>
-                <a:srgbClr val="B44D82"/>
-              </a:solidFill>
-            </a:ln>
-          </p:spPr>
-          <p:style>
-            <a:lnRef idx="2">
-              <a:schemeClr val="accent1">
-                <a:shade val="50000"/>
-              </a:schemeClr>
-            </a:lnRef>
-            <a:fillRef idx="1">
-              <a:schemeClr val="accent1"/>
-            </a:fillRef>
-            <a:effectRef idx="0">
-              <a:schemeClr val="accent1"/>
-            </a:effectRef>
-            <a:fontRef idx="minor">
-              <a:schemeClr val="lt1"/>
-            </a:fontRef>
-          </p:style>
-          <p:txBody>
-            <a:bodyPr rtlCol="0" anchor="ctr"/>
-            <a:lstStyle/>
-            <a:p>
-              <a:pPr algn="ctr"/>
-              <a:endParaRPr lang="en-SG"/>
-            </a:p>
-          </p:txBody>
-        </p:sp>
-        <p:sp>
-          <p:nvSpPr>
-            <p:cNvPr id="8" name="Rectangle 7">
-              <a:extLst>
-                <a:ext uri="{FF2B5EF4-FFF2-40B4-BE49-F238E27FC236}">
-                  <a16:creationId xmlns:a16="http://schemas.microsoft.com/office/drawing/2014/main" id="{8EB1BB0A-0650-4D22-BCF4-F5F5FB082260}"/>
-                </a:ext>
-              </a:extLst>
-            </p:cNvPr>
-            <p:cNvSpPr/>
-            <p:nvPr/>
-          </p:nvSpPr>
-          <p:spPr>
-            <a:xfrm>
-              <a:off x="829166" y="781879"/>
-              <a:ext cx="1106804" cy="344556"/>
-            </a:xfrm>
-            <a:prstGeom prst="rect">
-              <a:avLst/>
-            </a:prstGeom>
-            <a:solidFill>
-              <a:srgbClr val="3333C4"/>
-            </a:solidFill>
-            <a:ln>
-              <a:solidFill>
-                <a:srgbClr val="B44D82"/>
-              </a:solidFill>
-            </a:ln>
-          </p:spPr>
-          <p:style>
-            <a:lnRef idx="2">
-              <a:schemeClr val="accent1">
-                <a:shade val="50000"/>
-              </a:schemeClr>
-            </a:lnRef>
-            <a:fillRef idx="1">
-              <a:schemeClr val="accent1"/>
-            </a:fillRef>
-            <a:effectRef idx="0">
-              <a:schemeClr val="accent1"/>
-            </a:effectRef>
-            <a:fontRef idx="minor">
-              <a:schemeClr val="lt1"/>
-            </a:fontRef>
-          </p:style>
-          <p:txBody>
-            <a:bodyPr rtlCol="0" anchor="ctr"/>
-            <a:lstStyle/>
-            <a:p>
-              <a:pPr algn="ctr"/>
-              <a:r>
-                <a:rPr lang="en-SG" sz="1200" dirty="0"/>
-                <a:t>:LogicManager</a:t>
-              </a:r>
-            </a:p>
-          </p:txBody>
-        </p:sp>
-        <p:sp>
-          <p:nvSpPr>
-            <p:cNvPr id="9" name="Rectangle 8">
-              <a:extLst>
-                <a:ext uri="{FF2B5EF4-FFF2-40B4-BE49-F238E27FC236}">
-                  <a16:creationId xmlns:a16="http://schemas.microsoft.com/office/drawing/2014/main" id="{C7ECE479-461F-4B98-869F-34828AEF20F2}"/>
-                </a:ext>
-              </a:extLst>
-            </p:cNvPr>
-            <p:cNvSpPr/>
-            <p:nvPr/>
-          </p:nvSpPr>
-          <p:spPr>
-            <a:xfrm>
-              <a:off x="2741401" y="785538"/>
-              <a:ext cx="1321001" cy="344556"/>
-            </a:xfrm>
-            <a:prstGeom prst="rect">
-              <a:avLst/>
-            </a:prstGeom>
-            <a:solidFill>
-              <a:srgbClr val="3333C4"/>
-            </a:solidFill>
-            <a:ln>
-              <a:solidFill>
-                <a:srgbClr val="B44D82"/>
-              </a:solidFill>
-            </a:ln>
-          </p:spPr>
-          <p:style>
-            <a:lnRef idx="2">
-              <a:schemeClr val="accent1">
-                <a:shade val="50000"/>
-              </a:schemeClr>
-            </a:lnRef>
-            <a:fillRef idx="1">
-              <a:schemeClr val="accent1"/>
-            </a:fillRef>
-            <a:effectRef idx="0">
-              <a:schemeClr val="accent1"/>
-            </a:effectRef>
-            <a:fontRef idx="minor">
-              <a:schemeClr val="lt1"/>
-            </a:fontRef>
-          </p:style>
-          <p:txBody>
-            <a:bodyPr rtlCol="0" anchor="ctr"/>
-            <a:lstStyle/>
-            <a:p>
-              <a:pPr algn="ctr"/>
-              <a:r>
-                <a:rPr lang="en-SG" sz="1200" dirty="0"/>
-                <a:t>:ApplicationParser</a:t>
-              </a:r>
-            </a:p>
-          </p:txBody>
-        </p:sp>
-        <p:sp>
-          <p:nvSpPr>
-            <p:cNvPr id="10" name="Rectangle 9">
-              <a:extLst>
-                <a:ext uri="{FF2B5EF4-FFF2-40B4-BE49-F238E27FC236}">
-                  <a16:creationId xmlns:a16="http://schemas.microsoft.com/office/drawing/2014/main" id="{A4799C4C-CFC9-4AA5-B05F-F86AA1B5A9DF}"/>
-                </a:ext>
-              </a:extLst>
-            </p:cNvPr>
-            <p:cNvSpPr/>
-            <p:nvPr/>
-          </p:nvSpPr>
-          <p:spPr>
-            <a:xfrm>
-              <a:off x="4139265" y="1415355"/>
-              <a:ext cx="1640665" cy="589724"/>
-            </a:xfrm>
-            <a:prstGeom prst="rect">
-              <a:avLst/>
-            </a:prstGeom>
-            <a:solidFill>
-              <a:srgbClr val="3333C4"/>
-            </a:solidFill>
-            <a:ln>
-              <a:solidFill>
-                <a:srgbClr val="B44D82"/>
-              </a:solidFill>
-            </a:ln>
-          </p:spPr>
-          <p:style>
-            <a:lnRef idx="2">
-              <a:schemeClr val="accent1">
-                <a:shade val="50000"/>
-              </a:schemeClr>
-            </a:lnRef>
-            <a:fillRef idx="1">
-              <a:schemeClr val="accent1"/>
-            </a:fillRef>
-            <a:effectRef idx="0">
-              <a:schemeClr val="accent1"/>
-            </a:effectRef>
-            <a:fontRef idx="minor">
-              <a:schemeClr val="lt1"/>
-            </a:fontRef>
-          </p:style>
-          <p:txBody>
-            <a:bodyPr rtlCol="0" anchor="ctr"/>
-            <a:lstStyle/>
-            <a:p>
-              <a:pPr algn="ctr"/>
-              <a:r>
-                <a:rPr lang="en-SG" sz="1200" dirty="0"/>
-                <a:t>:AddStudentCommandParser</a:t>
-              </a:r>
-            </a:p>
-          </p:txBody>
-        </p:sp>
-        <p:sp>
-          <p:nvSpPr>
-            <p:cNvPr id="11" name="Rectangle 10">
-              <a:extLst>
-                <a:ext uri="{FF2B5EF4-FFF2-40B4-BE49-F238E27FC236}">
-                  <a16:creationId xmlns:a16="http://schemas.microsoft.com/office/drawing/2014/main" id="{92833D5A-EADC-47D3-B79F-43EF19E1463D}"/>
-                </a:ext>
-              </a:extLst>
-            </p:cNvPr>
-            <p:cNvSpPr/>
-            <p:nvPr/>
-          </p:nvSpPr>
-          <p:spPr>
-            <a:xfrm>
-              <a:off x="1294648" y="1583635"/>
-              <a:ext cx="106017" cy="4187686"/>
-            </a:xfrm>
-            <a:prstGeom prst="rect">
-              <a:avLst/>
-            </a:prstGeom>
-            <a:solidFill>
-              <a:schemeClr val="bg1"/>
-            </a:solidFill>
-            <a:ln>
-              <a:solidFill>
-                <a:srgbClr val="B44D82"/>
-              </a:solidFill>
-            </a:ln>
-          </p:spPr>
-          <p:style>
-            <a:lnRef idx="2">
-              <a:schemeClr val="accent1">
-                <a:shade val="50000"/>
-              </a:schemeClr>
-            </a:lnRef>
-            <a:fillRef idx="1">
-              <a:schemeClr val="accent1"/>
-            </a:fillRef>
-            <a:effectRef idx="0">
-              <a:schemeClr val="accent1"/>
-            </a:effectRef>
-            <a:fontRef idx="minor">
-              <a:schemeClr val="lt1"/>
-            </a:fontRef>
-          </p:style>
-          <p:txBody>
-            <a:bodyPr rtlCol="0" anchor="ctr"/>
-            <a:lstStyle/>
-            <a:p>
-              <a:pPr algn="ctr"/>
-              <a:endParaRPr lang="en-SG"/>
-            </a:p>
-          </p:txBody>
-        </p:sp>
-        <p:cxnSp>
-          <p:nvCxnSpPr>
-            <p:cNvPr id="13" name="Straight Connector 12">
-              <a:extLst>
-                <a:ext uri="{FF2B5EF4-FFF2-40B4-BE49-F238E27FC236}">
-                  <a16:creationId xmlns:a16="http://schemas.microsoft.com/office/drawing/2014/main" id="{93973046-EB52-4282-9482-A61E7247B4DD}"/>
+                  <a16:creationId xmlns:a16="http://schemas.microsoft.com/office/drawing/2014/main" id="{CDE59BE9-C572-4C56-8A7D-42E264F8CDAC}"/>
                 </a:ext>
               </a:extLst>
             </p:cNvPr>
             <p:cNvCxnSpPr>
               <a:cxnSpLocks/>
-              <a:endCxn id="11" idx="0"/>
             </p:cNvCxnSpPr>
             <p:nvPr/>
           </p:nvCxnSpPr>
           <p:spPr>
             <a:xfrm>
-              <a:off x="1347657" y="1126435"/>
-              <a:ext cx="0" cy="457200"/>
+              <a:off x="10870813" y="5031935"/>
+              <a:ext cx="0" cy="739386"/>
             </a:xfrm>
             <a:prstGeom prst="line">
               <a:avLst/>
@@ -3775,2823 +6662,6 @@
             </a:fontRef>
           </p:style>
         </p:cxnSp>
-        <p:cxnSp>
-          <p:nvCxnSpPr>
-            <p:cNvPr id="15" name="Straight Connector 14">
-              <a:extLst>
-                <a:ext uri="{FF2B5EF4-FFF2-40B4-BE49-F238E27FC236}">
-                  <a16:creationId xmlns:a16="http://schemas.microsoft.com/office/drawing/2014/main" id="{7F13B209-389E-4EC4-A785-D2158F915B00}"/>
-                </a:ext>
-              </a:extLst>
-            </p:cNvPr>
-            <p:cNvCxnSpPr>
-              <a:cxnSpLocks/>
-            </p:cNvCxnSpPr>
-            <p:nvPr/>
-          </p:nvCxnSpPr>
-          <p:spPr>
-            <a:xfrm>
-              <a:off x="1339658" y="5771321"/>
-              <a:ext cx="0" cy="695565"/>
-            </a:xfrm>
-            <a:prstGeom prst="line">
-              <a:avLst/>
-            </a:prstGeom>
-            <a:ln w="19050">
-              <a:solidFill>
-                <a:srgbClr val="B44D82"/>
-              </a:solidFill>
-              <a:prstDash val="sysDash"/>
-            </a:ln>
-          </p:spPr>
-          <p:style>
-            <a:lnRef idx="1">
-              <a:schemeClr val="accent1"/>
-            </a:lnRef>
-            <a:fillRef idx="0">
-              <a:schemeClr val="accent1"/>
-            </a:fillRef>
-            <a:effectRef idx="0">
-              <a:schemeClr val="accent1"/>
-            </a:effectRef>
-            <a:fontRef idx="minor">
-              <a:schemeClr val="tx1"/>
-            </a:fontRef>
-          </p:style>
-        </p:cxnSp>
-        <p:cxnSp>
-          <p:nvCxnSpPr>
-            <p:cNvPr id="25" name="Straight Arrow Connector 24">
-              <a:extLst>
-                <a:ext uri="{FF2B5EF4-FFF2-40B4-BE49-F238E27FC236}">
-                  <a16:creationId xmlns:a16="http://schemas.microsoft.com/office/drawing/2014/main" id="{330FD12F-85EC-40F7-97C3-C7B64CD34BAD}"/>
-                </a:ext>
-              </a:extLst>
-            </p:cNvPr>
-            <p:cNvCxnSpPr>
-              <a:cxnSpLocks/>
-              <a:stCxn id="11" idx="2"/>
-            </p:cNvCxnSpPr>
-            <p:nvPr/>
-          </p:nvCxnSpPr>
-          <p:spPr>
-            <a:xfrm flipH="1">
-              <a:off x="215901" y="5771321"/>
-              <a:ext cx="1131756" cy="0"/>
-            </a:xfrm>
-            <a:prstGeom prst="straightConnector1">
-              <a:avLst/>
-            </a:prstGeom>
-            <a:ln w="19050">
-              <a:solidFill>
-                <a:srgbClr val="B44D82"/>
-              </a:solidFill>
-              <a:prstDash val="sysDash"/>
-              <a:headEnd type="none" w="med" len="med"/>
-              <a:tailEnd type="arrow" w="med" len="med"/>
-            </a:ln>
-          </p:spPr>
-          <p:style>
-            <a:lnRef idx="1">
-              <a:schemeClr val="accent1"/>
-            </a:lnRef>
-            <a:fillRef idx="0">
-              <a:schemeClr val="accent1"/>
-            </a:fillRef>
-            <a:effectRef idx="0">
-              <a:schemeClr val="accent1"/>
-            </a:effectRef>
-            <a:fontRef idx="minor">
-              <a:schemeClr val="tx1"/>
-            </a:fontRef>
-          </p:style>
-        </p:cxnSp>
-        <p:sp>
-          <p:nvSpPr>
-            <p:cNvPr id="26" name="Rectangle 25">
-              <a:extLst>
-                <a:ext uri="{FF2B5EF4-FFF2-40B4-BE49-F238E27FC236}">
-                  <a16:creationId xmlns:a16="http://schemas.microsoft.com/office/drawing/2014/main" id="{BECF7232-1ADE-42DF-9598-75D9AC64B1C4}"/>
-                </a:ext>
-              </a:extLst>
-            </p:cNvPr>
-            <p:cNvSpPr/>
-            <p:nvPr/>
-          </p:nvSpPr>
-          <p:spPr>
-            <a:xfrm>
-              <a:off x="3280826" y="1716158"/>
-              <a:ext cx="106013" cy="1090852"/>
-            </a:xfrm>
-            <a:prstGeom prst="rect">
-              <a:avLst/>
-            </a:prstGeom>
-            <a:solidFill>
-              <a:schemeClr val="bg1"/>
-            </a:solidFill>
-            <a:ln>
-              <a:solidFill>
-                <a:srgbClr val="B44D82"/>
-              </a:solidFill>
-            </a:ln>
-          </p:spPr>
-          <p:style>
-            <a:lnRef idx="2">
-              <a:schemeClr val="accent1">
-                <a:shade val="50000"/>
-              </a:schemeClr>
-            </a:lnRef>
-            <a:fillRef idx="1">
-              <a:schemeClr val="accent1"/>
-            </a:fillRef>
-            <a:effectRef idx="0">
-              <a:schemeClr val="accent1"/>
-            </a:effectRef>
-            <a:fontRef idx="minor">
-              <a:schemeClr val="lt1"/>
-            </a:fontRef>
-          </p:style>
-          <p:txBody>
-            <a:bodyPr rtlCol="0" anchor="ctr"/>
-            <a:lstStyle/>
-            <a:p>
-              <a:pPr algn="ctr"/>
-              <a:endParaRPr lang="en-SG"/>
-            </a:p>
-          </p:txBody>
-        </p:sp>
-        <p:cxnSp>
-          <p:nvCxnSpPr>
-            <p:cNvPr id="27" name="Straight Connector 26">
-              <a:extLst>
-                <a:ext uri="{FF2B5EF4-FFF2-40B4-BE49-F238E27FC236}">
-                  <a16:creationId xmlns:a16="http://schemas.microsoft.com/office/drawing/2014/main" id="{BBEC028F-3922-4CE4-A63A-5BCFFC51C23B}"/>
-                </a:ext>
-              </a:extLst>
-            </p:cNvPr>
-            <p:cNvCxnSpPr>
-              <a:cxnSpLocks/>
-              <a:endCxn id="26" idx="0"/>
-            </p:cNvCxnSpPr>
-            <p:nvPr/>
-          </p:nvCxnSpPr>
-          <p:spPr>
-            <a:xfrm>
-              <a:off x="3333833" y="1126434"/>
-              <a:ext cx="0" cy="589724"/>
-            </a:xfrm>
-            <a:prstGeom prst="line">
-              <a:avLst/>
-            </a:prstGeom>
-            <a:ln w="19050">
-              <a:solidFill>
-                <a:srgbClr val="B44D82"/>
-              </a:solidFill>
-              <a:prstDash val="sysDash"/>
-            </a:ln>
-          </p:spPr>
-          <p:style>
-            <a:lnRef idx="1">
-              <a:schemeClr val="accent1"/>
-            </a:lnRef>
-            <a:fillRef idx="0">
-              <a:schemeClr val="accent1"/>
-            </a:fillRef>
-            <a:effectRef idx="0">
-              <a:schemeClr val="accent1"/>
-            </a:effectRef>
-            <a:fontRef idx="minor">
-              <a:schemeClr val="tx1"/>
-            </a:fontRef>
-          </p:style>
-        </p:cxnSp>
-        <p:cxnSp>
-          <p:nvCxnSpPr>
-            <p:cNvPr id="29" name="Straight Arrow Connector 28">
-              <a:extLst>
-                <a:ext uri="{FF2B5EF4-FFF2-40B4-BE49-F238E27FC236}">
-                  <a16:creationId xmlns:a16="http://schemas.microsoft.com/office/drawing/2014/main" id="{52D516B5-A322-4688-85D1-61D95CEEF012}"/>
-                </a:ext>
-              </a:extLst>
-            </p:cNvPr>
-            <p:cNvCxnSpPr>
-              <a:cxnSpLocks/>
-            </p:cNvCxnSpPr>
-            <p:nvPr/>
-          </p:nvCxnSpPr>
-          <p:spPr>
-            <a:xfrm>
-              <a:off x="1400665" y="1716984"/>
-              <a:ext cx="1880157" cy="0"/>
-            </a:xfrm>
-            <a:prstGeom prst="straightConnector1">
-              <a:avLst/>
-            </a:prstGeom>
-            <a:ln w="19050">
-              <a:solidFill>
-                <a:srgbClr val="B44D82"/>
-              </a:solidFill>
-              <a:prstDash val="solid"/>
-              <a:headEnd type="none" w="med" len="med"/>
-              <a:tailEnd type="arrow" w="med" len="med"/>
-            </a:ln>
-          </p:spPr>
-          <p:style>
-            <a:lnRef idx="1">
-              <a:schemeClr val="accent1"/>
-            </a:lnRef>
-            <a:fillRef idx="0">
-              <a:schemeClr val="accent1"/>
-            </a:fillRef>
-            <a:effectRef idx="0">
-              <a:schemeClr val="accent1"/>
-            </a:effectRef>
-            <a:fontRef idx="minor">
-              <a:schemeClr val="tx1"/>
-            </a:fontRef>
-          </p:style>
-        </p:cxnSp>
-        <p:cxnSp>
-          <p:nvCxnSpPr>
-            <p:cNvPr id="33" name="Straight Arrow Connector 32">
-              <a:extLst>
-                <a:ext uri="{FF2B5EF4-FFF2-40B4-BE49-F238E27FC236}">
-                  <a16:creationId xmlns:a16="http://schemas.microsoft.com/office/drawing/2014/main" id="{8D5374DD-AB0D-41C3-851C-8EA8CC0A331A}"/>
-                </a:ext>
-              </a:extLst>
-            </p:cNvPr>
-            <p:cNvCxnSpPr>
-              <a:cxnSpLocks/>
-            </p:cNvCxnSpPr>
-            <p:nvPr/>
-          </p:nvCxnSpPr>
-          <p:spPr>
-            <a:xfrm flipH="1">
-              <a:off x="1400665" y="2807010"/>
-              <a:ext cx="1880157" cy="0"/>
-            </a:xfrm>
-            <a:prstGeom prst="straightConnector1">
-              <a:avLst/>
-            </a:prstGeom>
-            <a:ln w="19050">
-              <a:solidFill>
-                <a:srgbClr val="B44D82"/>
-              </a:solidFill>
-              <a:prstDash val="sysDash"/>
-              <a:headEnd type="none" w="med" len="med"/>
-              <a:tailEnd type="arrow" w="med" len="med"/>
-            </a:ln>
-          </p:spPr>
-          <p:style>
-            <a:lnRef idx="1">
-              <a:schemeClr val="accent1"/>
-            </a:lnRef>
-            <a:fillRef idx="0">
-              <a:schemeClr val="accent1"/>
-            </a:fillRef>
-            <a:effectRef idx="0">
-              <a:schemeClr val="accent1"/>
-            </a:effectRef>
-            <a:fontRef idx="minor">
-              <a:schemeClr val="tx1"/>
-            </a:fontRef>
-          </p:style>
-        </p:cxnSp>
-        <p:cxnSp>
-          <p:nvCxnSpPr>
-            <p:cNvPr id="34" name="Straight Arrow Connector 33">
-              <a:extLst>
-                <a:ext uri="{FF2B5EF4-FFF2-40B4-BE49-F238E27FC236}">
-                  <a16:creationId xmlns:a16="http://schemas.microsoft.com/office/drawing/2014/main" id="{F3F1395D-E38E-43F6-93C9-74F42C6787DF}"/>
-                </a:ext>
-              </a:extLst>
-            </p:cNvPr>
-            <p:cNvCxnSpPr>
-              <a:cxnSpLocks/>
-            </p:cNvCxnSpPr>
-            <p:nvPr/>
-          </p:nvCxnSpPr>
-          <p:spPr>
-            <a:xfrm>
-              <a:off x="3386835" y="1812234"/>
-              <a:ext cx="764199" cy="0"/>
-            </a:xfrm>
-            <a:prstGeom prst="straightConnector1">
-              <a:avLst/>
-            </a:prstGeom>
-            <a:ln w="19050">
-              <a:solidFill>
-                <a:srgbClr val="B44D82"/>
-              </a:solidFill>
-              <a:prstDash val="solid"/>
-              <a:headEnd type="none" w="med" len="med"/>
-              <a:tailEnd type="arrow" w="med" len="med"/>
-            </a:ln>
-          </p:spPr>
-          <p:style>
-            <a:lnRef idx="1">
-              <a:schemeClr val="accent1"/>
-            </a:lnRef>
-            <a:fillRef idx="0">
-              <a:schemeClr val="accent1"/>
-            </a:fillRef>
-            <a:effectRef idx="0">
-              <a:schemeClr val="accent1"/>
-            </a:effectRef>
-            <a:fontRef idx="minor">
-              <a:schemeClr val="tx1"/>
-            </a:fontRef>
-          </p:style>
-        </p:cxnSp>
-        <p:sp>
-          <p:nvSpPr>
-            <p:cNvPr id="37" name="Rectangle 36">
-              <a:extLst>
-                <a:ext uri="{FF2B5EF4-FFF2-40B4-BE49-F238E27FC236}">
-                  <a16:creationId xmlns:a16="http://schemas.microsoft.com/office/drawing/2014/main" id="{57B4D020-2ED5-4B99-8805-20030483FA98}"/>
-                </a:ext>
-              </a:extLst>
-            </p:cNvPr>
-            <p:cNvSpPr/>
-            <p:nvPr/>
-          </p:nvSpPr>
-          <p:spPr>
-            <a:xfrm>
-              <a:off x="4830000" y="2007980"/>
-              <a:ext cx="106013" cy="612637"/>
-            </a:xfrm>
-            <a:prstGeom prst="rect">
-              <a:avLst/>
-            </a:prstGeom>
-            <a:solidFill>
-              <a:schemeClr val="bg1"/>
-            </a:solidFill>
-            <a:ln>
-              <a:solidFill>
-                <a:srgbClr val="B44D82"/>
-              </a:solidFill>
-            </a:ln>
-          </p:spPr>
-          <p:style>
-            <a:lnRef idx="2">
-              <a:schemeClr val="accent1">
-                <a:shade val="50000"/>
-              </a:schemeClr>
-            </a:lnRef>
-            <a:fillRef idx="1">
-              <a:schemeClr val="accent1"/>
-            </a:fillRef>
-            <a:effectRef idx="0">
-              <a:schemeClr val="accent1"/>
-            </a:effectRef>
-            <a:fontRef idx="minor">
-              <a:schemeClr val="lt1"/>
-            </a:fontRef>
-          </p:style>
-          <p:txBody>
-            <a:bodyPr rtlCol="0" anchor="ctr"/>
-            <a:lstStyle/>
-            <a:p>
-              <a:pPr algn="ctr"/>
-              <a:endParaRPr lang="en-SG"/>
-            </a:p>
-          </p:txBody>
-        </p:sp>
-        <p:cxnSp>
-          <p:nvCxnSpPr>
-            <p:cNvPr id="38" name="Straight Arrow Connector 37">
-              <a:extLst>
-                <a:ext uri="{FF2B5EF4-FFF2-40B4-BE49-F238E27FC236}">
-                  <a16:creationId xmlns:a16="http://schemas.microsoft.com/office/drawing/2014/main" id="{4D373360-ACC4-4884-B0CF-CCBBEE1C823D}"/>
-                </a:ext>
-              </a:extLst>
-            </p:cNvPr>
-            <p:cNvCxnSpPr>
-              <a:cxnSpLocks/>
-              <a:stCxn id="37" idx="2"/>
-            </p:cNvCxnSpPr>
-            <p:nvPr/>
-          </p:nvCxnSpPr>
-          <p:spPr>
-            <a:xfrm flipH="1" flipV="1">
-              <a:off x="3386835" y="2619685"/>
-              <a:ext cx="1496172" cy="932"/>
-            </a:xfrm>
-            <a:prstGeom prst="straightConnector1">
-              <a:avLst/>
-            </a:prstGeom>
-            <a:ln w="19050">
-              <a:solidFill>
-                <a:srgbClr val="B44D82"/>
-              </a:solidFill>
-              <a:prstDash val="sysDash"/>
-              <a:headEnd type="none" w="med" len="med"/>
-              <a:tailEnd type="arrow" w="med" len="med"/>
-            </a:ln>
-          </p:spPr>
-          <p:style>
-            <a:lnRef idx="1">
-              <a:schemeClr val="accent1"/>
-            </a:lnRef>
-            <a:fillRef idx="0">
-              <a:schemeClr val="accent1"/>
-            </a:fillRef>
-            <a:effectRef idx="0">
-              <a:schemeClr val="accent1"/>
-            </a:effectRef>
-            <a:fontRef idx="minor">
-              <a:schemeClr val="tx1"/>
-            </a:fontRef>
-          </p:style>
-        </p:cxnSp>
-        <p:cxnSp>
-          <p:nvCxnSpPr>
-            <p:cNvPr id="41" name="Straight Connector 40">
-              <a:extLst>
-                <a:ext uri="{FF2B5EF4-FFF2-40B4-BE49-F238E27FC236}">
-                  <a16:creationId xmlns:a16="http://schemas.microsoft.com/office/drawing/2014/main" id="{C0FE8700-F50D-4A3B-949A-2337BE4F7ADE}"/>
-                </a:ext>
-              </a:extLst>
-            </p:cNvPr>
-            <p:cNvCxnSpPr>
-              <a:cxnSpLocks/>
-            </p:cNvCxnSpPr>
-            <p:nvPr/>
-          </p:nvCxnSpPr>
-          <p:spPr>
-            <a:xfrm flipH="1">
-              <a:off x="3327287" y="2815596"/>
-              <a:ext cx="0" cy="3651290"/>
-            </a:xfrm>
-            <a:prstGeom prst="line">
-              <a:avLst/>
-            </a:prstGeom>
-            <a:ln w="19050">
-              <a:solidFill>
-                <a:srgbClr val="B44D82"/>
-              </a:solidFill>
-              <a:prstDash val="sysDash"/>
-            </a:ln>
-          </p:spPr>
-          <p:style>
-            <a:lnRef idx="1">
-              <a:schemeClr val="accent1"/>
-            </a:lnRef>
-            <a:fillRef idx="0">
-              <a:schemeClr val="accent1"/>
-            </a:fillRef>
-            <a:effectRef idx="0">
-              <a:schemeClr val="accent1"/>
-            </a:effectRef>
-            <a:fontRef idx="minor">
-              <a:schemeClr val="tx1"/>
-            </a:fontRef>
-          </p:style>
-        </p:cxnSp>
-        <p:cxnSp>
-          <p:nvCxnSpPr>
-            <p:cNvPr id="44" name="Straight Connector 43">
-              <a:extLst>
-                <a:ext uri="{FF2B5EF4-FFF2-40B4-BE49-F238E27FC236}">
-                  <a16:creationId xmlns:a16="http://schemas.microsoft.com/office/drawing/2014/main" id="{9034ED76-6FF1-44B8-92BE-7B14C5FAC78A}"/>
-                </a:ext>
-              </a:extLst>
-            </p:cNvPr>
-            <p:cNvCxnSpPr>
-              <a:cxnSpLocks/>
-            </p:cNvCxnSpPr>
-            <p:nvPr/>
-          </p:nvCxnSpPr>
-          <p:spPr>
-            <a:xfrm>
-              <a:off x="4869180" y="2619685"/>
-              <a:ext cx="0" cy="374650"/>
-            </a:xfrm>
-            <a:prstGeom prst="line">
-              <a:avLst/>
-            </a:prstGeom>
-            <a:ln w="19050">
-              <a:solidFill>
-                <a:srgbClr val="B44D82"/>
-              </a:solidFill>
-              <a:prstDash val="sysDash"/>
-            </a:ln>
-          </p:spPr>
-          <p:style>
-            <a:lnRef idx="1">
-              <a:schemeClr val="accent1"/>
-            </a:lnRef>
-            <a:fillRef idx="0">
-              <a:schemeClr val="accent1"/>
-            </a:fillRef>
-            <a:effectRef idx="0">
-              <a:schemeClr val="accent1"/>
-            </a:effectRef>
-            <a:fontRef idx="minor">
-              <a:schemeClr val="tx1"/>
-            </a:fontRef>
-          </p:style>
-        </p:cxnSp>
-        <p:sp>
-          <p:nvSpPr>
-            <p:cNvPr id="48" name="Rectangle 47">
-              <a:extLst>
-                <a:ext uri="{FF2B5EF4-FFF2-40B4-BE49-F238E27FC236}">
-                  <a16:creationId xmlns:a16="http://schemas.microsoft.com/office/drawing/2014/main" id="{61369E07-710A-48E2-8586-F1137BD4A7C8}"/>
-                </a:ext>
-              </a:extLst>
-            </p:cNvPr>
-            <p:cNvSpPr/>
-            <p:nvPr/>
-          </p:nvSpPr>
-          <p:spPr>
-            <a:xfrm>
-              <a:off x="5953146" y="1932852"/>
-              <a:ext cx="1640665" cy="361124"/>
-            </a:xfrm>
-            <a:prstGeom prst="rect">
-              <a:avLst/>
-            </a:prstGeom>
-            <a:solidFill>
-              <a:srgbClr val="3333C4"/>
-            </a:solidFill>
-            <a:ln>
-              <a:solidFill>
-                <a:srgbClr val="B44D82"/>
-              </a:solidFill>
-            </a:ln>
-          </p:spPr>
-          <p:style>
-            <a:lnRef idx="2">
-              <a:schemeClr val="accent1">
-                <a:shade val="50000"/>
-              </a:schemeClr>
-            </a:lnRef>
-            <a:fillRef idx="1">
-              <a:schemeClr val="accent1"/>
-            </a:fillRef>
-            <a:effectRef idx="0">
-              <a:schemeClr val="accent1"/>
-            </a:effectRef>
-            <a:fontRef idx="minor">
-              <a:schemeClr val="lt1"/>
-            </a:fontRef>
-          </p:style>
-          <p:txBody>
-            <a:bodyPr rtlCol="0" anchor="ctr"/>
-            <a:lstStyle/>
-            <a:p>
-              <a:pPr algn="ctr"/>
-              <a:r>
-                <a:rPr lang="en-SG" sz="1200" dirty="0"/>
-                <a:t>:AddStudentCommand</a:t>
-              </a:r>
-            </a:p>
-          </p:txBody>
-        </p:sp>
-        <p:cxnSp>
-          <p:nvCxnSpPr>
-            <p:cNvPr id="49" name="Straight Arrow Connector 48">
-              <a:extLst>
-                <a:ext uri="{FF2B5EF4-FFF2-40B4-BE49-F238E27FC236}">
-                  <a16:creationId xmlns:a16="http://schemas.microsoft.com/office/drawing/2014/main" id="{337A31F1-4350-405A-8A5E-C3F109554B27}"/>
-                </a:ext>
-              </a:extLst>
-            </p:cNvPr>
-            <p:cNvCxnSpPr>
-              <a:cxnSpLocks/>
-              <a:endCxn id="48" idx="1"/>
-            </p:cNvCxnSpPr>
-            <p:nvPr/>
-          </p:nvCxnSpPr>
-          <p:spPr>
-            <a:xfrm>
-              <a:off x="4929563" y="2099645"/>
-              <a:ext cx="1023583" cy="0"/>
-            </a:xfrm>
-            <a:prstGeom prst="straightConnector1">
-              <a:avLst/>
-            </a:prstGeom>
-            <a:ln w="19050">
-              <a:solidFill>
-                <a:srgbClr val="B44D82"/>
-              </a:solidFill>
-              <a:prstDash val="solid"/>
-              <a:headEnd type="none" w="med" len="med"/>
-              <a:tailEnd type="arrow" w="med" len="med"/>
-            </a:ln>
-          </p:spPr>
-          <p:style>
-            <a:lnRef idx="1">
-              <a:schemeClr val="accent1"/>
-            </a:lnRef>
-            <a:fillRef idx="0">
-              <a:schemeClr val="accent1"/>
-            </a:fillRef>
-            <a:effectRef idx="0">
-              <a:schemeClr val="accent1"/>
-            </a:effectRef>
-            <a:fontRef idx="minor">
-              <a:schemeClr val="tx1"/>
-            </a:fontRef>
-          </p:style>
-        </p:cxnSp>
-        <p:sp>
-          <p:nvSpPr>
-            <p:cNvPr id="50" name="Rectangle 49">
-              <a:extLst>
-                <a:ext uri="{FF2B5EF4-FFF2-40B4-BE49-F238E27FC236}">
-                  <a16:creationId xmlns:a16="http://schemas.microsoft.com/office/drawing/2014/main" id="{82059BCF-9081-421E-AFB7-6894FF4D279E}"/>
-                </a:ext>
-              </a:extLst>
-            </p:cNvPr>
-            <p:cNvSpPr/>
-            <p:nvPr/>
-          </p:nvSpPr>
-          <p:spPr>
-            <a:xfrm>
-              <a:off x="6667465" y="2287254"/>
-              <a:ext cx="106013" cy="149781"/>
-            </a:xfrm>
-            <a:prstGeom prst="rect">
-              <a:avLst/>
-            </a:prstGeom>
-            <a:solidFill>
-              <a:schemeClr val="bg1"/>
-            </a:solidFill>
-            <a:ln>
-              <a:solidFill>
-                <a:srgbClr val="B44D82"/>
-              </a:solidFill>
-            </a:ln>
-          </p:spPr>
-          <p:style>
-            <a:lnRef idx="2">
-              <a:schemeClr val="accent1">
-                <a:shade val="50000"/>
-              </a:schemeClr>
-            </a:lnRef>
-            <a:fillRef idx="1">
-              <a:schemeClr val="accent1"/>
-            </a:fillRef>
-            <a:effectRef idx="0">
-              <a:schemeClr val="accent1"/>
-            </a:effectRef>
-            <a:fontRef idx="minor">
-              <a:schemeClr val="lt1"/>
-            </a:fontRef>
-          </p:style>
-          <p:txBody>
-            <a:bodyPr rtlCol="0" anchor="ctr"/>
-            <a:lstStyle/>
-            <a:p>
-              <a:pPr algn="ctr"/>
-              <a:endParaRPr lang="en-SG"/>
-            </a:p>
-          </p:txBody>
-        </p:sp>
-        <p:cxnSp>
-          <p:nvCxnSpPr>
-            <p:cNvPr id="54" name="Straight Arrow Connector 53">
-              <a:extLst>
-                <a:ext uri="{FF2B5EF4-FFF2-40B4-BE49-F238E27FC236}">
-                  <a16:creationId xmlns:a16="http://schemas.microsoft.com/office/drawing/2014/main" id="{8E16C375-DF53-4789-BE74-A9DCCB095FB9}"/>
-                </a:ext>
-              </a:extLst>
-            </p:cNvPr>
-            <p:cNvCxnSpPr>
-              <a:cxnSpLocks/>
-            </p:cNvCxnSpPr>
-            <p:nvPr/>
-          </p:nvCxnSpPr>
-          <p:spPr>
-            <a:xfrm flipH="1">
-              <a:off x="4929563" y="2420897"/>
-              <a:ext cx="1741597" cy="0"/>
-            </a:xfrm>
-            <a:prstGeom prst="straightConnector1">
-              <a:avLst/>
-            </a:prstGeom>
-            <a:ln w="19050">
-              <a:solidFill>
-                <a:srgbClr val="B44D82"/>
-              </a:solidFill>
-              <a:prstDash val="sysDash"/>
-              <a:headEnd type="none" w="med" len="med"/>
-              <a:tailEnd type="arrow" w="med" len="med"/>
-            </a:ln>
-          </p:spPr>
-          <p:style>
-            <a:lnRef idx="1">
-              <a:schemeClr val="accent1"/>
-            </a:lnRef>
-            <a:fillRef idx="0">
-              <a:schemeClr val="accent1"/>
-            </a:fillRef>
-            <a:effectRef idx="0">
-              <a:schemeClr val="accent1"/>
-            </a:effectRef>
-            <a:fontRef idx="minor">
-              <a:schemeClr val="tx1"/>
-            </a:fontRef>
-          </p:style>
-        </p:cxnSp>
-        <p:sp>
-          <p:nvSpPr>
-            <p:cNvPr id="56" name="Multiplication Sign 55">
-              <a:extLst>
-                <a:ext uri="{FF2B5EF4-FFF2-40B4-BE49-F238E27FC236}">
-                  <a16:creationId xmlns:a16="http://schemas.microsoft.com/office/drawing/2014/main" id="{D7D496B8-D30D-4C6D-B5C5-0C3FFB37215E}"/>
-                </a:ext>
-              </a:extLst>
-            </p:cNvPr>
-            <p:cNvSpPr/>
-            <p:nvPr/>
-          </p:nvSpPr>
-          <p:spPr>
-            <a:xfrm>
-              <a:off x="4778280" y="2909743"/>
-              <a:ext cx="184022" cy="201283"/>
-            </a:xfrm>
-            <a:prstGeom prst="mathMultiply">
-              <a:avLst/>
-            </a:prstGeom>
-            <a:solidFill>
-              <a:srgbClr val="B44D82"/>
-            </a:solidFill>
-            <a:ln>
-              <a:solidFill>
-                <a:srgbClr val="B44D82"/>
-              </a:solidFill>
-            </a:ln>
-          </p:spPr>
-          <p:style>
-            <a:lnRef idx="2">
-              <a:schemeClr val="accent1">
-                <a:shade val="50000"/>
-              </a:schemeClr>
-            </a:lnRef>
-            <a:fillRef idx="1">
-              <a:schemeClr val="accent1"/>
-            </a:fillRef>
-            <a:effectRef idx="0">
-              <a:schemeClr val="accent1"/>
-            </a:effectRef>
-            <a:fontRef idx="minor">
-              <a:schemeClr val="lt1"/>
-            </a:fontRef>
-          </p:style>
-          <p:txBody>
-            <a:bodyPr rtlCol="0" anchor="ctr"/>
-            <a:lstStyle/>
-            <a:p>
-              <a:pPr algn="ctr"/>
-              <a:endParaRPr lang="en-SG"/>
-            </a:p>
-          </p:txBody>
-        </p:sp>
-        <p:cxnSp>
-          <p:nvCxnSpPr>
-            <p:cNvPr id="59" name="Straight Arrow Connector 58">
-              <a:extLst>
-                <a:ext uri="{FF2B5EF4-FFF2-40B4-BE49-F238E27FC236}">
-                  <a16:creationId xmlns:a16="http://schemas.microsoft.com/office/drawing/2014/main" id="{1D8346DF-9977-42B8-9A1A-632BCA1A7CB3}"/>
-                </a:ext>
-              </a:extLst>
-            </p:cNvPr>
-            <p:cNvCxnSpPr>
-              <a:cxnSpLocks/>
-            </p:cNvCxnSpPr>
-            <p:nvPr/>
-          </p:nvCxnSpPr>
-          <p:spPr>
-            <a:xfrm>
-              <a:off x="215901" y="1595645"/>
-              <a:ext cx="1106804" cy="0"/>
-            </a:xfrm>
-            <a:prstGeom prst="straightConnector1">
-              <a:avLst/>
-            </a:prstGeom>
-            <a:ln w="19050">
-              <a:solidFill>
-                <a:srgbClr val="B44D82"/>
-              </a:solidFill>
-              <a:prstDash val="solid"/>
-              <a:headEnd type="none" w="med" len="med"/>
-              <a:tailEnd type="arrow" w="med" len="med"/>
-            </a:ln>
-          </p:spPr>
-          <p:style>
-            <a:lnRef idx="1">
-              <a:schemeClr val="accent1"/>
-            </a:lnRef>
-            <a:fillRef idx="0">
-              <a:schemeClr val="accent1"/>
-            </a:fillRef>
-            <a:effectRef idx="0">
-              <a:schemeClr val="accent1"/>
-            </a:effectRef>
-            <a:fontRef idx="minor">
-              <a:schemeClr val="tx1"/>
-            </a:fontRef>
-          </p:style>
-        </p:cxnSp>
-        <p:sp>
-          <p:nvSpPr>
-            <p:cNvPr id="63" name="TextBox 62">
-              <a:extLst>
-                <a:ext uri="{FF2B5EF4-FFF2-40B4-BE49-F238E27FC236}">
-                  <a16:creationId xmlns:a16="http://schemas.microsoft.com/office/drawing/2014/main" id="{B91DE595-FB97-4748-8E9E-F0E3838B6D10}"/>
-                </a:ext>
-              </a:extLst>
-            </p:cNvPr>
-            <p:cNvSpPr txBox="1"/>
-            <p:nvPr/>
-          </p:nvSpPr>
-          <p:spPr>
-            <a:xfrm>
-              <a:off x="1421631" y="1152980"/>
-              <a:ext cx="1838224" cy="577081"/>
-            </a:xfrm>
-            <a:prstGeom prst="rect">
-              <a:avLst/>
-            </a:prstGeom>
-            <a:noFill/>
-          </p:spPr>
-          <p:txBody>
-            <a:bodyPr wrap="square" rtlCol="0">
-              <a:spAutoFit/>
-            </a:bodyPr>
-            <a:lstStyle/>
-            <a:p>
-              <a:r>
-                <a:rPr lang="en-SG" sz="1050" b="1" dirty="0"/>
-                <a:t>parseCommand</a:t>
-              </a:r>
-            </a:p>
-            <a:p>
-              <a:r>
-                <a:rPr lang="en-SG" sz="1050" b="1" dirty="0"/>
-                <a:t>(“addStudent n/Ellie Yee </a:t>
-              </a:r>
-            </a:p>
-            <a:p>
-              <a:r>
-                <a:rPr lang="en-SG" sz="1050" b="1" dirty="0"/>
-                <a:t>e/e0035152@u.nus.edu </a:t>
-              </a:r>
-              <a:r>
-                <a:rPr lang="en-SG" sz="1050" b="1" dirty="0" err="1"/>
-                <a:t>i</a:t>
-              </a:r>
-              <a:r>
-                <a:rPr lang="en-SG" sz="1050" b="1" dirty="0"/>
-                <a:t>/1”)</a:t>
-              </a:r>
-            </a:p>
-          </p:txBody>
-        </p:sp>
-        <p:cxnSp>
-          <p:nvCxnSpPr>
-            <p:cNvPr id="64" name="Straight Arrow Connector 63">
-              <a:extLst>
-                <a:ext uri="{FF2B5EF4-FFF2-40B4-BE49-F238E27FC236}">
-                  <a16:creationId xmlns:a16="http://schemas.microsoft.com/office/drawing/2014/main" id="{2F2F8015-DE53-4C78-A78F-CA0EA6A35F36}"/>
-                </a:ext>
-              </a:extLst>
-            </p:cNvPr>
-            <p:cNvCxnSpPr>
-              <a:cxnSpLocks/>
-            </p:cNvCxnSpPr>
-            <p:nvPr/>
-          </p:nvCxnSpPr>
-          <p:spPr>
-            <a:xfrm>
-              <a:off x="1407649" y="3400152"/>
-              <a:ext cx="5259184" cy="0"/>
-            </a:xfrm>
-            <a:prstGeom prst="straightConnector1">
-              <a:avLst/>
-            </a:prstGeom>
-            <a:ln w="19050">
-              <a:solidFill>
-                <a:srgbClr val="B44D82"/>
-              </a:solidFill>
-              <a:prstDash val="solid"/>
-              <a:headEnd type="none" w="med" len="med"/>
-              <a:tailEnd type="arrow" w="med" len="med"/>
-            </a:ln>
-          </p:spPr>
-          <p:style>
-            <a:lnRef idx="1">
-              <a:schemeClr val="accent1"/>
-            </a:lnRef>
-            <a:fillRef idx="0">
-              <a:schemeClr val="accent1"/>
-            </a:fillRef>
-            <a:effectRef idx="0">
-              <a:schemeClr val="accent1"/>
-            </a:effectRef>
-            <a:fontRef idx="minor">
-              <a:schemeClr val="tx1"/>
-            </a:fontRef>
-          </p:style>
-        </p:cxnSp>
-        <p:sp>
-          <p:nvSpPr>
-            <p:cNvPr id="65" name="TextBox 64">
-              <a:extLst>
-                <a:ext uri="{FF2B5EF4-FFF2-40B4-BE49-F238E27FC236}">
-                  <a16:creationId xmlns:a16="http://schemas.microsoft.com/office/drawing/2014/main" id="{008C887A-3314-4CB1-A140-8A44D76667CF}"/>
-                </a:ext>
-              </a:extLst>
-            </p:cNvPr>
-            <p:cNvSpPr txBox="1"/>
-            <p:nvPr/>
-          </p:nvSpPr>
-          <p:spPr>
-            <a:xfrm>
-              <a:off x="1581331" y="3175084"/>
-              <a:ext cx="707245" cy="253916"/>
-            </a:xfrm>
-            <a:prstGeom prst="rect">
-              <a:avLst/>
-            </a:prstGeom>
-            <a:noFill/>
-          </p:spPr>
-          <p:txBody>
-            <a:bodyPr wrap="none" rtlCol="0">
-              <a:spAutoFit/>
-            </a:bodyPr>
-            <a:lstStyle/>
-            <a:p>
-              <a:r>
-                <a:rPr lang="en-SG" sz="1050" b="1" dirty="0"/>
-                <a:t>execute()</a:t>
-              </a:r>
-            </a:p>
-          </p:txBody>
-        </p:sp>
-        <p:cxnSp>
-          <p:nvCxnSpPr>
-            <p:cNvPr id="68" name="Straight Connector 67">
-              <a:extLst>
-                <a:ext uri="{FF2B5EF4-FFF2-40B4-BE49-F238E27FC236}">
-                  <a16:creationId xmlns:a16="http://schemas.microsoft.com/office/drawing/2014/main" id="{B746A676-EBAD-4270-8A57-BAAE89ABF526}"/>
-                </a:ext>
-              </a:extLst>
-            </p:cNvPr>
-            <p:cNvCxnSpPr>
-              <a:cxnSpLocks/>
-            </p:cNvCxnSpPr>
-            <p:nvPr/>
-          </p:nvCxnSpPr>
-          <p:spPr>
-            <a:xfrm flipH="1">
-              <a:off x="6719839" y="2444952"/>
-              <a:ext cx="632" cy="1014570"/>
-            </a:xfrm>
-            <a:prstGeom prst="line">
-              <a:avLst/>
-            </a:prstGeom>
-            <a:ln w="19050">
-              <a:solidFill>
-                <a:srgbClr val="B44D82"/>
-              </a:solidFill>
-              <a:prstDash val="sysDash"/>
-            </a:ln>
-          </p:spPr>
-          <p:style>
-            <a:lnRef idx="1">
-              <a:schemeClr val="accent1"/>
-            </a:lnRef>
-            <a:fillRef idx="0">
-              <a:schemeClr val="accent1"/>
-            </a:fillRef>
-            <a:effectRef idx="0">
-              <a:schemeClr val="accent1"/>
-            </a:effectRef>
-            <a:fontRef idx="minor">
-              <a:schemeClr val="tx1"/>
-            </a:fontRef>
-          </p:style>
-        </p:cxnSp>
-        <p:sp>
-          <p:nvSpPr>
-            <p:cNvPr id="70" name="Rectangle 69">
-              <a:extLst>
-                <a:ext uri="{FF2B5EF4-FFF2-40B4-BE49-F238E27FC236}">
-                  <a16:creationId xmlns:a16="http://schemas.microsoft.com/office/drawing/2014/main" id="{B1EF0264-CA40-4B0D-9DF0-37C61B313FDA}"/>
-                </a:ext>
-              </a:extLst>
-            </p:cNvPr>
-            <p:cNvSpPr/>
-            <p:nvPr/>
-          </p:nvSpPr>
-          <p:spPr>
-            <a:xfrm>
-              <a:off x="6666832" y="3400152"/>
-              <a:ext cx="112879" cy="2270055"/>
-            </a:xfrm>
-            <a:prstGeom prst="rect">
-              <a:avLst/>
-            </a:prstGeom>
-            <a:solidFill>
-              <a:schemeClr val="bg1"/>
-            </a:solidFill>
-            <a:ln>
-              <a:solidFill>
-                <a:srgbClr val="B44D82"/>
-              </a:solidFill>
-            </a:ln>
-          </p:spPr>
-          <p:style>
-            <a:lnRef idx="2">
-              <a:schemeClr val="accent1">
-                <a:shade val="50000"/>
-              </a:schemeClr>
-            </a:lnRef>
-            <a:fillRef idx="1">
-              <a:schemeClr val="accent1"/>
-            </a:fillRef>
-            <a:effectRef idx="0">
-              <a:schemeClr val="accent1"/>
-            </a:effectRef>
-            <a:fontRef idx="minor">
-              <a:schemeClr val="lt1"/>
-            </a:fontRef>
-          </p:style>
-          <p:txBody>
-            <a:bodyPr rtlCol="0" anchor="ctr"/>
-            <a:lstStyle/>
-            <a:p>
-              <a:pPr algn="ctr"/>
-              <a:endParaRPr lang="en-SG"/>
-            </a:p>
-          </p:txBody>
-        </p:sp>
-        <p:sp>
-          <p:nvSpPr>
-            <p:cNvPr id="75" name="Rectangle 74">
-              <a:extLst>
-                <a:ext uri="{FF2B5EF4-FFF2-40B4-BE49-F238E27FC236}">
-                  <a16:creationId xmlns:a16="http://schemas.microsoft.com/office/drawing/2014/main" id="{C71068CE-46F6-4F97-A207-4181F7DC4830}"/>
-                </a:ext>
-              </a:extLst>
-            </p:cNvPr>
-            <p:cNvSpPr/>
-            <p:nvPr/>
-          </p:nvSpPr>
-          <p:spPr>
-            <a:xfrm>
-              <a:off x="8741265" y="497190"/>
-              <a:ext cx="885535" cy="344556"/>
-            </a:xfrm>
-            <a:prstGeom prst="rect">
-              <a:avLst/>
-            </a:prstGeom>
-            <a:solidFill>
-              <a:srgbClr val="9E0415"/>
-            </a:solidFill>
-            <a:ln>
-              <a:solidFill>
-                <a:srgbClr val="B44D82"/>
-              </a:solidFill>
-            </a:ln>
-          </p:spPr>
-          <p:style>
-            <a:lnRef idx="2">
-              <a:schemeClr val="accent1">
-                <a:shade val="50000"/>
-              </a:schemeClr>
-            </a:lnRef>
-            <a:fillRef idx="1">
-              <a:schemeClr val="accent1"/>
-            </a:fillRef>
-            <a:effectRef idx="0">
-              <a:schemeClr val="accent1"/>
-            </a:effectRef>
-            <a:fontRef idx="minor">
-              <a:schemeClr val="lt1"/>
-            </a:fontRef>
-          </p:style>
-          <p:txBody>
-            <a:bodyPr rtlCol="0" anchor="ctr"/>
-            <a:lstStyle/>
-            <a:p>
-              <a:pPr algn="ctr"/>
-              <a:r>
-                <a:rPr lang="en-SG" sz="1200" dirty="0"/>
-                <a:t>:Model</a:t>
-              </a:r>
-            </a:p>
-          </p:txBody>
-        </p:sp>
-        <p:cxnSp>
-          <p:nvCxnSpPr>
-            <p:cNvPr id="82" name="Straight Connector 81">
-              <a:extLst>
-                <a:ext uri="{FF2B5EF4-FFF2-40B4-BE49-F238E27FC236}">
-                  <a16:creationId xmlns:a16="http://schemas.microsoft.com/office/drawing/2014/main" id="{0355EF05-A72B-43D0-9058-1F4DEBF092A1}"/>
-                </a:ext>
-              </a:extLst>
-            </p:cNvPr>
-            <p:cNvCxnSpPr>
-              <a:cxnSpLocks/>
-              <a:stCxn id="75" idx="2"/>
-              <a:endCxn id="133" idx="0"/>
-            </p:cNvCxnSpPr>
-            <p:nvPr/>
-          </p:nvCxnSpPr>
-          <p:spPr>
-            <a:xfrm flipH="1">
-              <a:off x="9162770" y="841746"/>
-              <a:ext cx="21263" cy="2755563"/>
-            </a:xfrm>
-            <a:prstGeom prst="line">
-              <a:avLst/>
-            </a:prstGeom>
-            <a:ln w="19050">
-              <a:solidFill>
-                <a:srgbClr val="B44D82"/>
-              </a:solidFill>
-              <a:prstDash val="sysDash"/>
-            </a:ln>
-          </p:spPr>
-          <p:style>
-            <a:lnRef idx="1">
-              <a:schemeClr val="accent1"/>
-            </a:lnRef>
-            <a:fillRef idx="0">
-              <a:schemeClr val="accent1"/>
-            </a:fillRef>
-            <a:effectRef idx="0">
-              <a:schemeClr val="accent1"/>
-            </a:effectRef>
-            <a:fontRef idx="minor">
-              <a:schemeClr val="tx1"/>
-            </a:fontRef>
-          </p:style>
-        </p:cxnSp>
-        <p:cxnSp>
-          <p:nvCxnSpPr>
-            <p:cNvPr id="97" name="Straight Arrow Connector 96">
-              <a:extLst>
-                <a:ext uri="{FF2B5EF4-FFF2-40B4-BE49-F238E27FC236}">
-                  <a16:creationId xmlns:a16="http://schemas.microsoft.com/office/drawing/2014/main" id="{F83026B6-C127-4B48-8293-D0BF859DA1D5}"/>
-                </a:ext>
-              </a:extLst>
-            </p:cNvPr>
-            <p:cNvCxnSpPr>
-              <a:cxnSpLocks/>
-              <a:stCxn id="70" idx="2"/>
-            </p:cNvCxnSpPr>
-            <p:nvPr/>
-          </p:nvCxnSpPr>
-          <p:spPr>
-            <a:xfrm flipH="1" flipV="1">
-              <a:off x="1382571" y="5670206"/>
-              <a:ext cx="5340701" cy="1"/>
-            </a:xfrm>
-            <a:prstGeom prst="straightConnector1">
-              <a:avLst/>
-            </a:prstGeom>
-            <a:ln w="19050">
-              <a:solidFill>
-                <a:srgbClr val="B44D82"/>
-              </a:solidFill>
-              <a:prstDash val="sysDash"/>
-              <a:headEnd type="none" w="med" len="med"/>
-              <a:tailEnd type="arrow" w="med" len="med"/>
-            </a:ln>
-          </p:spPr>
-          <p:style>
-            <a:lnRef idx="1">
-              <a:schemeClr val="accent1"/>
-            </a:lnRef>
-            <a:fillRef idx="0">
-              <a:schemeClr val="accent1"/>
-            </a:fillRef>
-            <a:effectRef idx="0">
-              <a:schemeClr val="accent1"/>
-            </a:effectRef>
-            <a:fontRef idx="minor">
-              <a:schemeClr val="tx1"/>
-            </a:fontRef>
-          </p:style>
-        </p:cxnSp>
-        <p:sp>
-          <p:nvSpPr>
-            <p:cNvPr id="133" name="Rectangle 132">
-              <a:extLst>
-                <a:ext uri="{FF2B5EF4-FFF2-40B4-BE49-F238E27FC236}">
-                  <a16:creationId xmlns:a16="http://schemas.microsoft.com/office/drawing/2014/main" id="{F36F273D-B2D9-4BB7-B7D7-D1A5E9923C6F}"/>
-                </a:ext>
-              </a:extLst>
-            </p:cNvPr>
-            <p:cNvSpPr/>
-            <p:nvPr/>
-          </p:nvSpPr>
-          <p:spPr>
-            <a:xfrm>
-              <a:off x="9110570" y="3597309"/>
-              <a:ext cx="104400" cy="996916"/>
-            </a:xfrm>
-            <a:prstGeom prst="rect">
-              <a:avLst/>
-            </a:prstGeom>
-            <a:solidFill>
-              <a:schemeClr val="bg1"/>
-            </a:solidFill>
-            <a:ln>
-              <a:solidFill>
-                <a:srgbClr val="B44D82"/>
-              </a:solidFill>
-            </a:ln>
-          </p:spPr>
-          <p:style>
-            <a:lnRef idx="2">
-              <a:schemeClr val="accent1">
-                <a:shade val="50000"/>
-              </a:schemeClr>
-            </a:lnRef>
-            <a:fillRef idx="1">
-              <a:schemeClr val="accent1"/>
-            </a:fillRef>
-            <a:effectRef idx="0">
-              <a:schemeClr val="accent1"/>
-            </a:effectRef>
-            <a:fontRef idx="minor">
-              <a:schemeClr val="lt1"/>
-            </a:fontRef>
-          </p:style>
-          <p:txBody>
-            <a:bodyPr rtlCol="0" anchor="ctr"/>
-            <a:lstStyle/>
-            <a:p>
-              <a:pPr algn="ctr"/>
-              <a:endParaRPr lang="en-SG"/>
-            </a:p>
-          </p:txBody>
-        </p:sp>
-        <p:cxnSp>
-          <p:nvCxnSpPr>
-            <p:cNvPr id="164" name="Straight Connector 163">
-              <a:extLst>
-                <a:ext uri="{FF2B5EF4-FFF2-40B4-BE49-F238E27FC236}">
-                  <a16:creationId xmlns:a16="http://schemas.microsoft.com/office/drawing/2014/main" id="{FD6B0E85-6764-4F41-B538-E35FFFBC2B17}"/>
-                </a:ext>
-              </a:extLst>
-            </p:cNvPr>
-            <p:cNvCxnSpPr>
-              <a:cxnSpLocks/>
-              <a:stCxn id="133" idx="2"/>
-              <a:endCxn id="78" idx="0"/>
-            </p:cNvCxnSpPr>
-            <p:nvPr/>
-          </p:nvCxnSpPr>
-          <p:spPr>
-            <a:xfrm>
-              <a:off x="9162770" y="4594225"/>
-              <a:ext cx="0" cy="197474"/>
-            </a:xfrm>
-            <a:prstGeom prst="line">
-              <a:avLst/>
-            </a:prstGeom>
-            <a:ln w="19050">
-              <a:solidFill>
-                <a:srgbClr val="B44D82"/>
-              </a:solidFill>
-              <a:prstDash val="sysDash"/>
-            </a:ln>
-          </p:spPr>
-          <p:style>
-            <a:lnRef idx="1">
-              <a:schemeClr val="accent1"/>
-            </a:lnRef>
-            <a:fillRef idx="0">
-              <a:schemeClr val="accent1"/>
-            </a:fillRef>
-            <a:effectRef idx="0">
-              <a:schemeClr val="accent1"/>
-            </a:effectRef>
-            <a:fontRef idx="minor">
-              <a:schemeClr val="tx1"/>
-            </a:fontRef>
-          </p:style>
-        </p:cxnSp>
-        <p:sp>
-          <p:nvSpPr>
-            <p:cNvPr id="169" name="TextBox 168">
-              <a:extLst>
-                <a:ext uri="{FF2B5EF4-FFF2-40B4-BE49-F238E27FC236}">
-                  <a16:creationId xmlns:a16="http://schemas.microsoft.com/office/drawing/2014/main" id="{793A5CF1-B295-4F21-8BC4-1B1B7AA35191}"/>
-                </a:ext>
-              </a:extLst>
-            </p:cNvPr>
-            <p:cNvSpPr txBox="1"/>
-            <p:nvPr/>
-          </p:nvSpPr>
-          <p:spPr>
-            <a:xfrm>
-              <a:off x="3843097" y="237124"/>
-              <a:ext cx="615874" cy="338554"/>
-            </a:xfrm>
-            <a:prstGeom prst="rect">
-              <a:avLst/>
-            </a:prstGeom>
-            <a:noFill/>
-          </p:spPr>
-          <p:txBody>
-            <a:bodyPr wrap="none" rtlCol="0">
-              <a:spAutoFit/>
-            </a:bodyPr>
-            <a:lstStyle/>
-            <a:p>
-              <a:r>
-                <a:rPr lang="en-SG" sz="1600" b="1" dirty="0">
-                  <a:solidFill>
-                    <a:schemeClr val="bg1"/>
-                  </a:solidFill>
-                </a:rPr>
-                <a:t>Logic</a:t>
-              </a:r>
-            </a:p>
-          </p:txBody>
-        </p:sp>
-        <p:sp>
-          <p:nvSpPr>
-            <p:cNvPr id="170" name="TextBox 169">
-              <a:extLst>
-                <a:ext uri="{FF2B5EF4-FFF2-40B4-BE49-F238E27FC236}">
-                  <a16:creationId xmlns:a16="http://schemas.microsoft.com/office/drawing/2014/main" id="{8C6A94B1-9AFF-42A5-AD8F-9CE59B2169F9}"/>
-                </a:ext>
-              </a:extLst>
-            </p:cNvPr>
-            <p:cNvSpPr txBox="1"/>
-            <p:nvPr/>
-          </p:nvSpPr>
-          <p:spPr>
-            <a:xfrm>
-              <a:off x="8876095" y="192157"/>
-              <a:ext cx="737702" cy="338554"/>
-            </a:xfrm>
-            <a:prstGeom prst="rect">
-              <a:avLst/>
-            </a:prstGeom>
-            <a:noFill/>
-          </p:spPr>
-          <p:txBody>
-            <a:bodyPr wrap="none" rtlCol="0">
-              <a:spAutoFit/>
-            </a:bodyPr>
-            <a:lstStyle/>
-            <a:p>
-              <a:r>
-                <a:rPr lang="en-SG" sz="1600" b="1" dirty="0">
-                  <a:solidFill>
-                    <a:schemeClr val="bg1"/>
-                  </a:solidFill>
-                </a:rPr>
-                <a:t>Model</a:t>
-              </a:r>
-            </a:p>
-          </p:txBody>
-        </p:sp>
-        <p:cxnSp>
-          <p:nvCxnSpPr>
-            <p:cNvPr id="171" name="Straight Connector 170">
-              <a:extLst>
-                <a:ext uri="{FF2B5EF4-FFF2-40B4-BE49-F238E27FC236}">
-                  <a16:creationId xmlns:a16="http://schemas.microsoft.com/office/drawing/2014/main" id="{3534E46E-274A-4AE5-AACE-546C7F880BC2}"/>
-                </a:ext>
-              </a:extLst>
-            </p:cNvPr>
-            <p:cNvCxnSpPr>
-              <a:cxnSpLocks/>
-            </p:cNvCxnSpPr>
-            <p:nvPr/>
-          </p:nvCxnSpPr>
-          <p:spPr>
-            <a:xfrm>
-              <a:off x="6719839" y="5670207"/>
-              <a:ext cx="0" cy="354015"/>
-            </a:xfrm>
-            <a:prstGeom prst="line">
-              <a:avLst/>
-            </a:prstGeom>
-            <a:ln w="19050">
-              <a:solidFill>
-                <a:srgbClr val="B44D82"/>
-              </a:solidFill>
-              <a:prstDash val="sysDash"/>
-            </a:ln>
-          </p:spPr>
-          <p:style>
-            <a:lnRef idx="1">
-              <a:schemeClr val="accent1"/>
-            </a:lnRef>
-            <a:fillRef idx="0">
-              <a:schemeClr val="accent1"/>
-            </a:fillRef>
-            <a:effectRef idx="0">
-              <a:schemeClr val="accent1"/>
-            </a:effectRef>
-            <a:fontRef idx="minor">
-              <a:schemeClr val="tx1"/>
-            </a:fontRef>
-          </p:style>
-        </p:cxnSp>
-        <p:cxnSp>
-          <p:nvCxnSpPr>
-            <p:cNvPr id="175" name="Straight Connector 174">
-              <a:extLst>
-                <a:ext uri="{FF2B5EF4-FFF2-40B4-BE49-F238E27FC236}">
-                  <a16:creationId xmlns:a16="http://schemas.microsoft.com/office/drawing/2014/main" id="{745CCC1A-E9ED-415A-B6B4-B63ECBA09570}"/>
-                </a:ext>
-              </a:extLst>
-            </p:cNvPr>
-            <p:cNvCxnSpPr>
-              <a:cxnSpLocks/>
-            </p:cNvCxnSpPr>
-            <p:nvPr/>
-          </p:nvCxnSpPr>
-          <p:spPr>
-            <a:xfrm>
-              <a:off x="9175675" y="4838898"/>
-              <a:ext cx="0" cy="1584906"/>
-            </a:xfrm>
-            <a:prstGeom prst="line">
-              <a:avLst/>
-            </a:prstGeom>
-            <a:ln w="19050">
-              <a:solidFill>
-                <a:srgbClr val="B44D82"/>
-              </a:solidFill>
-              <a:prstDash val="sysDash"/>
-            </a:ln>
-          </p:spPr>
-          <p:style>
-            <a:lnRef idx="1">
-              <a:schemeClr val="accent1"/>
-            </a:lnRef>
-            <a:fillRef idx="0">
-              <a:schemeClr val="accent1"/>
-            </a:fillRef>
-            <a:effectRef idx="0">
-              <a:schemeClr val="accent1"/>
-            </a:effectRef>
-            <a:fontRef idx="minor">
-              <a:schemeClr val="tx1"/>
-            </a:fontRef>
-          </p:style>
-        </p:cxnSp>
-        <p:cxnSp>
-          <p:nvCxnSpPr>
-            <p:cNvPr id="71" name="Straight Arrow Connector 70">
-              <a:extLst>
-                <a:ext uri="{FF2B5EF4-FFF2-40B4-BE49-F238E27FC236}">
-                  <a16:creationId xmlns:a16="http://schemas.microsoft.com/office/drawing/2014/main" id="{7F1C0A3C-A1AA-4349-8679-5C29E4402CC1}"/>
-                </a:ext>
-              </a:extLst>
-            </p:cNvPr>
-            <p:cNvCxnSpPr>
-              <a:cxnSpLocks/>
-            </p:cNvCxnSpPr>
-            <p:nvPr/>
-          </p:nvCxnSpPr>
-          <p:spPr>
-            <a:xfrm>
-              <a:off x="6772845" y="3600785"/>
-              <a:ext cx="2350630" cy="0"/>
-            </a:xfrm>
-            <a:prstGeom prst="straightConnector1">
-              <a:avLst/>
-            </a:prstGeom>
-            <a:ln w="19050">
-              <a:solidFill>
-                <a:srgbClr val="B44D82"/>
-              </a:solidFill>
-              <a:prstDash val="solid"/>
-              <a:headEnd type="none" w="med" len="med"/>
-              <a:tailEnd type="arrow" w="med" len="med"/>
-            </a:ln>
-          </p:spPr>
-          <p:style>
-            <a:lnRef idx="1">
-              <a:schemeClr val="accent1"/>
-            </a:lnRef>
-            <a:fillRef idx="0">
-              <a:schemeClr val="accent1"/>
-            </a:fillRef>
-            <a:effectRef idx="0">
-              <a:schemeClr val="accent1"/>
-            </a:effectRef>
-            <a:fontRef idx="minor">
-              <a:schemeClr val="tx1"/>
-            </a:fontRef>
-          </p:style>
-        </p:cxnSp>
-        <p:cxnSp>
-          <p:nvCxnSpPr>
-            <p:cNvPr id="72" name="Straight Arrow Connector 71">
-              <a:extLst>
-                <a:ext uri="{FF2B5EF4-FFF2-40B4-BE49-F238E27FC236}">
-                  <a16:creationId xmlns:a16="http://schemas.microsoft.com/office/drawing/2014/main" id="{F85279A2-8CD1-4CAD-B5CB-B456C605A637}"/>
-                </a:ext>
-              </a:extLst>
-            </p:cNvPr>
-            <p:cNvCxnSpPr>
-              <a:cxnSpLocks/>
-            </p:cNvCxnSpPr>
-            <p:nvPr/>
-          </p:nvCxnSpPr>
-          <p:spPr>
-            <a:xfrm flipH="1">
-              <a:off x="6759939" y="4594225"/>
-              <a:ext cx="2350631" cy="0"/>
-            </a:xfrm>
-            <a:prstGeom prst="straightConnector1">
-              <a:avLst/>
-            </a:prstGeom>
-            <a:ln w="19050">
-              <a:solidFill>
-                <a:srgbClr val="B44D82"/>
-              </a:solidFill>
-              <a:prstDash val="sysDash"/>
-              <a:headEnd type="none" w="med" len="med"/>
-              <a:tailEnd type="arrow" w="med" len="med"/>
-            </a:ln>
-          </p:spPr>
-          <p:style>
-            <a:lnRef idx="1">
-              <a:schemeClr val="accent1"/>
-            </a:lnRef>
-            <a:fillRef idx="0">
-              <a:schemeClr val="accent1"/>
-            </a:fillRef>
-            <a:effectRef idx="0">
-              <a:schemeClr val="accent1"/>
-            </a:effectRef>
-            <a:fontRef idx="minor">
-              <a:schemeClr val="tx1"/>
-            </a:fontRef>
-          </p:style>
-        </p:cxnSp>
-        <p:sp>
-          <p:nvSpPr>
-            <p:cNvPr id="77" name="TextBox 76">
-              <a:extLst>
-                <a:ext uri="{FF2B5EF4-FFF2-40B4-BE49-F238E27FC236}">
-                  <a16:creationId xmlns:a16="http://schemas.microsoft.com/office/drawing/2014/main" id="{4AF8662A-268A-4902-B0F8-1806DC5E5180}"/>
-                </a:ext>
-              </a:extLst>
-            </p:cNvPr>
-            <p:cNvSpPr txBox="1"/>
-            <p:nvPr/>
-          </p:nvSpPr>
-          <p:spPr>
-            <a:xfrm>
-              <a:off x="6854409" y="3361994"/>
-              <a:ext cx="1350050" cy="253916"/>
-            </a:xfrm>
-            <a:prstGeom prst="rect">
-              <a:avLst/>
-            </a:prstGeom>
-            <a:noFill/>
-          </p:spPr>
-          <p:txBody>
-            <a:bodyPr wrap="none" rtlCol="0">
-              <a:spAutoFit/>
-            </a:bodyPr>
-            <a:lstStyle/>
-            <a:p>
-              <a:r>
-                <a:rPr lang="en-SG" sz="1050" b="1" dirty="0"/>
-                <a:t>addStudent(student)</a:t>
-              </a:r>
-            </a:p>
-          </p:txBody>
-        </p:sp>
-        <p:sp>
-          <p:nvSpPr>
-            <p:cNvPr id="78" name="Rectangle 77">
-              <a:extLst>
-                <a:ext uri="{FF2B5EF4-FFF2-40B4-BE49-F238E27FC236}">
-                  <a16:creationId xmlns:a16="http://schemas.microsoft.com/office/drawing/2014/main" id="{F6EC03F3-9751-4F18-ACB3-29B50504400F}"/>
-                </a:ext>
-              </a:extLst>
-            </p:cNvPr>
-            <p:cNvSpPr/>
-            <p:nvPr/>
-          </p:nvSpPr>
-          <p:spPr>
-            <a:xfrm>
-              <a:off x="9123475" y="4791699"/>
-              <a:ext cx="104400" cy="792387"/>
-            </a:xfrm>
-            <a:prstGeom prst="rect">
-              <a:avLst/>
-            </a:prstGeom>
-            <a:solidFill>
-              <a:schemeClr val="bg1"/>
-            </a:solidFill>
-            <a:ln>
-              <a:solidFill>
-                <a:srgbClr val="B44D82"/>
-              </a:solidFill>
-            </a:ln>
-          </p:spPr>
-          <p:style>
-            <a:lnRef idx="2">
-              <a:schemeClr val="accent1">
-                <a:shade val="50000"/>
-              </a:schemeClr>
-            </a:lnRef>
-            <a:fillRef idx="1">
-              <a:schemeClr val="accent1"/>
-            </a:fillRef>
-            <a:effectRef idx="0">
-              <a:schemeClr val="accent1"/>
-            </a:effectRef>
-            <a:fontRef idx="minor">
-              <a:schemeClr val="lt1"/>
-            </a:fontRef>
-          </p:style>
-          <p:txBody>
-            <a:bodyPr rtlCol="0" anchor="ctr"/>
-            <a:lstStyle/>
-            <a:p>
-              <a:pPr algn="ctr"/>
-              <a:endParaRPr lang="en-SG"/>
-            </a:p>
-          </p:txBody>
-        </p:sp>
-        <p:cxnSp>
-          <p:nvCxnSpPr>
-            <p:cNvPr id="79" name="Straight Arrow Connector 78">
-              <a:extLst>
-                <a:ext uri="{FF2B5EF4-FFF2-40B4-BE49-F238E27FC236}">
-                  <a16:creationId xmlns:a16="http://schemas.microsoft.com/office/drawing/2014/main" id="{D1574FEF-2B17-41DA-9671-8E0BCAE1E7E4}"/>
-                </a:ext>
-              </a:extLst>
-            </p:cNvPr>
-            <p:cNvCxnSpPr>
-              <a:cxnSpLocks/>
-            </p:cNvCxnSpPr>
-            <p:nvPr/>
-          </p:nvCxnSpPr>
-          <p:spPr>
-            <a:xfrm>
-              <a:off x="6772845" y="4791699"/>
-              <a:ext cx="2350630" cy="0"/>
-            </a:xfrm>
-            <a:prstGeom prst="straightConnector1">
-              <a:avLst/>
-            </a:prstGeom>
-            <a:ln w="19050">
-              <a:solidFill>
-                <a:srgbClr val="B44D82"/>
-              </a:solidFill>
-              <a:prstDash val="solid"/>
-              <a:headEnd type="none" w="med" len="med"/>
-              <a:tailEnd type="arrow" w="med" len="med"/>
-            </a:ln>
-          </p:spPr>
-          <p:style>
-            <a:lnRef idx="1">
-              <a:schemeClr val="accent1"/>
-            </a:lnRef>
-            <a:fillRef idx="0">
-              <a:schemeClr val="accent1"/>
-            </a:fillRef>
-            <a:effectRef idx="0">
-              <a:schemeClr val="accent1"/>
-            </a:effectRef>
-            <a:fontRef idx="minor">
-              <a:schemeClr val="tx1"/>
-            </a:fontRef>
-          </p:style>
-        </p:cxnSp>
-        <p:cxnSp>
-          <p:nvCxnSpPr>
-            <p:cNvPr id="81" name="Straight Arrow Connector 80">
-              <a:extLst>
-                <a:ext uri="{FF2B5EF4-FFF2-40B4-BE49-F238E27FC236}">
-                  <a16:creationId xmlns:a16="http://schemas.microsoft.com/office/drawing/2014/main" id="{FA462F57-7615-425C-A1CB-75D14E95CA2C}"/>
-                </a:ext>
-              </a:extLst>
-            </p:cNvPr>
-            <p:cNvCxnSpPr>
-              <a:cxnSpLocks/>
-            </p:cNvCxnSpPr>
-            <p:nvPr/>
-          </p:nvCxnSpPr>
-          <p:spPr>
-            <a:xfrm flipH="1">
-              <a:off x="6772844" y="5584086"/>
-              <a:ext cx="2350631" cy="0"/>
-            </a:xfrm>
-            <a:prstGeom prst="straightConnector1">
-              <a:avLst/>
-            </a:prstGeom>
-            <a:ln w="19050">
-              <a:solidFill>
-                <a:srgbClr val="B44D82"/>
-              </a:solidFill>
-              <a:prstDash val="sysDash"/>
-              <a:headEnd type="none" w="med" len="med"/>
-              <a:tailEnd type="arrow" w="med" len="med"/>
-            </a:ln>
-          </p:spPr>
-          <p:style>
-            <a:lnRef idx="1">
-              <a:schemeClr val="accent1"/>
-            </a:lnRef>
-            <a:fillRef idx="0">
-              <a:schemeClr val="accent1"/>
-            </a:fillRef>
-            <a:effectRef idx="0">
-              <a:schemeClr val="accent1"/>
-            </a:effectRef>
-            <a:fontRef idx="minor">
-              <a:schemeClr val="tx1"/>
-            </a:fontRef>
-          </p:style>
-        </p:cxnSp>
-        <p:sp>
-          <p:nvSpPr>
-            <p:cNvPr id="83" name="TextBox 82">
-              <a:extLst>
-                <a:ext uri="{FF2B5EF4-FFF2-40B4-BE49-F238E27FC236}">
-                  <a16:creationId xmlns:a16="http://schemas.microsoft.com/office/drawing/2014/main" id="{16C1AE8E-3332-4F35-BA57-E801C77CD9E8}"/>
-                </a:ext>
-              </a:extLst>
-            </p:cNvPr>
-            <p:cNvSpPr txBox="1"/>
-            <p:nvPr/>
-          </p:nvSpPr>
-          <p:spPr>
-            <a:xfrm>
-              <a:off x="6831911" y="4574890"/>
-              <a:ext cx="1928733" cy="253916"/>
-            </a:xfrm>
-            <a:prstGeom prst="rect">
-              <a:avLst/>
-            </a:prstGeom>
-            <a:noFill/>
-          </p:spPr>
-          <p:txBody>
-            <a:bodyPr wrap="none" rtlCol="0">
-              <a:spAutoFit/>
-            </a:bodyPr>
-            <a:lstStyle/>
-            <a:p>
-              <a:r>
-                <a:rPr lang="en-SG" sz="1050" b="1" dirty="0"/>
-                <a:t>addStudentToTutorial(student)</a:t>
-              </a:r>
-            </a:p>
-          </p:txBody>
-        </p:sp>
-        <p:sp>
-          <p:nvSpPr>
-            <p:cNvPr id="84" name="Rectangle 83">
-              <a:extLst>
-                <a:ext uri="{FF2B5EF4-FFF2-40B4-BE49-F238E27FC236}">
-                  <a16:creationId xmlns:a16="http://schemas.microsoft.com/office/drawing/2014/main" id="{82AEF3EF-D530-4777-821D-3B766E10820F}"/>
-                </a:ext>
-              </a:extLst>
-            </p:cNvPr>
-            <p:cNvSpPr/>
-            <p:nvPr/>
-          </p:nvSpPr>
-          <p:spPr>
-            <a:xfrm>
-              <a:off x="10336446" y="497190"/>
-              <a:ext cx="1097970" cy="344556"/>
-            </a:xfrm>
-            <a:prstGeom prst="rect">
-              <a:avLst/>
-            </a:prstGeom>
-            <a:solidFill>
-              <a:srgbClr val="9E0415"/>
-            </a:solidFill>
-            <a:ln>
-              <a:solidFill>
-                <a:srgbClr val="B44D82"/>
-              </a:solidFill>
-            </a:ln>
-          </p:spPr>
-          <p:style>
-            <a:lnRef idx="2">
-              <a:schemeClr val="accent1">
-                <a:shade val="50000"/>
-              </a:schemeClr>
-            </a:lnRef>
-            <a:fillRef idx="1">
-              <a:schemeClr val="accent1"/>
-            </a:fillRef>
-            <a:effectRef idx="0">
-              <a:schemeClr val="accent1"/>
-            </a:effectRef>
-            <a:fontRef idx="minor">
-              <a:schemeClr val="lt1"/>
-            </a:fontRef>
-          </p:style>
-          <p:txBody>
-            <a:bodyPr rtlCol="0" anchor="ctr"/>
-            <a:lstStyle/>
-            <a:p>
-              <a:pPr algn="ctr"/>
-              <a:r>
-                <a:rPr lang="en-SG" sz="1200" dirty="0"/>
-                <a:t>:Application</a:t>
-              </a:r>
-            </a:p>
-          </p:txBody>
-        </p:sp>
-        <p:cxnSp>
-          <p:nvCxnSpPr>
-            <p:cNvPr id="90" name="Straight Connector 89">
-              <a:extLst>
-                <a:ext uri="{FF2B5EF4-FFF2-40B4-BE49-F238E27FC236}">
-                  <a16:creationId xmlns:a16="http://schemas.microsoft.com/office/drawing/2014/main" id="{F94CA48B-E535-483D-9BCE-B81CC264D2CD}"/>
-                </a:ext>
-              </a:extLst>
-            </p:cNvPr>
-            <p:cNvCxnSpPr>
-              <a:cxnSpLocks/>
-            </p:cNvCxnSpPr>
-            <p:nvPr/>
-          </p:nvCxnSpPr>
-          <p:spPr>
-            <a:xfrm>
-              <a:off x="10857804" y="841746"/>
-              <a:ext cx="0" cy="2835238"/>
-            </a:xfrm>
-            <a:prstGeom prst="line">
-              <a:avLst/>
-            </a:prstGeom>
-            <a:ln w="19050">
-              <a:solidFill>
-                <a:srgbClr val="B44D82"/>
-              </a:solidFill>
-              <a:prstDash val="sysDash"/>
-            </a:ln>
-          </p:spPr>
-          <p:style>
-            <a:lnRef idx="1">
-              <a:schemeClr val="accent1"/>
-            </a:lnRef>
-            <a:fillRef idx="0">
-              <a:schemeClr val="accent1"/>
-            </a:fillRef>
-            <a:effectRef idx="0">
-              <a:schemeClr val="accent1"/>
-            </a:effectRef>
-            <a:fontRef idx="minor">
-              <a:schemeClr val="tx1"/>
-            </a:fontRef>
-          </p:style>
-        </p:cxnSp>
-        <p:cxnSp>
-          <p:nvCxnSpPr>
-            <p:cNvPr id="92" name="Straight Arrow Connector 91">
-              <a:extLst>
-                <a:ext uri="{FF2B5EF4-FFF2-40B4-BE49-F238E27FC236}">
-                  <a16:creationId xmlns:a16="http://schemas.microsoft.com/office/drawing/2014/main" id="{2BB1E7F9-6904-4CCA-9FF7-359151678278}"/>
-                </a:ext>
-              </a:extLst>
-            </p:cNvPr>
-            <p:cNvCxnSpPr>
-              <a:cxnSpLocks/>
-            </p:cNvCxnSpPr>
-            <p:nvPr/>
-          </p:nvCxnSpPr>
-          <p:spPr>
-            <a:xfrm>
-              <a:off x="9214970" y="3676985"/>
-              <a:ext cx="1590634" cy="0"/>
-            </a:xfrm>
-            <a:prstGeom prst="straightConnector1">
-              <a:avLst/>
-            </a:prstGeom>
-            <a:ln w="19050">
-              <a:solidFill>
-                <a:srgbClr val="B44D82"/>
-              </a:solidFill>
-              <a:prstDash val="solid"/>
-              <a:headEnd type="none" w="med" len="med"/>
-              <a:tailEnd type="arrow" w="med" len="med"/>
-            </a:ln>
-          </p:spPr>
-          <p:style>
-            <a:lnRef idx="1">
-              <a:schemeClr val="accent1"/>
-            </a:lnRef>
-            <a:fillRef idx="0">
-              <a:schemeClr val="accent1"/>
-            </a:fillRef>
-            <a:effectRef idx="0">
-              <a:schemeClr val="accent1"/>
-            </a:effectRef>
-            <a:fontRef idx="minor">
-              <a:schemeClr val="tx1"/>
-            </a:fontRef>
-          </p:style>
-        </p:cxnSp>
-        <p:cxnSp>
-          <p:nvCxnSpPr>
-            <p:cNvPr id="98" name="Straight Arrow Connector 97">
-              <a:extLst>
-                <a:ext uri="{FF2B5EF4-FFF2-40B4-BE49-F238E27FC236}">
-                  <a16:creationId xmlns:a16="http://schemas.microsoft.com/office/drawing/2014/main" id="{4E155E63-CA03-42C5-98B3-9FDE38D9E1EE}"/>
-                </a:ext>
-              </a:extLst>
-            </p:cNvPr>
-            <p:cNvCxnSpPr>
-              <a:cxnSpLocks/>
-            </p:cNvCxnSpPr>
-            <p:nvPr/>
-          </p:nvCxnSpPr>
-          <p:spPr>
-            <a:xfrm flipH="1">
-              <a:off x="9214970" y="3849965"/>
-              <a:ext cx="1642834" cy="0"/>
-            </a:xfrm>
-            <a:prstGeom prst="straightConnector1">
-              <a:avLst/>
-            </a:prstGeom>
-            <a:ln w="19050">
-              <a:solidFill>
-                <a:srgbClr val="B44D82"/>
-              </a:solidFill>
-              <a:prstDash val="sysDash"/>
-              <a:headEnd type="none" w="med" len="med"/>
-              <a:tailEnd type="arrow" w="med" len="med"/>
-            </a:ln>
-          </p:spPr>
-          <p:style>
-            <a:lnRef idx="1">
-              <a:schemeClr val="accent1"/>
-            </a:lnRef>
-            <a:fillRef idx="0">
-              <a:schemeClr val="accent1"/>
-            </a:fillRef>
-            <a:effectRef idx="0">
-              <a:schemeClr val="accent1"/>
-            </a:effectRef>
-            <a:fontRef idx="minor">
-              <a:schemeClr val="tx1"/>
-            </a:fontRef>
-          </p:style>
-        </p:cxnSp>
-        <p:sp>
-          <p:nvSpPr>
-            <p:cNvPr id="100" name="Rectangle 99">
-              <a:extLst>
-                <a:ext uri="{FF2B5EF4-FFF2-40B4-BE49-F238E27FC236}">
-                  <a16:creationId xmlns:a16="http://schemas.microsoft.com/office/drawing/2014/main" id="{AB773D31-6980-439A-8E35-D52BB430EFBD}"/>
-                </a:ext>
-              </a:extLst>
-            </p:cNvPr>
-            <p:cNvSpPr/>
-            <p:nvPr/>
-          </p:nvSpPr>
-          <p:spPr>
-            <a:xfrm>
-              <a:off x="9188106" y="4169092"/>
-              <a:ext cx="104400" cy="216000"/>
-            </a:xfrm>
-            <a:prstGeom prst="rect">
-              <a:avLst/>
-            </a:prstGeom>
-            <a:solidFill>
-              <a:schemeClr val="bg1"/>
-            </a:solidFill>
-            <a:ln>
-              <a:solidFill>
-                <a:srgbClr val="B44D82"/>
-              </a:solidFill>
-            </a:ln>
-          </p:spPr>
-          <p:style>
-            <a:lnRef idx="2">
-              <a:schemeClr val="accent1">
-                <a:shade val="50000"/>
-              </a:schemeClr>
-            </a:lnRef>
-            <a:fillRef idx="1">
-              <a:schemeClr val="accent1"/>
-            </a:fillRef>
-            <a:effectRef idx="0">
-              <a:schemeClr val="accent1"/>
-            </a:effectRef>
-            <a:fontRef idx="minor">
-              <a:schemeClr val="lt1"/>
-            </a:fontRef>
-          </p:style>
-          <p:txBody>
-            <a:bodyPr rtlCol="0" anchor="ctr"/>
-            <a:lstStyle/>
-            <a:p>
-              <a:pPr algn="ctr"/>
-              <a:endParaRPr lang="en-SG"/>
-            </a:p>
-          </p:txBody>
-        </p:sp>
-        <p:sp>
-          <p:nvSpPr>
-            <p:cNvPr id="101" name="TextBox 100">
-              <a:extLst>
-                <a:ext uri="{FF2B5EF4-FFF2-40B4-BE49-F238E27FC236}">
-                  <a16:creationId xmlns:a16="http://schemas.microsoft.com/office/drawing/2014/main" id="{0632F8D6-7907-471F-B25F-262979649F74}"/>
-                </a:ext>
-              </a:extLst>
-            </p:cNvPr>
-            <p:cNvSpPr txBox="1"/>
-            <p:nvPr/>
-          </p:nvSpPr>
-          <p:spPr>
-            <a:xfrm>
-              <a:off x="9349818" y="3488952"/>
-              <a:ext cx="1069524" cy="215444"/>
-            </a:xfrm>
-            <a:prstGeom prst="rect">
-              <a:avLst/>
-            </a:prstGeom>
-            <a:noFill/>
-          </p:spPr>
-          <p:txBody>
-            <a:bodyPr wrap="none" rtlCol="0">
-              <a:spAutoFit/>
-            </a:bodyPr>
-            <a:lstStyle/>
-            <a:p>
-              <a:r>
-                <a:rPr lang="en-SG" sz="800" b="1" dirty="0"/>
-                <a:t>addStudent(student)</a:t>
-              </a:r>
-            </a:p>
-          </p:txBody>
-        </p:sp>
-        <p:sp>
-          <p:nvSpPr>
-            <p:cNvPr id="102" name="Rectangle 101">
-              <a:extLst>
-                <a:ext uri="{FF2B5EF4-FFF2-40B4-BE49-F238E27FC236}">
-                  <a16:creationId xmlns:a16="http://schemas.microsoft.com/office/drawing/2014/main" id="{D772AEAA-458A-4C7A-9A9D-11FB17660A4E}"/>
-                </a:ext>
-              </a:extLst>
-            </p:cNvPr>
-            <p:cNvSpPr/>
-            <p:nvPr/>
-          </p:nvSpPr>
-          <p:spPr>
-            <a:xfrm>
-              <a:off x="10817507" y="4850610"/>
-              <a:ext cx="104400" cy="187016"/>
-            </a:xfrm>
-            <a:prstGeom prst="rect">
-              <a:avLst/>
-            </a:prstGeom>
-            <a:solidFill>
-              <a:schemeClr val="bg1"/>
-            </a:solidFill>
-            <a:ln>
-              <a:solidFill>
-                <a:srgbClr val="B44D82"/>
-              </a:solidFill>
-            </a:ln>
-          </p:spPr>
-          <p:style>
-            <a:lnRef idx="2">
-              <a:schemeClr val="accent1">
-                <a:shade val="50000"/>
-              </a:schemeClr>
-            </a:lnRef>
-            <a:fillRef idx="1">
-              <a:schemeClr val="accent1"/>
-            </a:fillRef>
-            <a:effectRef idx="0">
-              <a:schemeClr val="accent1"/>
-            </a:effectRef>
-            <a:fontRef idx="minor">
-              <a:schemeClr val="lt1"/>
-            </a:fontRef>
-          </p:style>
-          <p:txBody>
-            <a:bodyPr rtlCol="0" anchor="ctr"/>
-            <a:lstStyle/>
-            <a:p>
-              <a:pPr algn="ctr"/>
-              <a:endParaRPr lang="en-SG"/>
-            </a:p>
-          </p:txBody>
-        </p:sp>
-        <p:cxnSp>
-          <p:nvCxnSpPr>
-            <p:cNvPr id="103" name="Straight Arrow Connector 102">
-              <a:extLst>
-                <a:ext uri="{FF2B5EF4-FFF2-40B4-BE49-F238E27FC236}">
-                  <a16:creationId xmlns:a16="http://schemas.microsoft.com/office/drawing/2014/main" id="{4CCFE49D-AA85-4322-A60B-FB1FAAA77E35}"/>
-                </a:ext>
-              </a:extLst>
-            </p:cNvPr>
-            <p:cNvCxnSpPr>
-              <a:cxnSpLocks/>
-            </p:cNvCxnSpPr>
-            <p:nvPr/>
-          </p:nvCxnSpPr>
-          <p:spPr>
-            <a:xfrm>
-              <a:off x="9227875" y="4850610"/>
-              <a:ext cx="1590634" cy="0"/>
-            </a:xfrm>
-            <a:prstGeom prst="straightConnector1">
-              <a:avLst/>
-            </a:prstGeom>
-            <a:ln w="19050">
-              <a:solidFill>
-                <a:srgbClr val="B44D82"/>
-              </a:solidFill>
-              <a:prstDash val="solid"/>
-              <a:headEnd type="none" w="med" len="med"/>
-              <a:tailEnd type="arrow" w="med" len="med"/>
-            </a:ln>
-          </p:spPr>
-          <p:style>
-            <a:lnRef idx="1">
-              <a:schemeClr val="accent1"/>
-            </a:lnRef>
-            <a:fillRef idx="0">
-              <a:schemeClr val="accent1"/>
-            </a:fillRef>
-            <a:effectRef idx="0">
-              <a:schemeClr val="accent1"/>
-            </a:effectRef>
-            <a:fontRef idx="minor">
-              <a:schemeClr val="tx1"/>
-            </a:fontRef>
-          </p:style>
-        </p:cxnSp>
-        <p:cxnSp>
-          <p:nvCxnSpPr>
-            <p:cNvPr id="104" name="Straight Arrow Connector 103">
-              <a:extLst>
-                <a:ext uri="{FF2B5EF4-FFF2-40B4-BE49-F238E27FC236}">
-                  <a16:creationId xmlns:a16="http://schemas.microsoft.com/office/drawing/2014/main" id="{605F7DFE-57A7-48B1-9C45-1BE917A82108}"/>
-                </a:ext>
-              </a:extLst>
-            </p:cNvPr>
-            <p:cNvCxnSpPr>
-              <a:cxnSpLocks/>
-              <a:stCxn id="102" idx="2"/>
-            </p:cNvCxnSpPr>
-            <p:nvPr/>
-          </p:nvCxnSpPr>
-          <p:spPr>
-            <a:xfrm flipH="1">
-              <a:off x="9214971" y="5037626"/>
-              <a:ext cx="1654736" cy="0"/>
-            </a:xfrm>
-            <a:prstGeom prst="straightConnector1">
-              <a:avLst/>
-            </a:prstGeom>
-            <a:ln w="19050">
-              <a:solidFill>
-                <a:srgbClr val="B44D82"/>
-              </a:solidFill>
-              <a:prstDash val="sysDash"/>
-              <a:headEnd type="none" w="med" len="med"/>
-              <a:tailEnd type="arrow" w="med" len="med"/>
-            </a:ln>
-          </p:spPr>
-          <p:style>
-            <a:lnRef idx="1">
-              <a:schemeClr val="accent1"/>
-            </a:lnRef>
-            <a:fillRef idx="0">
-              <a:schemeClr val="accent1"/>
-            </a:fillRef>
-            <a:effectRef idx="0">
-              <a:schemeClr val="accent1"/>
-            </a:effectRef>
-            <a:fontRef idx="minor">
-              <a:schemeClr val="tx1"/>
-            </a:fontRef>
-          </p:style>
-        </p:cxnSp>
-        <p:sp>
-          <p:nvSpPr>
-            <p:cNvPr id="105" name="TextBox 104">
-              <a:extLst>
-                <a:ext uri="{FF2B5EF4-FFF2-40B4-BE49-F238E27FC236}">
-                  <a16:creationId xmlns:a16="http://schemas.microsoft.com/office/drawing/2014/main" id="{B270D378-DBB0-45C8-B0F4-9F5326426943}"/>
-                </a:ext>
-              </a:extLst>
-            </p:cNvPr>
-            <p:cNvSpPr txBox="1"/>
-            <p:nvPr/>
-          </p:nvSpPr>
-          <p:spPr>
-            <a:xfrm>
-              <a:off x="9222555" y="4673625"/>
-              <a:ext cx="1459054" cy="215444"/>
-            </a:xfrm>
-            <a:prstGeom prst="rect">
-              <a:avLst/>
-            </a:prstGeom>
-            <a:noFill/>
-          </p:spPr>
-          <p:txBody>
-            <a:bodyPr wrap="none" rtlCol="0">
-              <a:spAutoFit/>
-            </a:bodyPr>
-            <a:lstStyle/>
-            <a:p>
-              <a:r>
-                <a:rPr lang="en-SG" sz="800" b="1" dirty="0"/>
-                <a:t>addStudentToTutorial</a:t>
-              </a:r>
-              <a:r>
-                <a:rPr lang="en-SG" sz="700" b="1" dirty="0"/>
-                <a:t>(student)</a:t>
-              </a:r>
-            </a:p>
-          </p:txBody>
-        </p:sp>
-        <p:cxnSp>
-          <p:nvCxnSpPr>
-            <p:cNvPr id="106" name="Straight Connector 105">
-              <a:extLst>
-                <a:ext uri="{FF2B5EF4-FFF2-40B4-BE49-F238E27FC236}">
-                  <a16:creationId xmlns:a16="http://schemas.microsoft.com/office/drawing/2014/main" id="{6D033843-0953-4BEC-9BDD-60456E8CAF39}"/>
-                </a:ext>
-              </a:extLst>
-            </p:cNvPr>
-            <p:cNvCxnSpPr>
-              <a:cxnSpLocks/>
-              <a:stCxn id="111" idx="2"/>
-              <a:endCxn id="102" idx="0"/>
-            </p:cNvCxnSpPr>
-            <p:nvPr/>
-          </p:nvCxnSpPr>
-          <p:spPr>
-            <a:xfrm>
-              <a:off x="10864743" y="3849965"/>
-              <a:ext cx="4964" cy="1000645"/>
-            </a:xfrm>
-            <a:prstGeom prst="line">
-              <a:avLst/>
-            </a:prstGeom>
-            <a:ln w="19050">
-              <a:solidFill>
-                <a:srgbClr val="B44D82"/>
-              </a:solidFill>
-              <a:prstDash val="sysDash"/>
-            </a:ln>
-          </p:spPr>
-          <p:style>
-            <a:lnRef idx="1">
-              <a:schemeClr val="accent1"/>
-            </a:lnRef>
-            <a:fillRef idx="0">
-              <a:schemeClr val="accent1"/>
-            </a:fillRef>
-            <a:effectRef idx="0">
-              <a:schemeClr val="accent1"/>
-            </a:effectRef>
-            <a:fontRef idx="minor">
-              <a:schemeClr val="tx1"/>
-            </a:fontRef>
-          </p:style>
-        </p:cxnSp>
-        <p:sp>
-          <p:nvSpPr>
-            <p:cNvPr id="109" name="Rectangle 108">
-              <a:extLst>
-                <a:ext uri="{FF2B5EF4-FFF2-40B4-BE49-F238E27FC236}">
-                  <a16:creationId xmlns:a16="http://schemas.microsoft.com/office/drawing/2014/main" id="{FD1CA39F-1F97-4863-AF81-3B6F0574A040}"/>
-                </a:ext>
-              </a:extLst>
-            </p:cNvPr>
-            <p:cNvSpPr/>
-            <p:nvPr/>
-          </p:nvSpPr>
-          <p:spPr>
-            <a:xfrm>
-              <a:off x="9188106" y="5258803"/>
-              <a:ext cx="104400" cy="216000"/>
-            </a:xfrm>
-            <a:prstGeom prst="rect">
-              <a:avLst/>
-            </a:prstGeom>
-            <a:solidFill>
-              <a:schemeClr val="bg1"/>
-            </a:solidFill>
-            <a:ln>
-              <a:solidFill>
-                <a:srgbClr val="B44D82"/>
-              </a:solidFill>
-            </a:ln>
-          </p:spPr>
-          <p:style>
-            <a:lnRef idx="2">
-              <a:schemeClr val="accent1">
-                <a:shade val="50000"/>
-              </a:schemeClr>
-            </a:lnRef>
-            <a:fillRef idx="1">
-              <a:schemeClr val="accent1"/>
-            </a:fillRef>
-            <a:effectRef idx="0">
-              <a:schemeClr val="accent1"/>
-            </a:effectRef>
-            <a:fontRef idx="minor">
-              <a:schemeClr val="lt1"/>
-            </a:fontRef>
-          </p:style>
-          <p:txBody>
-            <a:bodyPr rtlCol="0" anchor="ctr"/>
-            <a:lstStyle/>
-            <a:p>
-              <a:pPr algn="ctr"/>
-              <a:endParaRPr lang="en-SG"/>
-            </a:p>
-          </p:txBody>
-        </p:sp>
-        <p:sp>
-          <p:nvSpPr>
-            <p:cNvPr id="111" name="Rectangle 110">
-              <a:extLst>
-                <a:ext uri="{FF2B5EF4-FFF2-40B4-BE49-F238E27FC236}">
-                  <a16:creationId xmlns:a16="http://schemas.microsoft.com/office/drawing/2014/main" id="{F656BC27-39CE-4CC3-8898-BA6FD6B44FFD}"/>
-                </a:ext>
-              </a:extLst>
-            </p:cNvPr>
-            <p:cNvSpPr/>
-            <p:nvPr/>
-          </p:nvSpPr>
-          <p:spPr>
-            <a:xfrm>
-              <a:off x="10812543" y="3662949"/>
-              <a:ext cx="104400" cy="187016"/>
-            </a:xfrm>
-            <a:prstGeom prst="rect">
-              <a:avLst/>
-            </a:prstGeom>
-            <a:solidFill>
-              <a:schemeClr val="bg1"/>
-            </a:solidFill>
-            <a:ln>
-              <a:solidFill>
-                <a:srgbClr val="B44D82"/>
-              </a:solidFill>
-            </a:ln>
-          </p:spPr>
-          <p:style>
-            <a:lnRef idx="2">
-              <a:schemeClr val="accent1">
-                <a:shade val="50000"/>
-              </a:schemeClr>
-            </a:lnRef>
-            <a:fillRef idx="1">
-              <a:schemeClr val="accent1"/>
-            </a:fillRef>
-            <a:effectRef idx="0">
-              <a:schemeClr val="accent1"/>
-            </a:effectRef>
-            <a:fontRef idx="minor">
-              <a:schemeClr val="lt1"/>
-            </a:fontRef>
-          </p:style>
-          <p:txBody>
-            <a:bodyPr rtlCol="0" anchor="ctr"/>
-            <a:lstStyle/>
-            <a:p>
-              <a:pPr algn="ctr"/>
-              <a:endParaRPr lang="en-SG"/>
-            </a:p>
-          </p:txBody>
-        </p:sp>
-        <p:cxnSp>
-          <p:nvCxnSpPr>
-            <p:cNvPr id="87" name="Straight Arrow Connector 86">
-              <a:extLst>
-                <a:ext uri="{FF2B5EF4-FFF2-40B4-BE49-F238E27FC236}">
-                  <a16:creationId xmlns:a16="http://schemas.microsoft.com/office/drawing/2014/main" id="{A7440AC3-FC37-405E-BA3A-47F91BB9357C}"/>
-                </a:ext>
-              </a:extLst>
-            </p:cNvPr>
-            <p:cNvCxnSpPr>
-              <a:cxnSpLocks/>
-            </p:cNvCxnSpPr>
-            <p:nvPr/>
-          </p:nvCxnSpPr>
-          <p:spPr>
-            <a:xfrm flipH="1">
-              <a:off x="9286640" y="4090985"/>
-              <a:ext cx="159928" cy="80931"/>
-            </a:xfrm>
-            <a:prstGeom prst="straightConnector1">
-              <a:avLst/>
-            </a:prstGeom>
-            <a:ln w="19050">
-              <a:solidFill>
-                <a:srgbClr val="B44D82"/>
-              </a:solidFill>
-              <a:tailEnd type="triangle"/>
-            </a:ln>
-          </p:spPr>
-          <p:style>
-            <a:lnRef idx="1">
-              <a:schemeClr val="accent1"/>
-            </a:lnRef>
-            <a:fillRef idx="0">
-              <a:schemeClr val="accent1"/>
-            </a:fillRef>
-            <a:effectRef idx="0">
-              <a:schemeClr val="accent1"/>
-            </a:effectRef>
-            <a:fontRef idx="minor">
-              <a:schemeClr val="tx1"/>
-            </a:fontRef>
-          </p:style>
-        </p:cxnSp>
-        <p:cxnSp>
-          <p:nvCxnSpPr>
-            <p:cNvPr id="94" name="Straight Connector 93">
-              <a:extLst>
-                <a:ext uri="{FF2B5EF4-FFF2-40B4-BE49-F238E27FC236}">
-                  <a16:creationId xmlns:a16="http://schemas.microsoft.com/office/drawing/2014/main" id="{9817E901-6CCD-4CA5-A036-83F29CB1FC41}"/>
-                </a:ext>
-              </a:extLst>
-            </p:cNvPr>
-            <p:cNvCxnSpPr/>
-            <p:nvPr/>
-          </p:nvCxnSpPr>
-          <p:spPr>
-            <a:xfrm flipH="1" flipV="1">
-              <a:off x="9221909" y="4020535"/>
-              <a:ext cx="227592" cy="75232"/>
-            </a:xfrm>
-            <a:prstGeom prst="line">
-              <a:avLst/>
-            </a:prstGeom>
-            <a:ln w="19050">
-              <a:solidFill>
-                <a:srgbClr val="B44D82"/>
-              </a:solidFill>
-            </a:ln>
-          </p:spPr>
-          <p:style>
-            <a:lnRef idx="1">
-              <a:schemeClr val="accent1"/>
-            </a:lnRef>
-            <a:fillRef idx="0">
-              <a:schemeClr val="accent1"/>
-            </a:fillRef>
-            <a:effectRef idx="0">
-              <a:schemeClr val="accent1"/>
-            </a:effectRef>
-            <a:fontRef idx="minor">
-              <a:schemeClr val="tx1"/>
-            </a:fontRef>
-          </p:style>
-        </p:cxnSp>
-        <p:cxnSp>
-          <p:nvCxnSpPr>
-            <p:cNvPr id="132" name="Straight Connector 131">
-              <a:extLst>
-                <a:ext uri="{FF2B5EF4-FFF2-40B4-BE49-F238E27FC236}">
-                  <a16:creationId xmlns:a16="http://schemas.microsoft.com/office/drawing/2014/main" id="{06F1C65A-387F-457D-8202-7FAE8F8C6746}"/>
-                </a:ext>
-              </a:extLst>
-            </p:cNvPr>
-            <p:cNvCxnSpPr/>
-            <p:nvPr/>
-          </p:nvCxnSpPr>
-          <p:spPr>
-            <a:xfrm flipH="1" flipV="1">
-              <a:off x="9286640" y="4384300"/>
-              <a:ext cx="227592" cy="75232"/>
-            </a:xfrm>
-            <a:prstGeom prst="line">
-              <a:avLst/>
-            </a:prstGeom>
-            <a:ln w="19050">
-              <a:solidFill>
-                <a:srgbClr val="B44D82"/>
-              </a:solidFill>
-              <a:prstDash val="sysDash"/>
-            </a:ln>
-          </p:spPr>
-          <p:style>
-            <a:lnRef idx="1">
-              <a:schemeClr val="accent1"/>
-            </a:lnRef>
-            <a:fillRef idx="0">
-              <a:schemeClr val="accent1"/>
-            </a:fillRef>
-            <a:effectRef idx="0">
-              <a:schemeClr val="accent1"/>
-            </a:effectRef>
-            <a:fontRef idx="minor">
-              <a:schemeClr val="tx1"/>
-            </a:fontRef>
-          </p:style>
-        </p:cxnSp>
-        <p:cxnSp>
-          <p:nvCxnSpPr>
-            <p:cNvPr id="134" name="Straight Arrow Connector 133">
-              <a:extLst>
-                <a:ext uri="{FF2B5EF4-FFF2-40B4-BE49-F238E27FC236}">
-                  <a16:creationId xmlns:a16="http://schemas.microsoft.com/office/drawing/2014/main" id="{BAAB65F5-D8E1-477F-B2AD-11141F274BED}"/>
-                </a:ext>
-              </a:extLst>
-            </p:cNvPr>
-            <p:cNvCxnSpPr>
-              <a:cxnSpLocks/>
-            </p:cNvCxnSpPr>
-            <p:nvPr/>
-          </p:nvCxnSpPr>
-          <p:spPr>
-            <a:xfrm flipH="1">
-              <a:off x="9221909" y="4461861"/>
-              <a:ext cx="292323" cy="73318"/>
-            </a:xfrm>
-            <a:prstGeom prst="straightConnector1">
-              <a:avLst/>
-            </a:prstGeom>
-            <a:ln w="19050">
-              <a:solidFill>
-                <a:srgbClr val="B44D82"/>
-              </a:solidFill>
-              <a:prstDash val="sysDash"/>
-              <a:tailEnd type="triangle"/>
-            </a:ln>
-          </p:spPr>
-          <p:style>
-            <a:lnRef idx="1">
-              <a:schemeClr val="accent1"/>
-            </a:lnRef>
-            <a:fillRef idx="0">
-              <a:schemeClr val="accent1"/>
-            </a:fillRef>
-            <a:effectRef idx="0">
-              <a:schemeClr val="accent1"/>
-            </a:effectRef>
-            <a:fontRef idx="minor">
-              <a:schemeClr val="tx1"/>
-            </a:fontRef>
-          </p:style>
-        </p:cxnSp>
-        <p:cxnSp>
-          <p:nvCxnSpPr>
-            <p:cNvPr id="135" name="Straight Arrow Connector 134">
-              <a:extLst>
-                <a:ext uri="{FF2B5EF4-FFF2-40B4-BE49-F238E27FC236}">
-                  <a16:creationId xmlns:a16="http://schemas.microsoft.com/office/drawing/2014/main" id="{41C074CE-9CA4-4DDE-BA04-5F513C5A0145}"/>
-                </a:ext>
-              </a:extLst>
-            </p:cNvPr>
-            <p:cNvCxnSpPr>
-              <a:cxnSpLocks/>
-            </p:cNvCxnSpPr>
-            <p:nvPr/>
-          </p:nvCxnSpPr>
-          <p:spPr>
-            <a:xfrm flipH="1">
-              <a:off x="9287971" y="5218979"/>
-              <a:ext cx="170320" cy="54514"/>
-            </a:xfrm>
-            <a:prstGeom prst="straightConnector1">
-              <a:avLst/>
-            </a:prstGeom>
-            <a:ln w="19050">
-              <a:solidFill>
-                <a:srgbClr val="B44D82"/>
-              </a:solidFill>
-              <a:tailEnd type="triangle"/>
-            </a:ln>
-          </p:spPr>
-          <p:style>
-            <a:lnRef idx="1">
-              <a:schemeClr val="accent1"/>
-            </a:lnRef>
-            <a:fillRef idx="0">
-              <a:schemeClr val="accent1"/>
-            </a:fillRef>
-            <a:effectRef idx="0">
-              <a:schemeClr val="accent1"/>
-            </a:effectRef>
-            <a:fontRef idx="minor">
-              <a:schemeClr val="tx1"/>
-            </a:fontRef>
-          </p:style>
-        </p:cxnSp>
-        <p:cxnSp>
-          <p:nvCxnSpPr>
-            <p:cNvPr id="142" name="Straight Connector 141">
-              <a:extLst>
-                <a:ext uri="{FF2B5EF4-FFF2-40B4-BE49-F238E27FC236}">
-                  <a16:creationId xmlns:a16="http://schemas.microsoft.com/office/drawing/2014/main" id="{F9884612-40AE-46EC-BDE0-9756B772A728}"/>
-                </a:ext>
-              </a:extLst>
-            </p:cNvPr>
-            <p:cNvCxnSpPr/>
-            <p:nvPr/>
-          </p:nvCxnSpPr>
-          <p:spPr>
-            <a:xfrm flipH="1" flipV="1">
-              <a:off x="9232116" y="5149410"/>
-              <a:ext cx="227592" cy="75232"/>
-            </a:xfrm>
-            <a:prstGeom prst="line">
-              <a:avLst/>
-            </a:prstGeom>
-            <a:ln w="19050">
-              <a:solidFill>
-                <a:srgbClr val="B44D82"/>
-              </a:solidFill>
-            </a:ln>
-          </p:spPr>
-          <p:style>
-            <a:lnRef idx="1">
-              <a:schemeClr val="accent1"/>
-            </a:lnRef>
-            <a:fillRef idx="0">
-              <a:schemeClr val="accent1"/>
-            </a:fillRef>
-            <a:effectRef idx="0">
-              <a:schemeClr val="accent1"/>
-            </a:effectRef>
-            <a:fontRef idx="minor">
-              <a:schemeClr val="tx1"/>
-            </a:fontRef>
-          </p:style>
-        </p:cxnSp>
-        <p:cxnSp>
-          <p:nvCxnSpPr>
-            <p:cNvPr id="143" name="Straight Connector 142">
-              <a:extLst>
-                <a:ext uri="{FF2B5EF4-FFF2-40B4-BE49-F238E27FC236}">
-                  <a16:creationId xmlns:a16="http://schemas.microsoft.com/office/drawing/2014/main" id="{0DEFB5F6-D76C-4C9E-A00D-FD3715669EE7}"/>
-                </a:ext>
-              </a:extLst>
-            </p:cNvPr>
-            <p:cNvCxnSpPr>
-              <a:cxnSpLocks/>
-            </p:cNvCxnSpPr>
-            <p:nvPr/>
-          </p:nvCxnSpPr>
-          <p:spPr>
-            <a:xfrm flipH="1" flipV="1">
-              <a:off x="9292251" y="5471375"/>
-              <a:ext cx="221981" cy="14084"/>
-            </a:xfrm>
-            <a:prstGeom prst="line">
-              <a:avLst/>
-            </a:prstGeom>
-            <a:ln w="19050">
-              <a:solidFill>
-                <a:srgbClr val="B44D82"/>
-              </a:solidFill>
-              <a:prstDash val="sysDash"/>
-            </a:ln>
-          </p:spPr>
-          <p:style>
-            <a:lnRef idx="1">
-              <a:schemeClr val="accent1"/>
-            </a:lnRef>
-            <a:fillRef idx="0">
-              <a:schemeClr val="accent1"/>
-            </a:fillRef>
-            <a:effectRef idx="0">
-              <a:schemeClr val="accent1"/>
-            </a:effectRef>
-            <a:fontRef idx="minor">
-              <a:schemeClr val="tx1"/>
-            </a:fontRef>
-          </p:style>
-        </p:cxnSp>
-        <p:cxnSp>
-          <p:nvCxnSpPr>
-            <p:cNvPr id="144" name="Straight Arrow Connector 143">
-              <a:extLst>
-                <a:ext uri="{FF2B5EF4-FFF2-40B4-BE49-F238E27FC236}">
-                  <a16:creationId xmlns:a16="http://schemas.microsoft.com/office/drawing/2014/main" id="{436DC69E-F15E-41D6-BB2C-E990D55611AE}"/>
-                </a:ext>
-              </a:extLst>
-            </p:cNvPr>
-            <p:cNvCxnSpPr>
-              <a:cxnSpLocks/>
-            </p:cNvCxnSpPr>
-            <p:nvPr/>
-          </p:nvCxnSpPr>
-          <p:spPr>
-            <a:xfrm flipH="1">
-              <a:off x="9222514" y="5485459"/>
-              <a:ext cx="292323" cy="73318"/>
-            </a:xfrm>
-            <a:prstGeom prst="straightConnector1">
-              <a:avLst/>
-            </a:prstGeom>
-            <a:ln w="19050">
-              <a:solidFill>
-                <a:srgbClr val="B44D82"/>
-              </a:solidFill>
-              <a:prstDash val="sysDash"/>
-              <a:tailEnd type="triangle"/>
-            </a:ln>
-          </p:spPr>
-          <p:style>
-            <a:lnRef idx="1">
-              <a:schemeClr val="accent1"/>
-            </a:lnRef>
-            <a:fillRef idx="0">
-              <a:schemeClr val="accent1"/>
-            </a:fillRef>
-            <a:effectRef idx="0">
-              <a:schemeClr val="accent1"/>
-            </a:effectRef>
-            <a:fontRef idx="minor">
-              <a:schemeClr val="tx1"/>
-            </a:fontRef>
-          </p:style>
-        </p:cxnSp>
-        <p:sp>
-          <p:nvSpPr>
-            <p:cNvPr id="145" name="TextBox 144">
-              <a:extLst>
-                <a:ext uri="{FF2B5EF4-FFF2-40B4-BE49-F238E27FC236}">
-                  <a16:creationId xmlns:a16="http://schemas.microsoft.com/office/drawing/2014/main" id="{27C53895-6738-4B77-98CF-6194CBD3365D}"/>
-                </a:ext>
-              </a:extLst>
-            </p:cNvPr>
-            <p:cNvSpPr txBox="1"/>
-            <p:nvPr/>
-          </p:nvSpPr>
-          <p:spPr>
-            <a:xfrm>
-              <a:off x="9232116" y="5258473"/>
-              <a:ext cx="1757212" cy="215444"/>
-            </a:xfrm>
-            <a:prstGeom prst="rect">
-              <a:avLst/>
-            </a:prstGeom>
-            <a:noFill/>
-          </p:spPr>
-          <p:txBody>
-            <a:bodyPr wrap="none" rtlCol="0">
-              <a:spAutoFit/>
-            </a:bodyPr>
-            <a:lstStyle/>
-            <a:p>
-              <a:r>
-                <a:rPr lang="en-SG" sz="800" b="1" dirty="0"/>
-                <a:t>updateFilteredModuleList(predicate)</a:t>
-              </a:r>
-            </a:p>
-          </p:txBody>
-        </p:sp>
-        <p:sp>
-          <p:nvSpPr>
-            <p:cNvPr id="147" name="TextBox 146">
-              <a:extLst>
-                <a:ext uri="{FF2B5EF4-FFF2-40B4-BE49-F238E27FC236}">
-                  <a16:creationId xmlns:a16="http://schemas.microsoft.com/office/drawing/2014/main" id="{53B609C3-437D-4593-90E2-6DDF2967BF63}"/>
-                </a:ext>
-              </a:extLst>
-            </p:cNvPr>
-            <p:cNvSpPr txBox="1"/>
-            <p:nvPr/>
-          </p:nvSpPr>
-          <p:spPr>
-            <a:xfrm>
-              <a:off x="9221909" y="4178962"/>
-              <a:ext cx="1760418" cy="215444"/>
-            </a:xfrm>
-            <a:prstGeom prst="rect">
-              <a:avLst/>
-            </a:prstGeom>
-            <a:noFill/>
-          </p:spPr>
-          <p:txBody>
-            <a:bodyPr wrap="none" rtlCol="0">
-              <a:spAutoFit/>
-            </a:bodyPr>
-            <a:lstStyle/>
-            <a:p>
-              <a:r>
-                <a:rPr lang="en-SG" sz="800" b="1" dirty="0"/>
-                <a:t>updateFilteredStudentList(predicate)</a:t>
-              </a:r>
-            </a:p>
-          </p:txBody>
-        </p:sp>
       </p:grpSp>
     </p:spTree>
     <p:extLst>
